--- a/mivc/presentation material/Release 1 Presentation (WIP).pptx
+++ b/mivc/presentation material/Release 1 Presentation (WIP).pptx
@@ -1,28 +1,28 @@
 
 <file path=ppt/presentation.xml><?xml version="1.0" encoding="utf-8"?>
-<p:presentation xmlns:a="http://schemas.openxmlformats.org/drawingml/2006/main" xmlns:r="http://schemas.openxmlformats.org/officeDocument/2006/relationships" xmlns:mc="http://schemas.openxmlformats.org/markup-compatibility/2006" xmlns:mv="urn:schemas-microsoft-com:mac:vml" xmlns:p="http://schemas.openxmlformats.org/presentationml/2006/main" xmlns:c="http://schemas.openxmlformats.org/drawingml/2006/chart" xmlns:dgm="http://schemas.openxmlformats.org/drawingml/2006/diagram" xmlns:o="urn:schemas-microsoft-com:office:office" xmlns:v="urn:schemas-microsoft-com:vml" xmlns:pvml="urn:schemas-microsoft-com:office:powerpoint" xmlns:com="http://schemas.openxmlformats.org/drawingml/2006/compatibility" xmlns:p14="http://schemas.microsoft.com/office/powerpoint/2010/main" saveSubsetFonts="1" autoCompressPictures="0" mc:PreserveAttributes="mv:*" mc:Ignorable="mv">
+<p:presentation xmlns:a="http://schemas.openxmlformats.org/drawingml/2006/main" xmlns:r="http://schemas.openxmlformats.org/officeDocument/2006/relationships" xmlns:p="http://schemas.openxmlformats.org/presentationml/2006/main" saveSubsetFonts="1" autoCompressPictures="0">
   <p:sldMasterIdLst>
-    <p:sldMasterId id="2147483654" r:id="rId4"/>
+    <p:sldMasterId id="2147483654" r:id="rId1"/>
   </p:sldMasterIdLst>
   <p:notesMasterIdLst>
-    <p:notesMasterId r:id="rId5"/>
+    <p:notesMasterId r:id="rId12"/>
   </p:notesMasterIdLst>
   <p:sldIdLst>
-    <p:sldId id="256" r:id="rId6"/>
-    <p:sldId id="257" r:id="rId7"/>
-    <p:sldId id="258" r:id="rId8"/>
-    <p:sldId id="259" r:id="rId9"/>
-    <p:sldId id="260" r:id="rId10"/>
-    <p:sldId id="261" r:id="rId11"/>
-    <p:sldId id="262" r:id="rId12"/>
-    <p:sldId id="263" r:id="rId13"/>
-    <p:sldId id="264" r:id="rId14"/>
-    <p:sldId id="265" r:id="rId15"/>
+    <p:sldId id="256" r:id="rId2"/>
+    <p:sldId id="257" r:id="rId3"/>
+    <p:sldId id="258" r:id="rId4"/>
+    <p:sldId id="259" r:id="rId5"/>
+    <p:sldId id="260" r:id="rId6"/>
+    <p:sldId id="261" r:id="rId7"/>
+    <p:sldId id="262" r:id="rId8"/>
+    <p:sldId id="263" r:id="rId9"/>
+    <p:sldId id="264" r:id="rId10"/>
+    <p:sldId id="265" r:id="rId11"/>
   </p:sldIdLst>
-  <p:sldSz cy="6858000" cx="9144000"/>
-  <p:notesSz cy="9144000" cx="6858000"/>
+  <p:sldSz cx="9144000" cy="6858000" type="screen4x3"/>
+  <p:notesSz cx="6858000" cy="9144000"/>
   <p:defaultTextStyle>
-    <a:defPPr algn="l" rtl="0" marR="0">
+    <a:defPPr marR="0" algn="l" rtl="0">
       <a:lnSpc>
         <a:spcPct val="100000"/>
       </a:lnSpc>
@@ -33,7 +33,7 @@
         <a:spcPts val="0"/>
       </a:spcAft>
     </a:defPPr>
-    <a:lvl1pPr algn="l" rtl="0" marR="0">
+    <a:lvl1pPr marR="0" algn="l" rtl="0">
       <a:lnSpc>
         <a:spcPct val="100000"/>
       </a:lnSpc>
@@ -44,7 +44,7 @@
         <a:spcPts val="0"/>
       </a:spcAft>
       <a:buNone/>
-      <a:defRPr strike="noStrike" u="none" b="0" cap="none" baseline="0" sz="1400" i="0">
+      <a:defRPr sz="1400" b="0" i="0" u="none" strike="noStrike" cap="none" baseline="0">
         <a:solidFill>
           <a:srgbClr val="000000"/>
         </a:solidFill>
@@ -55,7 +55,7 @@
         <a:rtl val="0"/>
       </a:defRPr>
     </a:lvl1pPr>
-    <a:lvl2pPr algn="l" rtl="0" marR="0">
+    <a:lvl2pPr marR="0" algn="l" rtl="0">
       <a:lnSpc>
         <a:spcPct val="100000"/>
       </a:lnSpc>
@@ -66,7 +66,7 @@
         <a:spcPts val="0"/>
       </a:spcAft>
       <a:buNone/>
-      <a:defRPr strike="noStrike" u="none" b="0" cap="none" baseline="0" sz="1400" i="0">
+      <a:defRPr sz="1400" b="0" i="0" u="none" strike="noStrike" cap="none" baseline="0">
         <a:solidFill>
           <a:srgbClr val="000000"/>
         </a:solidFill>
@@ -77,7 +77,7 @@
         <a:rtl val="0"/>
       </a:defRPr>
     </a:lvl2pPr>
-    <a:lvl3pPr algn="l" rtl="0" marR="0">
+    <a:lvl3pPr marR="0" algn="l" rtl="0">
       <a:lnSpc>
         <a:spcPct val="100000"/>
       </a:lnSpc>
@@ -88,7 +88,7 @@
         <a:spcPts val="0"/>
       </a:spcAft>
       <a:buNone/>
-      <a:defRPr strike="noStrike" u="none" b="0" cap="none" baseline="0" sz="1400" i="0">
+      <a:defRPr sz="1400" b="0" i="0" u="none" strike="noStrike" cap="none" baseline="0">
         <a:solidFill>
           <a:srgbClr val="000000"/>
         </a:solidFill>
@@ -99,7 +99,7 @@
         <a:rtl val="0"/>
       </a:defRPr>
     </a:lvl3pPr>
-    <a:lvl4pPr algn="l" rtl="0" marR="0">
+    <a:lvl4pPr marR="0" algn="l" rtl="0">
       <a:lnSpc>
         <a:spcPct val="100000"/>
       </a:lnSpc>
@@ -110,7 +110,7 @@
         <a:spcPts val="0"/>
       </a:spcAft>
       <a:buNone/>
-      <a:defRPr strike="noStrike" u="none" b="0" cap="none" baseline="0" sz="1400" i="0">
+      <a:defRPr sz="1400" b="0" i="0" u="none" strike="noStrike" cap="none" baseline="0">
         <a:solidFill>
           <a:srgbClr val="000000"/>
         </a:solidFill>
@@ -121,7 +121,7 @@
         <a:rtl val="0"/>
       </a:defRPr>
     </a:lvl4pPr>
-    <a:lvl5pPr algn="l" rtl="0" marR="0">
+    <a:lvl5pPr marR="0" algn="l" rtl="0">
       <a:lnSpc>
         <a:spcPct val="100000"/>
       </a:lnSpc>
@@ -132,7 +132,7 @@
         <a:spcPts val="0"/>
       </a:spcAft>
       <a:buNone/>
-      <a:defRPr strike="noStrike" u="none" b="0" cap="none" baseline="0" sz="1400" i="0">
+      <a:defRPr sz="1400" b="0" i="0" u="none" strike="noStrike" cap="none" baseline="0">
         <a:solidFill>
           <a:srgbClr val="000000"/>
         </a:solidFill>
@@ -143,7 +143,7 @@
         <a:rtl val="0"/>
       </a:defRPr>
     </a:lvl5pPr>
-    <a:lvl6pPr algn="l" rtl="0" marR="0">
+    <a:lvl6pPr marR="0" algn="l" rtl="0">
       <a:lnSpc>
         <a:spcPct val="100000"/>
       </a:lnSpc>
@@ -154,7 +154,7 @@
         <a:spcPts val="0"/>
       </a:spcAft>
       <a:buNone/>
-      <a:defRPr strike="noStrike" u="none" b="0" cap="none" baseline="0" sz="1400" i="0">
+      <a:defRPr sz="1400" b="0" i="0" u="none" strike="noStrike" cap="none" baseline="0">
         <a:solidFill>
           <a:srgbClr val="000000"/>
         </a:solidFill>
@@ -165,7 +165,7 @@
         <a:rtl val="0"/>
       </a:defRPr>
     </a:lvl6pPr>
-    <a:lvl7pPr algn="l" rtl="0" marR="0">
+    <a:lvl7pPr marR="0" algn="l" rtl="0">
       <a:lnSpc>
         <a:spcPct val="100000"/>
       </a:lnSpc>
@@ -176,7 +176,7 @@
         <a:spcPts val="0"/>
       </a:spcAft>
       <a:buNone/>
-      <a:defRPr strike="noStrike" u="none" b="0" cap="none" baseline="0" sz="1400" i="0">
+      <a:defRPr sz="1400" b="0" i="0" u="none" strike="noStrike" cap="none" baseline="0">
         <a:solidFill>
           <a:srgbClr val="000000"/>
         </a:solidFill>
@@ -187,7 +187,7 @@
         <a:rtl val="0"/>
       </a:defRPr>
     </a:lvl7pPr>
-    <a:lvl8pPr algn="l" rtl="0" marR="0">
+    <a:lvl8pPr marR="0" algn="l" rtl="0">
       <a:lnSpc>
         <a:spcPct val="100000"/>
       </a:lnSpc>
@@ -198,7 +198,7 @@
         <a:spcPts val="0"/>
       </a:spcAft>
       <a:buNone/>
-      <a:defRPr strike="noStrike" u="none" b="0" cap="none" baseline="0" sz="1400" i="0">
+      <a:defRPr sz="1400" b="0" i="0" u="none" strike="noStrike" cap="none" baseline="0">
         <a:solidFill>
           <a:srgbClr val="000000"/>
         </a:solidFill>
@@ -209,7 +209,7 @@
         <a:rtl val="0"/>
       </a:defRPr>
     </a:lvl8pPr>
-    <a:lvl9pPr algn="l" rtl="0" marR="0">
+    <a:lvl9pPr marR="0" algn="l" rtl="0">
       <a:lnSpc>
         <a:spcPct val="100000"/>
       </a:lnSpc>
@@ -220,7 +220,7 @@
         <a:spcPts val="0"/>
       </a:spcAft>
       <a:buNone/>
-      <a:defRPr strike="noStrike" u="none" b="0" cap="none" baseline="0" sz="1400" i="0">
+      <a:defRPr sz="1400" b="0" i="0" u="none" strike="noStrike" cap="none" baseline="0">
         <a:solidFill>
           <a:srgbClr val="000000"/>
         </a:solidFill>
@@ -236,8 +236,13 @@
 </file>
 
 <file path=ppt/notesMasters/notesMaster1.xml><?xml version="1.0" encoding="utf-8"?>
-<p:notesMaster xmlns:a="http://schemas.openxmlformats.org/drawingml/2006/main" xmlns:r="http://schemas.openxmlformats.org/officeDocument/2006/relationships" xmlns:mc="http://schemas.openxmlformats.org/markup-compatibility/2006" xmlns:mv="urn:schemas-microsoft-com:mac:vml" xmlns:p="http://schemas.openxmlformats.org/presentationml/2006/main" xmlns:c="http://schemas.openxmlformats.org/drawingml/2006/chart" xmlns:dgm="http://schemas.openxmlformats.org/drawingml/2006/diagram" xmlns:o="urn:schemas-microsoft-com:office:office" xmlns:v="urn:schemas-microsoft-com:vml" xmlns:pvml="urn:schemas-microsoft-com:office:powerpoint" xmlns:com="http://schemas.openxmlformats.org/drawingml/2006/compatibility" xmlns:p14="http://schemas.microsoft.com/office/powerpoint/2010/main">
+<p:notesMaster xmlns:a="http://schemas.openxmlformats.org/drawingml/2006/main" xmlns:r="http://schemas.openxmlformats.org/officeDocument/2006/relationships" xmlns:p="http://schemas.openxmlformats.org/presentationml/2006/main">
   <p:cSld>
+    <p:bg>
+      <p:bgRef idx="1001">
+        <a:schemeClr val="bg1"/>
+      </p:bgRef>
+    </p:bg>
     <p:spTree>
       <p:nvGrpSpPr>
         <p:cNvPr id="1" name="Shape 1"/>
@@ -246,39 +251,46 @@
       </p:nvGrpSpPr>
       <p:grpSpPr>
         <a:xfrm>
-          <a:off y="0" x="0"/>
-          <a:ext cy="0" cx="0"/>
-          <a:chOff y="0" x="0"/>
-          <a:chExt cy="0" cx="0"/>
+          <a:off x="0" y="0"/>
+          <a:ext cx="0" cy="0"/>
+          <a:chOff x="0" y="0"/>
+          <a:chExt cx="0" cy="0"/>
         </a:xfrm>
       </p:grpSpPr>
       <p:sp>
         <p:nvSpPr>
           <p:cNvPr id="2" name="Shape 2"/>
-          <p:cNvSpPr/>
+          <p:cNvSpPr>
+            <a:spLocks noGrp="1" noRot="1" noChangeAspect="1"/>
+          </p:cNvSpPr>
           <p:nvPr>
-            <p:ph idx="2" type="sldImg"/>
+            <p:ph type="sldImg" idx="2"/>
           </p:nvPr>
         </p:nvSpPr>
         <p:spPr>
           <a:xfrm>
-            <a:off y="685800" x="1143225"/>
-            <a:ext cy="3429000" cx="4572225"/>
+            <a:off x="1143225" y="685800"/>
+            <a:ext cx="4572225" cy="3429000"/>
           </a:xfrm>
           <a:custGeom>
+            <a:avLst/>
+            <a:gdLst/>
+            <a:ahLst/>
+            <a:cxnLst/>
+            <a:rect l="0" t="0" r="0" b="0"/>
             <a:pathLst>
-              <a:path w="120000" extrusionOk="0" h="120000">
+              <a:path w="120000" h="120000" extrusionOk="0">
                 <a:moveTo>
-                  <a:pt y="0" x="0"/>
+                  <a:pt x="0" y="0"/>
                 </a:moveTo>
                 <a:lnTo>
-                  <a:pt y="0" x="120000"/>
+                  <a:pt x="120000" y="0"/>
                 </a:lnTo>
                 <a:lnTo>
-                  <a:pt y="120000" x="120000"/>
+                  <a:pt x="120000" y="120000"/>
                 </a:lnTo>
                 <a:lnTo>
-                  <a:pt y="120000" x="0"/>
+                  <a:pt x="0" y="120000"/>
                 </a:lnTo>
                 <a:close/>
               </a:path>
@@ -289,22 +301,24 @@
       <p:sp>
         <p:nvSpPr>
           <p:cNvPr id="3" name="Shape 3"/>
-          <p:cNvSpPr txBox="1"/>
+          <p:cNvSpPr txBox="1">
+            <a:spLocks noGrp="1"/>
+          </p:cNvSpPr>
           <p:nvPr>
-            <p:ph idx="1" type="body"/>
+            <p:ph type="body" idx="1"/>
           </p:nvPr>
         </p:nvSpPr>
         <p:spPr>
           <a:xfrm>
-            <a:off y="4343400" x="685800"/>
-            <a:ext cy="4114800" cx="5486399"/>
+            <a:off x="685800" y="4343400"/>
+            <a:ext cx="5486399" cy="4114800"/>
           </a:xfrm>
           <a:prstGeom prst="rect">
             <a:avLst/>
           </a:prstGeom>
         </p:spPr>
         <p:txBody>
-          <a:bodyPr bIns="91425" rIns="91425" lIns="91425" tIns="91425" anchor="t" anchorCtr="0"/>
+          <a:bodyPr lIns="91425" tIns="91425" rIns="91425" bIns="91425" anchor="t" anchorCtr="0"/>
           <a:lstStyle>
             <a:lvl1pPr>
               <a:defRPr sz="1100"/>
@@ -334,59 +348,165 @@
               <a:defRPr sz="1100"/>
             </a:lvl9pPr>
           </a:lstStyle>
-          <a:p/>
+          <a:p>
+            <a:endParaRPr/>
+          </a:p>
         </p:txBody>
       </p:sp>
     </p:spTree>
+    <p:extLst>
+      <p:ext uri="{BB962C8B-B14F-4D97-AF65-F5344CB8AC3E}">
+        <p14:creationId xmlns:p14="http://schemas.microsoft.com/office/powerpoint/2010/main" val="3270164590"/>
+      </p:ext>
+    </p:extLst>
   </p:cSld>
-  <p:clrMap accent2="accent2" accent3="accent3" accent4="accent4" accent5="accent5" accent6="accent6" hlink="hlink" tx2="lt2" tx1="dk1" bg2="dk2" bg1="lt1" folHlink="folHlink" accent1="accent1"/>
+  <p:clrMap bg1="lt1" tx1="dk1" bg2="dk2" tx2="lt2" accent1="accent1" accent2="accent2" accent3="accent3" accent4="accent4" accent5="accent5" accent6="accent6" hlink="hlink" folHlink="folHlink"/>
+  <p:notesStyle>
+    <a:lvl1pPr marL="0" algn="l" defTabSz="457200" rtl="0" eaLnBrk="1" latinLnBrk="0" hangingPunct="1">
+      <a:defRPr sz="1200" kern="1200">
+        <a:solidFill>
+          <a:schemeClr val="tx1"/>
+        </a:solidFill>
+        <a:latin typeface="+mn-lt"/>
+        <a:ea typeface="+mn-ea"/>
+        <a:cs typeface="+mn-cs"/>
+      </a:defRPr>
+    </a:lvl1pPr>
+    <a:lvl2pPr marL="457200" algn="l" defTabSz="457200" rtl="0" eaLnBrk="1" latinLnBrk="0" hangingPunct="1">
+      <a:defRPr sz="1200" kern="1200">
+        <a:solidFill>
+          <a:schemeClr val="tx1"/>
+        </a:solidFill>
+        <a:latin typeface="+mn-lt"/>
+        <a:ea typeface="+mn-ea"/>
+        <a:cs typeface="+mn-cs"/>
+      </a:defRPr>
+    </a:lvl2pPr>
+    <a:lvl3pPr marL="914400" algn="l" defTabSz="457200" rtl="0" eaLnBrk="1" latinLnBrk="0" hangingPunct="1">
+      <a:defRPr sz="1200" kern="1200">
+        <a:solidFill>
+          <a:schemeClr val="tx1"/>
+        </a:solidFill>
+        <a:latin typeface="+mn-lt"/>
+        <a:ea typeface="+mn-ea"/>
+        <a:cs typeface="+mn-cs"/>
+      </a:defRPr>
+    </a:lvl3pPr>
+    <a:lvl4pPr marL="1371600" algn="l" defTabSz="457200" rtl="0" eaLnBrk="1" latinLnBrk="0" hangingPunct="1">
+      <a:defRPr sz="1200" kern="1200">
+        <a:solidFill>
+          <a:schemeClr val="tx1"/>
+        </a:solidFill>
+        <a:latin typeface="+mn-lt"/>
+        <a:ea typeface="+mn-ea"/>
+        <a:cs typeface="+mn-cs"/>
+      </a:defRPr>
+    </a:lvl4pPr>
+    <a:lvl5pPr marL="1828800" algn="l" defTabSz="457200" rtl="0" eaLnBrk="1" latinLnBrk="0" hangingPunct="1">
+      <a:defRPr sz="1200" kern="1200">
+        <a:solidFill>
+          <a:schemeClr val="tx1"/>
+        </a:solidFill>
+        <a:latin typeface="+mn-lt"/>
+        <a:ea typeface="+mn-ea"/>
+        <a:cs typeface="+mn-cs"/>
+      </a:defRPr>
+    </a:lvl5pPr>
+    <a:lvl6pPr marL="2286000" algn="l" defTabSz="457200" rtl="0" eaLnBrk="1" latinLnBrk="0" hangingPunct="1">
+      <a:defRPr sz="1200" kern="1200">
+        <a:solidFill>
+          <a:schemeClr val="tx1"/>
+        </a:solidFill>
+        <a:latin typeface="+mn-lt"/>
+        <a:ea typeface="+mn-ea"/>
+        <a:cs typeface="+mn-cs"/>
+      </a:defRPr>
+    </a:lvl6pPr>
+    <a:lvl7pPr marL="2743200" algn="l" defTabSz="457200" rtl="0" eaLnBrk="1" latinLnBrk="0" hangingPunct="1">
+      <a:defRPr sz="1200" kern="1200">
+        <a:solidFill>
+          <a:schemeClr val="tx1"/>
+        </a:solidFill>
+        <a:latin typeface="+mn-lt"/>
+        <a:ea typeface="+mn-ea"/>
+        <a:cs typeface="+mn-cs"/>
+      </a:defRPr>
+    </a:lvl7pPr>
+    <a:lvl8pPr marL="3200400" algn="l" defTabSz="457200" rtl="0" eaLnBrk="1" latinLnBrk="0" hangingPunct="1">
+      <a:defRPr sz="1200" kern="1200">
+        <a:solidFill>
+          <a:schemeClr val="tx1"/>
+        </a:solidFill>
+        <a:latin typeface="+mn-lt"/>
+        <a:ea typeface="+mn-ea"/>
+        <a:cs typeface="+mn-cs"/>
+      </a:defRPr>
+    </a:lvl8pPr>
+    <a:lvl9pPr marL="3657600" algn="l" defTabSz="457200" rtl="0" eaLnBrk="1" latinLnBrk="0" hangingPunct="1">
+      <a:defRPr sz="1200" kern="1200">
+        <a:solidFill>
+          <a:schemeClr val="tx1"/>
+        </a:solidFill>
+        <a:latin typeface="+mn-lt"/>
+        <a:ea typeface="+mn-ea"/>
+        <a:cs typeface="+mn-cs"/>
+      </a:defRPr>
+    </a:lvl9pPr>
+  </p:notesStyle>
 </p:notesMaster>
 </file>
 
 <file path=ppt/notesSlides/notesSlide1.xml><?xml version="1.0" encoding="utf-8"?>
-<p:notes xmlns:a="http://schemas.openxmlformats.org/drawingml/2006/main" xmlns:r="http://schemas.openxmlformats.org/officeDocument/2006/relationships" xmlns:mc="http://schemas.openxmlformats.org/markup-compatibility/2006" xmlns:mv="urn:schemas-microsoft-com:mac:vml" xmlns:p="http://schemas.openxmlformats.org/presentationml/2006/main" xmlns:c="http://schemas.openxmlformats.org/drawingml/2006/chart" xmlns:dgm="http://schemas.openxmlformats.org/drawingml/2006/diagram" xmlns:o="urn:schemas-microsoft-com:office:office" xmlns:v="urn:schemas-microsoft-com:vml" xmlns:pvml="urn:schemas-microsoft-com:office:powerpoint" xmlns:com="http://schemas.openxmlformats.org/drawingml/2006/compatibility" xmlns:p14="http://schemas.microsoft.com/office/powerpoint/2010/main" showMasterSp="0" showMasterPhAnim="0">
+<p:notes xmlns:a="http://schemas.openxmlformats.org/drawingml/2006/main" xmlns:r="http://schemas.openxmlformats.org/officeDocument/2006/relationships" xmlns:p="http://schemas.openxmlformats.org/presentationml/2006/main" showMasterSp="0" showMasterPhAnim="0">
   <p:cSld>
     <p:spTree>
       <p:nvGrpSpPr>
-        <p:cNvPr id="41" name="Shape 41"/>
+        <p:cNvPr id="1" name="Shape 41"/>
         <p:cNvGrpSpPr/>
         <p:nvPr/>
       </p:nvGrpSpPr>
       <p:grpSpPr>
         <a:xfrm>
-          <a:off y="0" x="0"/>
-          <a:ext cy="0" cx="0"/>
-          <a:chOff y="0" x="0"/>
-          <a:chExt cy="0" cx="0"/>
+          <a:off x="0" y="0"/>
+          <a:ext cx="0" cy="0"/>
+          <a:chOff x="0" y="0"/>
+          <a:chExt cx="0" cy="0"/>
         </a:xfrm>
       </p:grpSpPr>
       <p:sp>
         <p:nvSpPr>
           <p:cNvPr id="42" name="Shape 42"/>
-          <p:cNvSpPr/>
+          <p:cNvSpPr>
+            <a:spLocks noGrp="1" noRot="1" noChangeAspect="1"/>
+          </p:cNvSpPr>
           <p:nvPr>
-            <p:ph idx="2" type="sldImg"/>
+            <p:ph type="sldImg" idx="2"/>
           </p:nvPr>
         </p:nvSpPr>
         <p:spPr>
           <a:xfrm>
-            <a:off y="685800" x="1143225"/>
-            <a:ext cy="3429000" cx="4572225"/>
+            <a:off x="1143225" y="685800"/>
+            <a:ext cx="4572225" cy="3429000"/>
           </a:xfrm>
           <a:custGeom>
+            <a:avLst/>
+            <a:gdLst/>
+            <a:ahLst/>
+            <a:cxnLst/>
+            <a:rect l="0" t="0" r="0" b="0"/>
             <a:pathLst>
-              <a:path w="120000" extrusionOk="0" h="120000">
+              <a:path w="120000" h="120000" extrusionOk="0">
                 <a:moveTo>
-                  <a:pt y="0" x="0"/>
+                  <a:pt x="0" y="0"/>
                 </a:moveTo>
                 <a:lnTo>
-                  <a:pt y="0" x="120000"/>
+                  <a:pt x="120000" y="0"/>
                 </a:lnTo>
                 <a:lnTo>
-                  <a:pt y="120000" x="120000"/>
+                  <a:pt x="120000" y="120000"/>
                 </a:lnTo>
                 <a:lnTo>
-                  <a:pt y="120000" x="0"/>
+                  <a:pt x="0" y="120000"/>
                 </a:lnTo>
                 <a:close/>
               </a:path>
@@ -397,26 +517,30 @@
       <p:sp>
         <p:nvSpPr>
           <p:cNvPr id="43" name="Shape 43"/>
-          <p:cNvSpPr txBox="1"/>
+          <p:cNvSpPr txBox="1">
+            <a:spLocks noGrp="1"/>
+          </p:cNvSpPr>
           <p:nvPr>
-            <p:ph idx="1" type="body"/>
+            <p:ph type="body" idx="1"/>
           </p:nvPr>
         </p:nvSpPr>
         <p:spPr>
           <a:xfrm>
-            <a:off y="4343400" x="685800"/>
-            <a:ext cy="4114800" cx="5486399"/>
+            <a:off x="685800" y="4343400"/>
+            <a:ext cx="5486399" cy="4114800"/>
           </a:xfrm>
           <a:prstGeom prst="rect">
             <a:avLst/>
           </a:prstGeom>
         </p:spPr>
         <p:txBody>
-          <a:bodyPr bIns="91425" rIns="91425" lIns="91425" tIns="91425" anchor="t" anchorCtr="0">
+          <a:bodyPr lIns="91425" tIns="91425" rIns="91425" bIns="91425" anchor="t" anchorCtr="0">
             <a:noAutofit/>
           </a:bodyPr>
           <a:lstStyle/>
-          <a:p/>
+          <a:p>
+            <a:endParaRPr/>
+          </a:p>
         </p:txBody>
       </p:sp>
     </p:spTree>
@@ -428,49 +552,56 @@
 </file>
 
 <file path=ppt/notesSlides/notesSlide10.xml><?xml version="1.0" encoding="utf-8"?>
-<p:notes xmlns:a="http://schemas.openxmlformats.org/drawingml/2006/main" xmlns:r="http://schemas.openxmlformats.org/officeDocument/2006/relationships" xmlns:mc="http://schemas.openxmlformats.org/markup-compatibility/2006" xmlns:mv="urn:schemas-microsoft-com:mac:vml" xmlns:p="http://schemas.openxmlformats.org/presentationml/2006/main" xmlns:c="http://schemas.openxmlformats.org/drawingml/2006/chart" xmlns:dgm="http://schemas.openxmlformats.org/drawingml/2006/diagram" xmlns:o="urn:schemas-microsoft-com:office:office" xmlns:v="urn:schemas-microsoft-com:vml" xmlns:pvml="urn:schemas-microsoft-com:office:powerpoint" xmlns:com="http://schemas.openxmlformats.org/drawingml/2006/compatibility" xmlns:p14="http://schemas.microsoft.com/office/powerpoint/2010/main" showMasterSp="0" showMasterPhAnim="0">
+<p:notes xmlns:a="http://schemas.openxmlformats.org/drawingml/2006/main" xmlns:r="http://schemas.openxmlformats.org/officeDocument/2006/relationships" xmlns:p="http://schemas.openxmlformats.org/presentationml/2006/main" showMasterSp="0" showMasterPhAnim="0">
   <p:cSld>
     <p:spTree>
       <p:nvGrpSpPr>
-        <p:cNvPr id="95" name="Shape 95"/>
+        <p:cNvPr id="1" name="Shape 95"/>
         <p:cNvGrpSpPr/>
         <p:nvPr/>
       </p:nvGrpSpPr>
       <p:grpSpPr>
         <a:xfrm>
-          <a:off y="0" x="0"/>
-          <a:ext cy="0" cx="0"/>
-          <a:chOff y="0" x="0"/>
-          <a:chExt cy="0" cx="0"/>
+          <a:off x="0" y="0"/>
+          <a:ext cx="0" cy="0"/>
+          <a:chOff x="0" y="0"/>
+          <a:chExt cx="0" cy="0"/>
         </a:xfrm>
       </p:grpSpPr>
       <p:sp>
         <p:nvSpPr>
           <p:cNvPr id="96" name="Shape 96"/>
-          <p:cNvSpPr/>
+          <p:cNvSpPr>
+            <a:spLocks noGrp="1" noRot="1" noChangeAspect="1"/>
+          </p:cNvSpPr>
           <p:nvPr>
-            <p:ph idx="2" type="sldImg"/>
+            <p:ph type="sldImg" idx="2"/>
           </p:nvPr>
         </p:nvSpPr>
         <p:spPr>
           <a:xfrm>
-            <a:off y="685800" x="1143225"/>
-            <a:ext cy="3429000" cx="4572299"/>
+            <a:off x="1143225" y="685800"/>
+            <a:ext cx="4572299" cy="3429000"/>
           </a:xfrm>
           <a:custGeom>
+            <a:avLst/>
+            <a:gdLst/>
+            <a:ahLst/>
+            <a:cxnLst/>
+            <a:rect l="0" t="0" r="0" b="0"/>
             <a:pathLst>
-              <a:path w="120000" extrusionOk="0" h="120000">
+              <a:path w="120000" h="120000" extrusionOk="0">
                 <a:moveTo>
-                  <a:pt y="0" x="0"/>
+                  <a:pt x="0" y="0"/>
                 </a:moveTo>
                 <a:lnTo>
-                  <a:pt y="0" x="120000"/>
+                  <a:pt x="120000" y="0"/>
                 </a:lnTo>
                 <a:lnTo>
-                  <a:pt y="120000" x="120000"/>
+                  <a:pt x="120000" y="120000"/>
                 </a:lnTo>
                 <a:lnTo>
-                  <a:pt y="120000" x="0"/>
+                  <a:pt x="0" y="120000"/>
                 </a:lnTo>
                 <a:close/>
               </a:path>
@@ -481,26 +612,30 @@
       <p:sp>
         <p:nvSpPr>
           <p:cNvPr id="97" name="Shape 97"/>
-          <p:cNvSpPr txBox="1"/>
+          <p:cNvSpPr txBox="1">
+            <a:spLocks noGrp="1"/>
+          </p:cNvSpPr>
           <p:nvPr>
-            <p:ph idx="1" type="body"/>
+            <p:ph type="body" idx="1"/>
           </p:nvPr>
         </p:nvSpPr>
         <p:spPr>
           <a:xfrm>
-            <a:off y="4343400" x="685800"/>
-            <a:ext cy="4114800" cx="5486399"/>
+            <a:off x="685800" y="4343400"/>
+            <a:ext cx="5486399" cy="4114800"/>
           </a:xfrm>
           <a:prstGeom prst="rect">
             <a:avLst/>
           </a:prstGeom>
         </p:spPr>
         <p:txBody>
-          <a:bodyPr bIns="91425" rIns="91425" lIns="91425" tIns="91425" anchor="t" anchorCtr="0">
+          <a:bodyPr lIns="91425" tIns="91425" rIns="91425" bIns="91425" anchor="t" anchorCtr="0">
             <a:noAutofit/>
           </a:bodyPr>
           <a:lstStyle/>
-          <a:p/>
+          <a:p>
+            <a:endParaRPr/>
+          </a:p>
         </p:txBody>
       </p:sp>
     </p:spTree>
@@ -512,49 +647,56 @@
 </file>
 
 <file path=ppt/notesSlides/notesSlide2.xml><?xml version="1.0" encoding="utf-8"?>
-<p:notes xmlns:a="http://schemas.openxmlformats.org/drawingml/2006/main" xmlns:r="http://schemas.openxmlformats.org/officeDocument/2006/relationships" xmlns:mc="http://schemas.openxmlformats.org/markup-compatibility/2006" xmlns:mv="urn:schemas-microsoft-com:mac:vml" xmlns:p="http://schemas.openxmlformats.org/presentationml/2006/main" xmlns:c="http://schemas.openxmlformats.org/drawingml/2006/chart" xmlns:dgm="http://schemas.openxmlformats.org/drawingml/2006/diagram" xmlns:o="urn:schemas-microsoft-com:office:office" xmlns:v="urn:schemas-microsoft-com:vml" xmlns:pvml="urn:schemas-microsoft-com:office:powerpoint" xmlns:com="http://schemas.openxmlformats.org/drawingml/2006/compatibility" xmlns:p14="http://schemas.microsoft.com/office/powerpoint/2010/main" showMasterSp="0" showMasterPhAnim="0">
+<p:notes xmlns:a="http://schemas.openxmlformats.org/drawingml/2006/main" xmlns:r="http://schemas.openxmlformats.org/officeDocument/2006/relationships" xmlns:p="http://schemas.openxmlformats.org/presentationml/2006/main" showMasterSp="0" showMasterPhAnim="0">
   <p:cSld>
     <p:spTree>
       <p:nvGrpSpPr>
-        <p:cNvPr id="47" name="Shape 47"/>
+        <p:cNvPr id="1" name="Shape 47"/>
         <p:cNvGrpSpPr/>
         <p:nvPr/>
       </p:nvGrpSpPr>
       <p:grpSpPr>
         <a:xfrm>
-          <a:off y="0" x="0"/>
-          <a:ext cy="0" cx="0"/>
-          <a:chOff y="0" x="0"/>
-          <a:chExt cy="0" cx="0"/>
+          <a:off x="0" y="0"/>
+          <a:ext cx="0" cy="0"/>
+          <a:chOff x="0" y="0"/>
+          <a:chExt cx="0" cy="0"/>
         </a:xfrm>
       </p:grpSpPr>
       <p:sp>
         <p:nvSpPr>
           <p:cNvPr id="48" name="Shape 48"/>
-          <p:cNvSpPr/>
+          <p:cNvSpPr>
+            <a:spLocks noGrp="1" noRot="1" noChangeAspect="1"/>
+          </p:cNvSpPr>
           <p:nvPr>
-            <p:ph idx="2" type="sldImg"/>
+            <p:ph type="sldImg" idx="2"/>
           </p:nvPr>
         </p:nvSpPr>
         <p:spPr>
           <a:xfrm>
-            <a:off y="685800" x="1143225"/>
-            <a:ext cy="3429000" cx="4572299"/>
+            <a:off x="1143000" y="685800"/>
+            <a:ext cx="4572000" cy="3429000"/>
           </a:xfrm>
           <a:custGeom>
+            <a:avLst/>
+            <a:gdLst/>
+            <a:ahLst/>
+            <a:cxnLst/>
+            <a:rect l="0" t="0" r="0" b="0"/>
             <a:pathLst>
-              <a:path w="120000" extrusionOk="0" h="120000">
+              <a:path w="120000" h="120000" extrusionOk="0">
                 <a:moveTo>
-                  <a:pt y="0" x="0"/>
+                  <a:pt x="0" y="0"/>
                 </a:moveTo>
                 <a:lnTo>
-                  <a:pt y="0" x="120000"/>
+                  <a:pt x="120000" y="0"/>
                 </a:lnTo>
                 <a:lnTo>
-                  <a:pt y="120000" x="120000"/>
+                  <a:pt x="120000" y="120000"/>
                 </a:lnTo>
                 <a:lnTo>
-                  <a:pt y="120000" x="0"/>
+                  <a:pt x="0" y="120000"/>
                 </a:lnTo>
                 <a:close/>
               </a:path>
@@ -565,26 +707,30 @@
       <p:sp>
         <p:nvSpPr>
           <p:cNvPr id="49" name="Shape 49"/>
-          <p:cNvSpPr txBox="1"/>
+          <p:cNvSpPr txBox="1">
+            <a:spLocks noGrp="1"/>
+          </p:cNvSpPr>
           <p:nvPr>
-            <p:ph idx="1" type="body"/>
+            <p:ph type="body" idx="1"/>
           </p:nvPr>
         </p:nvSpPr>
         <p:spPr>
           <a:xfrm>
-            <a:off y="4343400" x="685800"/>
-            <a:ext cy="4114800" cx="5486399"/>
+            <a:off x="685800" y="4343400"/>
+            <a:ext cx="5486399" cy="4114800"/>
           </a:xfrm>
           <a:prstGeom prst="rect">
             <a:avLst/>
           </a:prstGeom>
         </p:spPr>
         <p:txBody>
-          <a:bodyPr bIns="91425" rIns="91425" lIns="91425" tIns="91425" anchor="t" anchorCtr="0">
+          <a:bodyPr lIns="91425" tIns="91425" rIns="91425" bIns="91425" anchor="t" anchorCtr="0">
             <a:noAutofit/>
           </a:bodyPr>
           <a:lstStyle/>
-          <a:p/>
+          <a:p>
+            <a:endParaRPr/>
+          </a:p>
         </p:txBody>
       </p:sp>
     </p:spTree>
@@ -596,49 +742,56 @@
 </file>
 
 <file path=ppt/notesSlides/notesSlide3.xml><?xml version="1.0" encoding="utf-8"?>
-<p:notes xmlns:a="http://schemas.openxmlformats.org/drawingml/2006/main" xmlns:r="http://schemas.openxmlformats.org/officeDocument/2006/relationships" xmlns:mc="http://schemas.openxmlformats.org/markup-compatibility/2006" xmlns:mv="urn:schemas-microsoft-com:mac:vml" xmlns:p="http://schemas.openxmlformats.org/presentationml/2006/main" xmlns:c="http://schemas.openxmlformats.org/drawingml/2006/chart" xmlns:dgm="http://schemas.openxmlformats.org/drawingml/2006/diagram" xmlns:o="urn:schemas-microsoft-com:office:office" xmlns:v="urn:schemas-microsoft-com:vml" xmlns:pvml="urn:schemas-microsoft-com:office:powerpoint" xmlns:com="http://schemas.openxmlformats.org/drawingml/2006/compatibility" xmlns:p14="http://schemas.microsoft.com/office/powerpoint/2010/main" showMasterSp="0" showMasterPhAnim="0">
+<p:notes xmlns:a="http://schemas.openxmlformats.org/drawingml/2006/main" xmlns:r="http://schemas.openxmlformats.org/officeDocument/2006/relationships" xmlns:p="http://schemas.openxmlformats.org/presentationml/2006/main" showMasterSp="0" showMasterPhAnim="0">
   <p:cSld>
     <p:spTree>
       <p:nvGrpSpPr>
-        <p:cNvPr id="53" name="Shape 53"/>
+        <p:cNvPr id="1" name="Shape 53"/>
         <p:cNvGrpSpPr/>
         <p:nvPr/>
       </p:nvGrpSpPr>
       <p:grpSpPr>
         <a:xfrm>
-          <a:off y="0" x="0"/>
-          <a:ext cy="0" cx="0"/>
-          <a:chOff y="0" x="0"/>
-          <a:chExt cy="0" cx="0"/>
+          <a:off x="0" y="0"/>
+          <a:ext cx="0" cy="0"/>
+          <a:chOff x="0" y="0"/>
+          <a:chExt cx="0" cy="0"/>
         </a:xfrm>
       </p:grpSpPr>
       <p:sp>
         <p:nvSpPr>
           <p:cNvPr id="54" name="Shape 54"/>
-          <p:cNvSpPr/>
+          <p:cNvSpPr>
+            <a:spLocks noGrp="1" noRot="1" noChangeAspect="1"/>
+          </p:cNvSpPr>
           <p:nvPr>
-            <p:ph idx="2" type="sldImg"/>
+            <p:ph type="sldImg" idx="2"/>
           </p:nvPr>
         </p:nvSpPr>
         <p:spPr>
           <a:xfrm>
-            <a:off y="685800" x="1143225"/>
-            <a:ext cy="3429000" cx="4572299"/>
+            <a:off x="1143225" y="685800"/>
+            <a:ext cx="4572299" cy="3429000"/>
           </a:xfrm>
           <a:custGeom>
+            <a:avLst/>
+            <a:gdLst/>
+            <a:ahLst/>
+            <a:cxnLst/>
+            <a:rect l="0" t="0" r="0" b="0"/>
             <a:pathLst>
-              <a:path w="120000" extrusionOk="0" h="120000">
+              <a:path w="120000" h="120000" extrusionOk="0">
                 <a:moveTo>
-                  <a:pt y="0" x="0"/>
+                  <a:pt x="0" y="0"/>
                 </a:moveTo>
                 <a:lnTo>
-                  <a:pt y="0" x="120000"/>
+                  <a:pt x="120000" y="0"/>
                 </a:lnTo>
                 <a:lnTo>
-                  <a:pt y="120000" x="120000"/>
+                  <a:pt x="120000" y="120000"/>
                 </a:lnTo>
                 <a:lnTo>
-                  <a:pt y="120000" x="0"/>
+                  <a:pt x="0" y="120000"/>
                 </a:lnTo>
                 <a:close/>
               </a:path>
@@ -649,26 +802,30 @@
       <p:sp>
         <p:nvSpPr>
           <p:cNvPr id="55" name="Shape 55"/>
-          <p:cNvSpPr txBox="1"/>
+          <p:cNvSpPr txBox="1">
+            <a:spLocks noGrp="1"/>
+          </p:cNvSpPr>
           <p:nvPr>
-            <p:ph idx="1" type="body"/>
+            <p:ph type="body" idx="1"/>
           </p:nvPr>
         </p:nvSpPr>
         <p:spPr>
           <a:xfrm>
-            <a:off y="4343400" x="685800"/>
-            <a:ext cy="4114800" cx="5486399"/>
+            <a:off x="685800" y="4343400"/>
+            <a:ext cx="5486399" cy="4114800"/>
           </a:xfrm>
           <a:prstGeom prst="rect">
             <a:avLst/>
           </a:prstGeom>
         </p:spPr>
         <p:txBody>
-          <a:bodyPr bIns="91425" rIns="91425" lIns="91425" tIns="91425" anchor="t" anchorCtr="0">
+          <a:bodyPr lIns="91425" tIns="91425" rIns="91425" bIns="91425" anchor="t" anchorCtr="0">
             <a:noAutofit/>
           </a:bodyPr>
           <a:lstStyle/>
-          <a:p/>
+          <a:p>
+            <a:endParaRPr/>
+          </a:p>
         </p:txBody>
       </p:sp>
     </p:spTree>
@@ -680,49 +837,56 @@
 </file>
 
 <file path=ppt/notesSlides/notesSlide4.xml><?xml version="1.0" encoding="utf-8"?>
-<p:notes xmlns:a="http://schemas.openxmlformats.org/drawingml/2006/main" xmlns:r="http://schemas.openxmlformats.org/officeDocument/2006/relationships" xmlns:mc="http://schemas.openxmlformats.org/markup-compatibility/2006" xmlns:mv="urn:schemas-microsoft-com:mac:vml" xmlns:p="http://schemas.openxmlformats.org/presentationml/2006/main" xmlns:c="http://schemas.openxmlformats.org/drawingml/2006/chart" xmlns:dgm="http://schemas.openxmlformats.org/drawingml/2006/diagram" xmlns:o="urn:schemas-microsoft-com:office:office" xmlns:v="urn:schemas-microsoft-com:vml" xmlns:pvml="urn:schemas-microsoft-com:office:powerpoint" xmlns:com="http://schemas.openxmlformats.org/drawingml/2006/compatibility" xmlns:p14="http://schemas.microsoft.com/office/powerpoint/2010/main" showMasterSp="0" showMasterPhAnim="0">
+<p:notes xmlns:a="http://schemas.openxmlformats.org/drawingml/2006/main" xmlns:r="http://schemas.openxmlformats.org/officeDocument/2006/relationships" xmlns:p="http://schemas.openxmlformats.org/presentationml/2006/main" showMasterSp="0" showMasterPhAnim="0">
   <p:cSld>
     <p:spTree>
       <p:nvGrpSpPr>
-        <p:cNvPr id="59" name="Shape 59"/>
+        <p:cNvPr id="1" name="Shape 59"/>
         <p:cNvGrpSpPr/>
         <p:nvPr/>
       </p:nvGrpSpPr>
       <p:grpSpPr>
         <a:xfrm>
-          <a:off y="0" x="0"/>
-          <a:ext cy="0" cx="0"/>
-          <a:chOff y="0" x="0"/>
-          <a:chExt cy="0" cx="0"/>
+          <a:off x="0" y="0"/>
+          <a:ext cx="0" cy="0"/>
+          <a:chOff x="0" y="0"/>
+          <a:chExt cx="0" cy="0"/>
         </a:xfrm>
       </p:grpSpPr>
       <p:sp>
         <p:nvSpPr>
           <p:cNvPr id="60" name="Shape 60"/>
-          <p:cNvSpPr/>
+          <p:cNvSpPr>
+            <a:spLocks noGrp="1" noRot="1" noChangeAspect="1"/>
+          </p:cNvSpPr>
           <p:nvPr>
-            <p:ph idx="2" type="sldImg"/>
+            <p:ph type="sldImg" idx="2"/>
           </p:nvPr>
         </p:nvSpPr>
         <p:spPr>
           <a:xfrm>
-            <a:off y="685800" x="1143225"/>
-            <a:ext cy="3429000" cx="4572299"/>
+            <a:off x="1143225" y="685800"/>
+            <a:ext cx="4572299" cy="3429000"/>
           </a:xfrm>
           <a:custGeom>
+            <a:avLst/>
+            <a:gdLst/>
+            <a:ahLst/>
+            <a:cxnLst/>
+            <a:rect l="0" t="0" r="0" b="0"/>
             <a:pathLst>
-              <a:path w="120000" extrusionOk="0" h="120000">
+              <a:path w="120000" h="120000" extrusionOk="0">
                 <a:moveTo>
-                  <a:pt y="0" x="0"/>
+                  <a:pt x="0" y="0"/>
                 </a:moveTo>
                 <a:lnTo>
-                  <a:pt y="0" x="120000"/>
+                  <a:pt x="120000" y="0"/>
                 </a:lnTo>
                 <a:lnTo>
-                  <a:pt y="120000" x="120000"/>
+                  <a:pt x="120000" y="120000"/>
                 </a:lnTo>
                 <a:lnTo>
-                  <a:pt y="120000" x="0"/>
+                  <a:pt x="0" y="120000"/>
                 </a:lnTo>
                 <a:close/>
               </a:path>
@@ -733,26 +897,30 @@
       <p:sp>
         <p:nvSpPr>
           <p:cNvPr id="61" name="Shape 61"/>
-          <p:cNvSpPr txBox="1"/>
+          <p:cNvSpPr txBox="1">
+            <a:spLocks noGrp="1"/>
+          </p:cNvSpPr>
           <p:nvPr>
-            <p:ph idx="1" type="body"/>
+            <p:ph type="body" idx="1"/>
           </p:nvPr>
         </p:nvSpPr>
         <p:spPr>
           <a:xfrm>
-            <a:off y="4343400" x="685800"/>
-            <a:ext cy="4114800" cx="5486399"/>
+            <a:off x="685800" y="4343400"/>
+            <a:ext cx="5486399" cy="4114800"/>
           </a:xfrm>
           <a:prstGeom prst="rect">
             <a:avLst/>
           </a:prstGeom>
         </p:spPr>
         <p:txBody>
-          <a:bodyPr bIns="91425" rIns="91425" lIns="91425" tIns="91425" anchor="t" anchorCtr="0">
+          <a:bodyPr lIns="91425" tIns="91425" rIns="91425" bIns="91425" anchor="t" anchorCtr="0">
             <a:noAutofit/>
           </a:bodyPr>
           <a:lstStyle/>
-          <a:p/>
+          <a:p>
+            <a:endParaRPr/>
+          </a:p>
         </p:txBody>
       </p:sp>
     </p:spTree>
@@ -764,49 +932,56 @@
 </file>
 
 <file path=ppt/notesSlides/notesSlide5.xml><?xml version="1.0" encoding="utf-8"?>
-<p:notes xmlns:a="http://schemas.openxmlformats.org/drawingml/2006/main" xmlns:r="http://schemas.openxmlformats.org/officeDocument/2006/relationships" xmlns:mc="http://schemas.openxmlformats.org/markup-compatibility/2006" xmlns:mv="urn:schemas-microsoft-com:mac:vml" xmlns:p="http://schemas.openxmlformats.org/presentationml/2006/main" xmlns:c="http://schemas.openxmlformats.org/drawingml/2006/chart" xmlns:dgm="http://schemas.openxmlformats.org/drawingml/2006/diagram" xmlns:o="urn:schemas-microsoft-com:office:office" xmlns:v="urn:schemas-microsoft-com:vml" xmlns:pvml="urn:schemas-microsoft-com:office:powerpoint" xmlns:com="http://schemas.openxmlformats.org/drawingml/2006/compatibility" xmlns:p14="http://schemas.microsoft.com/office/powerpoint/2010/main" showMasterSp="0" showMasterPhAnim="0">
+<p:notes xmlns:a="http://schemas.openxmlformats.org/drawingml/2006/main" xmlns:r="http://schemas.openxmlformats.org/officeDocument/2006/relationships" xmlns:p="http://schemas.openxmlformats.org/presentationml/2006/main" showMasterSp="0" showMasterPhAnim="0">
   <p:cSld>
     <p:spTree>
       <p:nvGrpSpPr>
-        <p:cNvPr id="65" name="Shape 65"/>
+        <p:cNvPr id="1" name="Shape 65"/>
         <p:cNvGrpSpPr/>
         <p:nvPr/>
       </p:nvGrpSpPr>
       <p:grpSpPr>
         <a:xfrm>
-          <a:off y="0" x="0"/>
-          <a:ext cy="0" cx="0"/>
-          <a:chOff y="0" x="0"/>
-          <a:chExt cy="0" cx="0"/>
+          <a:off x="0" y="0"/>
+          <a:ext cx="0" cy="0"/>
+          <a:chOff x="0" y="0"/>
+          <a:chExt cx="0" cy="0"/>
         </a:xfrm>
       </p:grpSpPr>
       <p:sp>
         <p:nvSpPr>
           <p:cNvPr id="66" name="Shape 66"/>
-          <p:cNvSpPr/>
+          <p:cNvSpPr>
+            <a:spLocks noGrp="1" noRot="1" noChangeAspect="1"/>
+          </p:cNvSpPr>
           <p:nvPr>
-            <p:ph idx="2" type="sldImg"/>
+            <p:ph type="sldImg" idx="2"/>
           </p:nvPr>
         </p:nvSpPr>
         <p:spPr>
           <a:xfrm>
-            <a:off y="685800" x="1143225"/>
-            <a:ext cy="3429000" cx="4572299"/>
+            <a:off x="1143225" y="685800"/>
+            <a:ext cx="4572299" cy="3429000"/>
           </a:xfrm>
           <a:custGeom>
+            <a:avLst/>
+            <a:gdLst/>
+            <a:ahLst/>
+            <a:cxnLst/>
+            <a:rect l="0" t="0" r="0" b="0"/>
             <a:pathLst>
-              <a:path w="120000" extrusionOk="0" h="120000">
+              <a:path w="120000" h="120000" extrusionOk="0">
                 <a:moveTo>
-                  <a:pt y="0" x="0"/>
+                  <a:pt x="0" y="0"/>
                 </a:moveTo>
                 <a:lnTo>
-                  <a:pt y="0" x="120000"/>
+                  <a:pt x="120000" y="0"/>
                 </a:lnTo>
                 <a:lnTo>
-                  <a:pt y="120000" x="120000"/>
+                  <a:pt x="120000" y="120000"/>
                 </a:lnTo>
                 <a:lnTo>
-                  <a:pt y="120000" x="0"/>
+                  <a:pt x="0" y="120000"/>
                 </a:lnTo>
                 <a:close/>
               </a:path>
@@ -817,26 +992,30 @@
       <p:sp>
         <p:nvSpPr>
           <p:cNvPr id="67" name="Shape 67"/>
-          <p:cNvSpPr txBox="1"/>
+          <p:cNvSpPr txBox="1">
+            <a:spLocks noGrp="1"/>
+          </p:cNvSpPr>
           <p:nvPr>
-            <p:ph idx="1" type="body"/>
+            <p:ph type="body" idx="1"/>
           </p:nvPr>
         </p:nvSpPr>
         <p:spPr>
           <a:xfrm>
-            <a:off y="4343400" x="685800"/>
-            <a:ext cy="4114800" cx="5486399"/>
+            <a:off x="685800" y="4343400"/>
+            <a:ext cx="5486399" cy="4114800"/>
           </a:xfrm>
           <a:prstGeom prst="rect">
             <a:avLst/>
           </a:prstGeom>
         </p:spPr>
         <p:txBody>
-          <a:bodyPr bIns="91425" rIns="91425" lIns="91425" tIns="91425" anchor="t" anchorCtr="0">
+          <a:bodyPr lIns="91425" tIns="91425" rIns="91425" bIns="91425" anchor="t" anchorCtr="0">
             <a:noAutofit/>
           </a:bodyPr>
           <a:lstStyle/>
-          <a:p/>
+          <a:p>
+            <a:endParaRPr/>
+          </a:p>
         </p:txBody>
       </p:sp>
     </p:spTree>
@@ -848,49 +1027,56 @@
 </file>
 
 <file path=ppt/notesSlides/notesSlide6.xml><?xml version="1.0" encoding="utf-8"?>
-<p:notes xmlns:a="http://schemas.openxmlformats.org/drawingml/2006/main" xmlns:r="http://schemas.openxmlformats.org/officeDocument/2006/relationships" xmlns:mc="http://schemas.openxmlformats.org/markup-compatibility/2006" xmlns:mv="urn:schemas-microsoft-com:mac:vml" xmlns:p="http://schemas.openxmlformats.org/presentationml/2006/main" xmlns:c="http://schemas.openxmlformats.org/drawingml/2006/chart" xmlns:dgm="http://schemas.openxmlformats.org/drawingml/2006/diagram" xmlns:o="urn:schemas-microsoft-com:office:office" xmlns:v="urn:schemas-microsoft-com:vml" xmlns:pvml="urn:schemas-microsoft-com:office:powerpoint" xmlns:com="http://schemas.openxmlformats.org/drawingml/2006/compatibility" xmlns:p14="http://schemas.microsoft.com/office/powerpoint/2010/main" showMasterSp="0" showMasterPhAnim="0">
+<p:notes xmlns:a="http://schemas.openxmlformats.org/drawingml/2006/main" xmlns:r="http://schemas.openxmlformats.org/officeDocument/2006/relationships" xmlns:p="http://schemas.openxmlformats.org/presentationml/2006/main" showMasterSp="0" showMasterPhAnim="0">
   <p:cSld>
     <p:spTree>
       <p:nvGrpSpPr>
-        <p:cNvPr id="71" name="Shape 71"/>
+        <p:cNvPr id="1" name="Shape 71"/>
         <p:cNvGrpSpPr/>
         <p:nvPr/>
       </p:nvGrpSpPr>
       <p:grpSpPr>
         <a:xfrm>
-          <a:off y="0" x="0"/>
-          <a:ext cy="0" cx="0"/>
-          <a:chOff y="0" x="0"/>
-          <a:chExt cy="0" cx="0"/>
+          <a:off x="0" y="0"/>
+          <a:ext cx="0" cy="0"/>
+          <a:chOff x="0" y="0"/>
+          <a:chExt cx="0" cy="0"/>
         </a:xfrm>
       </p:grpSpPr>
       <p:sp>
         <p:nvSpPr>
           <p:cNvPr id="72" name="Shape 72"/>
-          <p:cNvSpPr/>
+          <p:cNvSpPr>
+            <a:spLocks noGrp="1" noRot="1" noChangeAspect="1"/>
+          </p:cNvSpPr>
           <p:nvPr>
-            <p:ph idx="2" type="sldImg"/>
+            <p:ph type="sldImg" idx="2"/>
           </p:nvPr>
         </p:nvSpPr>
         <p:spPr>
           <a:xfrm>
-            <a:off y="685800" x="1143225"/>
-            <a:ext cy="3429000" cx="4572299"/>
+            <a:off x="1143225" y="685800"/>
+            <a:ext cx="4572299" cy="3429000"/>
           </a:xfrm>
           <a:custGeom>
+            <a:avLst/>
+            <a:gdLst/>
+            <a:ahLst/>
+            <a:cxnLst/>
+            <a:rect l="0" t="0" r="0" b="0"/>
             <a:pathLst>
-              <a:path w="120000" extrusionOk="0" h="120000">
+              <a:path w="120000" h="120000" extrusionOk="0">
                 <a:moveTo>
-                  <a:pt y="0" x="0"/>
+                  <a:pt x="0" y="0"/>
                 </a:moveTo>
                 <a:lnTo>
-                  <a:pt y="0" x="120000"/>
+                  <a:pt x="120000" y="0"/>
                 </a:lnTo>
                 <a:lnTo>
-                  <a:pt y="120000" x="120000"/>
+                  <a:pt x="120000" y="120000"/>
                 </a:lnTo>
                 <a:lnTo>
-                  <a:pt y="120000" x="0"/>
+                  <a:pt x="0" y="120000"/>
                 </a:lnTo>
                 <a:close/>
               </a:path>
@@ -901,26 +1087,30 @@
       <p:sp>
         <p:nvSpPr>
           <p:cNvPr id="73" name="Shape 73"/>
-          <p:cNvSpPr txBox="1"/>
+          <p:cNvSpPr txBox="1">
+            <a:spLocks noGrp="1"/>
+          </p:cNvSpPr>
           <p:nvPr>
-            <p:ph idx="1" type="body"/>
+            <p:ph type="body" idx="1"/>
           </p:nvPr>
         </p:nvSpPr>
         <p:spPr>
           <a:xfrm>
-            <a:off y="4343400" x="685800"/>
-            <a:ext cy="4114800" cx="5486399"/>
+            <a:off x="685800" y="4343400"/>
+            <a:ext cx="5486399" cy="4114800"/>
           </a:xfrm>
           <a:prstGeom prst="rect">
             <a:avLst/>
           </a:prstGeom>
         </p:spPr>
         <p:txBody>
-          <a:bodyPr bIns="91425" rIns="91425" lIns="91425" tIns="91425" anchor="t" anchorCtr="0">
+          <a:bodyPr lIns="91425" tIns="91425" rIns="91425" bIns="91425" anchor="t" anchorCtr="0">
             <a:noAutofit/>
           </a:bodyPr>
           <a:lstStyle/>
-          <a:p/>
+          <a:p>
+            <a:endParaRPr/>
+          </a:p>
         </p:txBody>
       </p:sp>
     </p:spTree>
@@ -932,49 +1122,56 @@
 </file>
 
 <file path=ppt/notesSlides/notesSlide7.xml><?xml version="1.0" encoding="utf-8"?>
-<p:notes xmlns:a="http://schemas.openxmlformats.org/drawingml/2006/main" xmlns:r="http://schemas.openxmlformats.org/officeDocument/2006/relationships" xmlns:mc="http://schemas.openxmlformats.org/markup-compatibility/2006" xmlns:mv="urn:schemas-microsoft-com:mac:vml" xmlns:p="http://schemas.openxmlformats.org/presentationml/2006/main" xmlns:c="http://schemas.openxmlformats.org/drawingml/2006/chart" xmlns:dgm="http://schemas.openxmlformats.org/drawingml/2006/diagram" xmlns:o="urn:schemas-microsoft-com:office:office" xmlns:v="urn:schemas-microsoft-com:vml" xmlns:pvml="urn:schemas-microsoft-com:office:powerpoint" xmlns:com="http://schemas.openxmlformats.org/drawingml/2006/compatibility" xmlns:p14="http://schemas.microsoft.com/office/powerpoint/2010/main" showMasterSp="0" showMasterPhAnim="0">
+<p:notes xmlns:a="http://schemas.openxmlformats.org/drawingml/2006/main" xmlns:r="http://schemas.openxmlformats.org/officeDocument/2006/relationships" xmlns:p="http://schemas.openxmlformats.org/presentationml/2006/main" showMasterSp="0" showMasterPhAnim="0">
   <p:cSld>
     <p:spTree>
       <p:nvGrpSpPr>
-        <p:cNvPr id="77" name="Shape 77"/>
+        <p:cNvPr id="1" name="Shape 77"/>
         <p:cNvGrpSpPr/>
         <p:nvPr/>
       </p:nvGrpSpPr>
       <p:grpSpPr>
         <a:xfrm>
-          <a:off y="0" x="0"/>
-          <a:ext cy="0" cx="0"/>
-          <a:chOff y="0" x="0"/>
-          <a:chExt cy="0" cx="0"/>
+          <a:off x="0" y="0"/>
+          <a:ext cx="0" cy="0"/>
+          <a:chOff x="0" y="0"/>
+          <a:chExt cx="0" cy="0"/>
         </a:xfrm>
       </p:grpSpPr>
       <p:sp>
         <p:nvSpPr>
           <p:cNvPr id="78" name="Shape 78"/>
-          <p:cNvSpPr/>
+          <p:cNvSpPr>
+            <a:spLocks noGrp="1" noRot="1" noChangeAspect="1"/>
+          </p:cNvSpPr>
           <p:nvPr>
-            <p:ph idx="2" type="sldImg"/>
+            <p:ph type="sldImg" idx="2"/>
           </p:nvPr>
         </p:nvSpPr>
         <p:spPr>
           <a:xfrm>
-            <a:off y="685800" x="1143225"/>
-            <a:ext cy="3429000" cx="4572299"/>
+            <a:off x="1143225" y="685800"/>
+            <a:ext cx="4572299" cy="3429000"/>
           </a:xfrm>
           <a:custGeom>
+            <a:avLst/>
+            <a:gdLst/>
+            <a:ahLst/>
+            <a:cxnLst/>
+            <a:rect l="0" t="0" r="0" b="0"/>
             <a:pathLst>
-              <a:path w="120000" extrusionOk="0" h="120000">
+              <a:path w="120000" h="120000" extrusionOk="0">
                 <a:moveTo>
-                  <a:pt y="0" x="0"/>
+                  <a:pt x="0" y="0"/>
                 </a:moveTo>
                 <a:lnTo>
-                  <a:pt y="0" x="120000"/>
+                  <a:pt x="120000" y="0"/>
                 </a:lnTo>
                 <a:lnTo>
-                  <a:pt y="120000" x="120000"/>
+                  <a:pt x="120000" y="120000"/>
                 </a:lnTo>
                 <a:lnTo>
-                  <a:pt y="120000" x="0"/>
+                  <a:pt x="0" y="120000"/>
                 </a:lnTo>
                 <a:close/>
               </a:path>
@@ -985,26 +1182,30 @@
       <p:sp>
         <p:nvSpPr>
           <p:cNvPr id="79" name="Shape 79"/>
-          <p:cNvSpPr txBox="1"/>
+          <p:cNvSpPr txBox="1">
+            <a:spLocks noGrp="1"/>
+          </p:cNvSpPr>
           <p:nvPr>
-            <p:ph idx="1" type="body"/>
+            <p:ph type="body" idx="1"/>
           </p:nvPr>
         </p:nvSpPr>
         <p:spPr>
           <a:xfrm>
-            <a:off y="4343400" x="685800"/>
-            <a:ext cy="4114800" cx="5486399"/>
+            <a:off x="685800" y="4343400"/>
+            <a:ext cx="5486399" cy="4114800"/>
           </a:xfrm>
           <a:prstGeom prst="rect">
             <a:avLst/>
           </a:prstGeom>
         </p:spPr>
         <p:txBody>
-          <a:bodyPr bIns="91425" rIns="91425" lIns="91425" tIns="91425" anchor="t" anchorCtr="0">
+          <a:bodyPr lIns="91425" tIns="91425" rIns="91425" bIns="91425" anchor="t" anchorCtr="0">
             <a:noAutofit/>
           </a:bodyPr>
           <a:lstStyle/>
-          <a:p/>
+          <a:p>
+            <a:endParaRPr/>
+          </a:p>
         </p:txBody>
       </p:sp>
     </p:spTree>
@@ -1016,49 +1217,56 @@
 </file>
 
 <file path=ppt/notesSlides/notesSlide8.xml><?xml version="1.0" encoding="utf-8"?>
-<p:notes xmlns:a="http://schemas.openxmlformats.org/drawingml/2006/main" xmlns:r="http://schemas.openxmlformats.org/officeDocument/2006/relationships" xmlns:mc="http://schemas.openxmlformats.org/markup-compatibility/2006" xmlns:mv="urn:schemas-microsoft-com:mac:vml" xmlns:p="http://schemas.openxmlformats.org/presentationml/2006/main" xmlns:c="http://schemas.openxmlformats.org/drawingml/2006/chart" xmlns:dgm="http://schemas.openxmlformats.org/drawingml/2006/diagram" xmlns:o="urn:schemas-microsoft-com:office:office" xmlns:v="urn:schemas-microsoft-com:vml" xmlns:pvml="urn:schemas-microsoft-com:office:powerpoint" xmlns:com="http://schemas.openxmlformats.org/drawingml/2006/compatibility" xmlns:p14="http://schemas.microsoft.com/office/powerpoint/2010/main" showMasterSp="0" showMasterPhAnim="0">
+<p:notes xmlns:a="http://schemas.openxmlformats.org/drawingml/2006/main" xmlns:r="http://schemas.openxmlformats.org/officeDocument/2006/relationships" xmlns:p="http://schemas.openxmlformats.org/presentationml/2006/main" showMasterSp="0" showMasterPhAnim="0">
   <p:cSld>
     <p:spTree>
       <p:nvGrpSpPr>
-        <p:cNvPr id="83" name="Shape 83"/>
+        <p:cNvPr id="1" name="Shape 83"/>
         <p:cNvGrpSpPr/>
         <p:nvPr/>
       </p:nvGrpSpPr>
       <p:grpSpPr>
         <a:xfrm>
-          <a:off y="0" x="0"/>
-          <a:ext cy="0" cx="0"/>
-          <a:chOff y="0" x="0"/>
-          <a:chExt cy="0" cx="0"/>
+          <a:off x="0" y="0"/>
+          <a:ext cx="0" cy="0"/>
+          <a:chOff x="0" y="0"/>
+          <a:chExt cx="0" cy="0"/>
         </a:xfrm>
       </p:grpSpPr>
       <p:sp>
         <p:nvSpPr>
           <p:cNvPr id="84" name="Shape 84"/>
-          <p:cNvSpPr/>
+          <p:cNvSpPr>
+            <a:spLocks noGrp="1" noRot="1" noChangeAspect="1"/>
+          </p:cNvSpPr>
           <p:nvPr>
-            <p:ph idx="2" type="sldImg"/>
+            <p:ph type="sldImg" idx="2"/>
           </p:nvPr>
         </p:nvSpPr>
         <p:spPr>
           <a:xfrm>
-            <a:off y="685800" x="1143225"/>
-            <a:ext cy="3429000" cx="4572299"/>
+            <a:off x="1143225" y="685800"/>
+            <a:ext cx="4572299" cy="3429000"/>
           </a:xfrm>
           <a:custGeom>
+            <a:avLst/>
+            <a:gdLst/>
+            <a:ahLst/>
+            <a:cxnLst/>
+            <a:rect l="0" t="0" r="0" b="0"/>
             <a:pathLst>
-              <a:path w="120000" extrusionOk="0" h="120000">
+              <a:path w="120000" h="120000" extrusionOk="0">
                 <a:moveTo>
-                  <a:pt y="0" x="0"/>
+                  <a:pt x="0" y="0"/>
                 </a:moveTo>
                 <a:lnTo>
-                  <a:pt y="0" x="120000"/>
+                  <a:pt x="120000" y="0"/>
                 </a:lnTo>
                 <a:lnTo>
-                  <a:pt y="120000" x="120000"/>
+                  <a:pt x="120000" y="120000"/>
                 </a:lnTo>
                 <a:lnTo>
-                  <a:pt y="120000" x="0"/>
+                  <a:pt x="0" y="120000"/>
                 </a:lnTo>
                 <a:close/>
               </a:path>
@@ -1069,26 +1277,30 @@
       <p:sp>
         <p:nvSpPr>
           <p:cNvPr id="85" name="Shape 85"/>
-          <p:cNvSpPr txBox="1"/>
+          <p:cNvSpPr txBox="1">
+            <a:spLocks noGrp="1"/>
+          </p:cNvSpPr>
           <p:nvPr>
-            <p:ph idx="1" type="body"/>
+            <p:ph type="body" idx="1"/>
           </p:nvPr>
         </p:nvSpPr>
         <p:spPr>
           <a:xfrm>
-            <a:off y="4343400" x="685800"/>
-            <a:ext cy="4114800" cx="5486399"/>
+            <a:off x="685800" y="4343400"/>
+            <a:ext cx="5486399" cy="4114800"/>
           </a:xfrm>
           <a:prstGeom prst="rect">
             <a:avLst/>
           </a:prstGeom>
         </p:spPr>
         <p:txBody>
-          <a:bodyPr bIns="91425" rIns="91425" lIns="91425" tIns="91425" anchor="t" anchorCtr="0">
+          <a:bodyPr lIns="91425" tIns="91425" rIns="91425" bIns="91425" anchor="t" anchorCtr="0">
             <a:noAutofit/>
           </a:bodyPr>
           <a:lstStyle/>
-          <a:p/>
+          <a:p>
+            <a:endParaRPr/>
+          </a:p>
         </p:txBody>
       </p:sp>
     </p:spTree>
@@ -1100,49 +1312,56 @@
 </file>
 
 <file path=ppt/notesSlides/notesSlide9.xml><?xml version="1.0" encoding="utf-8"?>
-<p:notes xmlns:a="http://schemas.openxmlformats.org/drawingml/2006/main" xmlns:r="http://schemas.openxmlformats.org/officeDocument/2006/relationships" xmlns:mc="http://schemas.openxmlformats.org/markup-compatibility/2006" xmlns:mv="urn:schemas-microsoft-com:mac:vml" xmlns:p="http://schemas.openxmlformats.org/presentationml/2006/main" xmlns:c="http://schemas.openxmlformats.org/drawingml/2006/chart" xmlns:dgm="http://schemas.openxmlformats.org/drawingml/2006/diagram" xmlns:o="urn:schemas-microsoft-com:office:office" xmlns:v="urn:schemas-microsoft-com:vml" xmlns:pvml="urn:schemas-microsoft-com:office:powerpoint" xmlns:com="http://schemas.openxmlformats.org/drawingml/2006/compatibility" xmlns:p14="http://schemas.microsoft.com/office/powerpoint/2010/main" showMasterSp="0" showMasterPhAnim="0">
+<p:notes xmlns:a="http://schemas.openxmlformats.org/drawingml/2006/main" xmlns:r="http://schemas.openxmlformats.org/officeDocument/2006/relationships" xmlns:p="http://schemas.openxmlformats.org/presentationml/2006/main" showMasterSp="0" showMasterPhAnim="0">
   <p:cSld>
     <p:spTree>
       <p:nvGrpSpPr>
-        <p:cNvPr id="89" name="Shape 89"/>
+        <p:cNvPr id="1" name="Shape 89"/>
         <p:cNvGrpSpPr/>
         <p:nvPr/>
       </p:nvGrpSpPr>
       <p:grpSpPr>
         <a:xfrm>
-          <a:off y="0" x="0"/>
-          <a:ext cy="0" cx="0"/>
-          <a:chOff y="0" x="0"/>
-          <a:chExt cy="0" cx="0"/>
+          <a:off x="0" y="0"/>
+          <a:ext cx="0" cy="0"/>
+          <a:chOff x="0" y="0"/>
+          <a:chExt cx="0" cy="0"/>
         </a:xfrm>
       </p:grpSpPr>
       <p:sp>
         <p:nvSpPr>
           <p:cNvPr id="90" name="Shape 90"/>
-          <p:cNvSpPr/>
+          <p:cNvSpPr>
+            <a:spLocks noGrp="1" noRot="1" noChangeAspect="1"/>
+          </p:cNvSpPr>
           <p:nvPr>
-            <p:ph idx="2" type="sldImg"/>
+            <p:ph type="sldImg" idx="2"/>
           </p:nvPr>
         </p:nvSpPr>
         <p:spPr>
           <a:xfrm>
-            <a:off y="685800" x="1143225"/>
-            <a:ext cy="3429000" cx="4572299"/>
+            <a:off x="1143225" y="685800"/>
+            <a:ext cx="4572299" cy="3429000"/>
           </a:xfrm>
           <a:custGeom>
+            <a:avLst/>
+            <a:gdLst/>
+            <a:ahLst/>
+            <a:cxnLst/>
+            <a:rect l="0" t="0" r="0" b="0"/>
             <a:pathLst>
-              <a:path w="120000" extrusionOk="0" h="120000">
+              <a:path w="120000" h="120000" extrusionOk="0">
                 <a:moveTo>
-                  <a:pt y="0" x="0"/>
+                  <a:pt x="0" y="0"/>
                 </a:moveTo>
                 <a:lnTo>
-                  <a:pt y="0" x="120000"/>
+                  <a:pt x="120000" y="0"/>
                 </a:lnTo>
                 <a:lnTo>
-                  <a:pt y="120000" x="120000"/>
+                  <a:pt x="120000" y="120000"/>
                 </a:lnTo>
                 <a:lnTo>
-                  <a:pt y="120000" x="0"/>
+                  <a:pt x="0" y="120000"/>
                 </a:lnTo>
                 <a:close/>
               </a:path>
@@ -1153,26 +1372,30 @@
       <p:sp>
         <p:nvSpPr>
           <p:cNvPr id="91" name="Shape 91"/>
-          <p:cNvSpPr txBox="1"/>
+          <p:cNvSpPr txBox="1">
+            <a:spLocks noGrp="1"/>
+          </p:cNvSpPr>
           <p:nvPr>
-            <p:ph idx="1" type="body"/>
+            <p:ph type="body" idx="1"/>
           </p:nvPr>
         </p:nvSpPr>
         <p:spPr>
           <a:xfrm>
-            <a:off y="4343400" x="685800"/>
-            <a:ext cy="4114800" cx="5486399"/>
+            <a:off x="685800" y="4343400"/>
+            <a:ext cx="5486399" cy="4114800"/>
           </a:xfrm>
           <a:prstGeom prst="rect">
             <a:avLst/>
           </a:prstGeom>
         </p:spPr>
         <p:txBody>
-          <a:bodyPr bIns="91425" rIns="91425" lIns="91425" tIns="91425" anchor="t" anchorCtr="0">
+          <a:bodyPr lIns="91425" tIns="91425" rIns="91425" bIns="91425" anchor="t" anchorCtr="0">
             <a:noAutofit/>
           </a:bodyPr>
           <a:lstStyle/>
-          <a:p/>
+          <a:p>
+            <a:endParaRPr/>
+          </a:p>
         </p:txBody>
       </p:sp>
     </p:spTree>
@@ -1184,20 +1407,20 @@
 </file>
 
 <file path=ppt/slideLayouts/slideLayout1.xml><?xml version="1.0" encoding="utf-8"?>
-<p:sldLayout xmlns:a="http://schemas.openxmlformats.org/drawingml/2006/main" xmlns:r="http://schemas.openxmlformats.org/officeDocument/2006/relationships" xmlns:mc="http://schemas.openxmlformats.org/markup-compatibility/2006" xmlns:mv="urn:schemas-microsoft-com:mac:vml" xmlns:p="http://schemas.openxmlformats.org/presentationml/2006/main" xmlns:c="http://schemas.openxmlformats.org/drawingml/2006/chart" xmlns:dgm="http://schemas.openxmlformats.org/drawingml/2006/diagram" xmlns:o="urn:schemas-microsoft-com:office:office" xmlns:v="urn:schemas-microsoft-com:vml" xmlns:pvml="urn:schemas-microsoft-com:office:powerpoint" xmlns:com="http://schemas.openxmlformats.org/drawingml/2006/compatibility" xmlns:p14="http://schemas.microsoft.com/office/powerpoint/2010/main" matchingName="title" type="title">
+<p:sldLayout xmlns:a="http://schemas.openxmlformats.org/drawingml/2006/main" xmlns:r="http://schemas.openxmlformats.org/officeDocument/2006/relationships" xmlns:p="http://schemas.openxmlformats.org/presentationml/2006/main" matchingName="title" type="title">
   <p:cSld name="TITLE">
     <p:spTree>
       <p:nvGrpSpPr>
-        <p:cNvPr id="7" name="Shape 7"/>
+        <p:cNvPr id="1" name="Shape 7"/>
         <p:cNvGrpSpPr/>
         <p:nvPr/>
       </p:nvGrpSpPr>
       <p:grpSpPr>
         <a:xfrm>
-          <a:off y="0" x="0"/>
-          <a:ext cy="0" cx="0"/>
-          <a:chOff y="0" x="0"/>
-          <a:chExt cy="0" cx="0"/>
+          <a:off x="0" y="0"/>
+          <a:ext cx="0" cy="0"/>
+          <a:chOff x="0" y="0"/>
+          <a:chExt cx="0" cy="0"/>
         </a:xfrm>
       </p:grpSpPr>
       <p:sp>
@@ -1208,8 +1431,8 @@
         </p:nvSpPr>
         <p:spPr>
           <a:xfrm rot="10800000" flipH="1">
-            <a:off y="3979800" x="0"/>
-            <a:ext cy="2878199" cx="9144000"/>
+            <a:off x="0" y="3979800"/>
+            <a:ext cx="9144000" cy="2878199"/>
           </a:xfrm>
           <a:prstGeom prst="rect">
             <a:avLst/>
@@ -1222,11 +1445,13 @@
           </a:ln>
         </p:spPr>
         <p:txBody>
-          <a:bodyPr bIns="45700" rIns="91425" lIns="91425" tIns="45700" anchor="ctr" anchorCtr="0">
+          <a:bodyPr lIns="91425" tIns="45700" rIns="91425" bIns="45700" anchor="ctr" anchorCtr="0">
             <a:noAutofit/>
           </a:bodyPr>
           <a:lstStyle/>
-          <a:p/>
+          <a:p>
+            <a:endParaRPr/>
+          </a:p>
         </p:txBody>
       </p:sp>
       <p:sp>
@@ -1237,25 +1462,30 @@
         </p:nvSpPr>
         <p:spPr>
           <a:xfrm>
-            <a:off y="3190900" x="0"/>
-            <a:ext cy="790108" cx="4617372"/>
+            <a:off x="0" y="3190900"/>
+            <a:ext cx="4617372" cy="790108"/>
           </a:xfrm>
           <a:custGeom>
+            <a:avLst/>
+            <a:gdLst/>
+            <a:ahLst/>
+            <a:cxnLst/>
+            <a:rect l="0" t="0" r="0" b="0"/>
             <a:pathLst>
-              <a:path w="4617373" extrusionOk="0" h="1108924">
+              <a:path w="4617373" h="1108924" extrusionOk="0">
                 <a:moveTo>
-                  <a:pt y="1108924" x="1199"/>
+                  <a:pt x="1199" y="1108924"/>
                 </a:moveTo>
                 <a:lnTo>
-                  <a:pt y="1108924" x="4617373"/>
+                  <a:pt x="4617373" y="1108924"/>
                 </a:lnTo>
                 <a:lnTo>
-                  <a:pt y="0" x="0"/>
+                  <a:pt x="0" y="0"/>
                 </a:lnTo>
                 <a:cubicBezTo>
-                  <a:pt y="369641" x="400"/>
-                  <a:pt y="739283" x="799"/>
-                  <a:pt y="1108924" x="1199"/>
+                  <a:pt x="400" y="369641"/>
+                  <a:pt x="799" y="739283"/>
+                  <a:pt x="1199" y="1108924"/>
                 </a:cubicBezTo>
                 <a:close/>
               </a:path>
@@ -1271,11 +1501,13 @@
           </a:ln>
         </p:spPr>
         <p:txBody>
-          <a:bodyPr bIns="45700" rIns="91425" lIns="91425" tIns="45700" anchor="ctr" anchorCtr="0">
+          <a:bodyPr lIns="91425" tIns="45700" rIns="91425" bIns="45700" anchor="ctr" anchorCtr="0">
             <a:noAutofit/>
           </a:bodyPr>
           <a:lstStyle/>
-          <a:p/>
+          <a:p>
+            <a:endParaRPr/>
+          </a:p>
         </p:txBody>
       </p:sp>
       <p:sp>
@@ -1286,25 +1518,30 @@
         </p:nvSpPr>
         <p:spPr>
           <a:xfrm rot="10800000" flipH="1">
-            <a:off y="3980458" x="0"/>
-            <a:ext cy="759612" cx="4617372"/>
+            <a:off x="0" y="3980458"/>
+            <a:ext cx="4617372" cy="759612"/>
           </a:xfrm>
           <a:custGeom>
+            <a:avLst/>
+            <a:gdLst/>
+            <a:ahLst/>
+            <a:cxnLst/>
+            <a:rect l="0" t="0" r="0" b="0"/>
             <a:pathLst>
-              <a:path w="4617373" extrusionOk="0" h="1108924">
+              <a:path w="4617373" h="1108924" extrusionOk="0">
                 <a:moveTo>
-                  <a:pt y="1108924" x="1199"/>
+                  <a:pt x="1199" y="1108924"/>
                 </a:moveTo>
                 <a:lnTo>
-                  <a:pt y="1108924" x="4617373"/>
+                  <a:pt x="4617373" y="1108924"/>
                 </a:lnTo>
                 <a:lnTo>
-                  <a:pt y="0" x="0"/>
+                  <a:pt x="0" y="0"/>
                 </a:lnTo>
                 <a:cubicBezTo>
-                  <a:pt y="369641" x="400"/>
-                  <a:pt y="739283" x="799"/>
-                  <a:pt y="1108924" x="1199"/>
+                  <a:pt x="400" y="369641"/>
+                  <a:pt x="799" y="739283"/>
+                  <a:pt x="1199" y="1108924"/>
                 </a:cubicBezTo>
                 <a:close/>
               </a:path>
@@ -1320,25 +1557,29 @@
           </a:ln>
         </p:spPr>
         <p:txBody>
-          <a:bodyPr bIns="45700" rIns="91425" lIns="91425" tIns="45700" anchor="ctr" anchorCtr="0">
+          <a:bodyPr lIns="91425" tIns="45700" rIns="91425" bIns="45700" anchor="ctr" anchorCtr="0">
             <a:noAutofit/>
           </a:bodyPr>
           <a:lstStyle/>
-          <a:p/>
+          <a:p>
+            <a:endParaRPr/>
+          </a:p>
         </p:txBody>
       </p:sp>
       <p:sp>
         <p:nvSpPr>
           <p:cNvPr id="11" name="Shape 11"/>
-          <p:cNvSpPr txBox="1"/>
+          <p:cNvSpPr txBox="1">
+            <a:spLocks noGrp="1"/>
+          </p:cNvSpPr>
           <p:nvPr>
             <p:ph type="ctrTitle"/>
           </p:nvPr>
         </p:nvSpPr>
         <p:spPr>
           <a:xfrm>
-            <a:off y="2329190" x="685800"/>
-            <a:ext cy="1650599" cx="7772400"/>
+            <a:off x="685800" y="2329190"/>
+            <a:ext cx="7772400" cy="1650599"/>
           </a:xfrm>
           <a:prstGeom prst="rect">
             <a:avLst/>
@@ -1349,9 +1590,9 @@
           </a:ln>
         </p:spPr>
         <p:txBody>
-          <a:bodyPr bIns="91425" rIns="91425" lIns="91425" tIns="91425" anchor="b" anchorCtr="0"/>
+          <a:bodyPr lIns="91425" tIns="91425" rIns="91425" bIns="91425" anchor="b" anchorCtr="0"/>
           <a:lstStyle>
-            <a:lvl1pPr algn="ctr" rtl="0" indent="304800" marL="0">
+            <a:lvl1pPr marL="0" indent="304800" algn="ctr" rtl="0">
               <a:spcBef>
                 <a:spcPts val="0"/>
               </a:spcBef>
@@ -1361,7 +1602,7 @@
               <a:buSzPct val="100000"/>
               <a:buFont typeface="Georgia"/>
               <a:buNone/>
-              <a:defRPr strike="noStrike" u="none" b="0" cap="none" baseline="0" sz="4800" i="0">
+              <a:defRPr sz="4800" b="0" i="0" u="none" strike="noStrike" cap="none" baseline="0">
                 <a:solidFill>
                   <a:schemeClr val="lt1"/>
                 </a:solidFill>
@@ -1371,7 +1612,7 @@
                 <a:sym typeface="Georgia"/>
               </a:defRPr>
             </a:lvl1pPr>
-            <a:lvl2pPr algn="ctr" rtl="0" indent="304800" marL="0">
+            <a:lvl2pPr marL="0" indent="304800" algn="ctr" rtl="0">
               <a:spcBef>
                 <a:spcPts val="0"/>
               </a:spcBef>
@@ -1381,7 +1622,7 @@
               <a:buSzPct val="100000"/>
               <a:buFont typeface="Georgia"/>
               <a:buNone/>
-              <a:defRPr strike="noStrike" u="none" b="0" cap="none" baseline="0" sz="4800" i="0">
+              <a:defRPr sz="4800" b="0" i="0" u="none" strike="noStrike" cap="none" baseline="0">
                 <a:solidFill>
                   <a:schemeClr val="lt1"/>
                 </a:solidFill>
@@ -1391,7 +1632,7 @@
                 <a:sym typeface="Georgia"/>
               </a:defRPr>
             </a:lvl2pPr>
-            <a:lvl3pPr algn="ctr" rtl="0" indent="304800" marL="0">
+            <a:lvl3pPr marL="0" indent="304800" algn="ctr" rtl="0">
               <a:spcBef>
                 <a:spcPts val="0"/>
               </a:spcBef>
@@ -1401,7 +1642,7 @@
               <a:buSzPct val="100000"/>
               <a:buFont typeface="Georgia"/>
               <a:buNone/>
-              <a:defRPr strike="noStrike" u="none" b="0" cap="none" baseline="0" sz="4800" i="0">
+              <a:defRPr sz="4800" b="0" i="0" u="none" strike="noStrike" cap="none" baseline="0">
                 <a:solidFill>
                   <a:schemeClr val="lt1"/>
                 </a:solidFill>
@@ -1411,7 +1652,7 @@
                 <a:sym typeface="Georgia"/>
               </a:defRPr>
             </a:lvl3pPr>
-            <a:lvl4pPr algn="ctr" rtl="0" indent="304800" marL="0">
+            <a:lvl4pPr marL="0" indent="304800" algn="ctr" rtl="0">
               <a:spcBef>
                 <a:spcPts val="0"/>
               </a:spcBef>
@@ -1421,7 +1662,7 @@
               <a:buSzPct val="100000"/>
               <a:buFont typeface="Georgia"/>
               <a:buNone/>
-              <a:defRPr strike="noStrike" u="none" b="0" cap="none" baseline="0" sz="4800" i="0">
+              <a:defRPr sz="4800" b="0" i="0" u="none" strike="noStrike" cap="none" baseline="0">
                 <a:solidFill>
                   <a:schemeClr val="lt1"/>
                 </a:solidFill>
@@ -1431,7 +1672,7 @@
                 <a:sym typeface="Georgia"/>
               </a:defRPr>
             </a:lvl4pPr>
-            <a:lvl5pPr algn="ctr" rtl="0" indent="304800" marL="0">
+            <a:lvl5pPr marL="0" indent="304800" algn="ctr" rtl="0">
               <a:spcBef>
                 <a:spcPts val="0"/>
               </a:spcBef>
@@ -1441,7 +1682,7 @@
               <a:buSzPct val="100000"/>
               <a:buFont typeface="Georgia"/>
               <a:buNone/>
-              <a:defRPr strike="noStrike" u="none" b="0" cap="none" baseline="0" sz="4800" i="0">
+              <a:defRPr sz="4800" b="0" i="0" u="none" strike="noStrike" cap="none" baseline="0">
                 <a:solidFill>
                   <a:schemeClr val="lt1"/>
                 </a:solidFill>
@@ -1451,7 +1692,7 @@
                 <a:sym typeface="Georgia"/>
               </a:defRPr>
             </a:lvl5pPr>
-            <a:lvl6pPr algn="ctr" rtl="0" indent="304800" marL="0">
+            <a:lvl6pPr marL="0" indent="304800" algn="ctr" rtl="0">
               <a:spcBef>
                 <a:spcPts val="0"/>
               </a:spcBef>
@@ -1461,7 +1702,7 @@
               <a:buSzPct val="100000"/>
               <a:buFont typeface="Georgia"/>
               <a:buNone/>
-              <a:defRPr strike="noStrike" u="none" b="0" cap="none" baseline="0" sz="4800" i="0">
+              <a:defRPr sz="4800" b="0" i="0" u="none" strike="noStrike" cap="none" baseline="0">
                 <a:solidFill>
                   <a:schemeClr val="lt1"/>
                 </a:solidFill>
@@ -1471,7 +1712,7 @@
                 <a:sym typeface="Georgia"/>
               </a:defRPr>
             </a:lvl6pPr>
-            <a:lvl7pPr algn="ctr" rtl="0" indent="304800" marL="0">
+            <a:lvl7pPr marL="0" indent="304800" algn="ctr" rtl="0">
               <a:spcBef>
                 <a:spcPts val="0"/>
               </a:spcBef>
@@ -1481,7 +1722,7 @@
               <a:buSzPct val="100000"/>
               <a:buFont typeface="Georgia"/>
               <a:buNone/>
-              <a:defRPr strike="noStrike" u="none" b="0" cap="none" baseline="0" sz="4800" i="0">
+              <a:defRPr sz="4800" b="0" i="0" u="none" strike="noStrike" cap="none" baseline="0">
                 <a:solidFill>
                   <a:schemeClr val="lt1"/>
                 </a:solidFill>
@@ -1491,7 +1732,7 @@
                 <a:sym typeface="Georgia"/>
               </a:defRPr>
             </a:lvl7pPr>
-            <a:lvl8pPr algn="ctr" rtl="0" indent="304800" marL="0">
+            <a:lvl8pPr marL="0" indent="304800" algn="ctr" rtl="0">
               <a:spcBef>
                 <a:spcPts val="0"/>
               </a:spcBef>
@@ -1501,7 +1742,7 @@
               <a:buSzPct val="100000"/>
               <a:buFont typeface="Georgia"/>
               <a:buNone/>
-              <a:defRPr strike="noStrike" u="none" b="0" cap="none" baseline="0" sz="4800" i="0">
+              <a:defRPr sz="4800" b="0" i="0" u="none" strike="noStrike" cap="none" baseline="0">
                 <a:solidFill>
                   <a:schemeClr val="lt1"/>
                 </a:solidFill>
@@ -1511,7 +1752,7 @@
                 <a:sym typeface="Georgia"/>
               </a:defRPr>
             </a:lvl8pPr>
-            <a:lvl9pPr algn="ctr" rtl="0" indent="304800" marL="0">
+            <a:lvl9pPr marL="0" indent="304800" algn="ctr" rtl="0">
               <a:spcBef>
                 <a:spcPts val="0"/>
               </a:spcBef>
@@ -1521,7 +1762,7 @@
               <a:buSzPct val="100000"/>
               <a:buFont typeface="Georgia"/>
               <a:buNone/>
-              <a:defRPr strike="noStrike" u="none" b="0" cap="none" baseline="0" sz="4800" i="0">
+              <a:defRPr sz="4800" b="0" i="0" u="none" strike="noStrike" cap="none" baseline="0">
                 <a:solidFill>
                   <a:schemeClr val="lt1"/>
                 </a:solidFill>
@@ -1532,21 +1773,25 @@
               </a:defRPr>
             </a:lvl9pPr>
           </a:lstStyle>
-          <a:p/>
+          <a:p>
+            <a:endParaRPr/>
+          </a:p>
         </p:txBody>
       </p:sp>
       <p:sp>
         <p:nvSpPr>
           <p:cNvPr id="12" name="Shape 12"/>
-          <p:cNvSpPr txBox="1"/>
+          <p:cNvSpPr txBox="1">
+            <a:spLocks noGrp="1"/>
+          </p:cNvSpPr>
           <p:nvPr>
-            <p:ph idx="1" type="subTitle"/>
+            <p:ph type="subTitle" idx="1"/>
           </p:nvPr>
         </p:nvSpPr>
         <p:spPr>
           <a:xfrm>
-            <a:off y="4124476" x="685800"/>
-            <a:ext cy="888899" cx="7772400"/>
+            <a:off x="685800" y="4124476"/>
+            <a:ext cx="7772400" cy="888899"/>
           </a:xfrm>
           <a:prstGeom prst="rect">
             <a:avLst/>
@@ -1557,9 +1802,9 @@
           </a:ln>
         </p:spPr>
         <p:txBody>
-          <a:bodyPr bIns="91425" rIns="91425" lIns="91425" tIns="91425" anchor="t" anchorCtr="0"/>
+          <a:bodyPr lIns="91425" tIns="91425" rIns="91425" bIns="91425" anchor="t" anchorCtr="0"/>
           <a:lstStyle>
-            <a:lvl1pPr algn="ctr" rtl="0" indent="152400" marL="0">
+            <a:lvl1pPr marL="0" indent="152400" algn="ctr" rtl="0">
               <a:spcBef>
                 <a:spcPts val="0"/>
               </a:spcBef>
@@ -1569,7 +1814,7 @@
               <a:buSzPct val="100000"/>
               <a:buFont typeface="Georgia"/>
               <a:buNone/>
-              <a:defRPr strike="noStrike" u="none" b="0" cap="none" baseline="0" sz="2400" i="1">
+              <a:defRPr sz="2400" b="0" i="1" u="none" strike="noStrike" cap="none" baseline="0">
                 <a:solidFill>
                   <a:schemeClr val="dk2"/>
                 </a:solidFill>
@@ -1579,7 +1824,7 @@
                 <a:sym typeface="Georgia"/>
               </a:defRPr>
             </a:lvl1pPr>
-            <a:lvl2pPr algn="ctr" rtl="0" indent="152400" marL="0">
+            <a:lvl2pPr marL="0" indent="152400" algn="ctr" rtl="0">
               <a:spcBef>
                 <a:spcPts val="0"/>
               </a:spcBef>
@@ -1589,7 +1834,7 @@
               <a:buSzPct val="100000"/>
               <a:buFont typeface="Georgia"/>
               <a:buNone/>
-              <a:defRPr strike="noStrike" u="none" b="0" cap="none" baseline="0" sz="2400" i="1">
+              <a:defRPr sz="2400" b="0" i="1" u="none" strike="noStrike" cap="none" baseline="0">
                 <a:solidFill>
                   <a:schemeClr val="dk2"/>
                 </a:solidFill>
@@ -1599,7 +1844,7 @@
                 <a:sym typeface="Georgia"/>
               </a:defRPr>
             </a:lvl2pPr>
-            <a:lvl3pPr algn="ctr" rtl="0" indent="152400" marL="0">
+            <a:lvl3pPr marL="0" indent="152400" algn="ctr" rtl="0">
               <a:spcBef>
                 <a:spcPts val="0"/>
               </a:spcBef>
@@ -1609,7 +1854,7 @@
               <a:buSzPct val="100000"/>
               <a:buFont typeface="Georgia"/>
               <a:buNone/>
-              <a:defRPr strike="noStrike" u="none" b="0" cap="none" baseline="0" sz="2400" i="1">
+              <a:defRPr sz="2400" b="0" i="1" u="none" strike="noStrike" cap="none" baseline="0">
                 <a:solidFill>
                   <a:schemeClr val="dk2"/>
                 </a:solidFill>
@@ -1619,7 +1864,7 @@
                 <a:sym typeface="Georgia"/>
               </a:defRPr>
             </a:lvl3pPr>
-            <a:lvl4pPr algn="ctr" rtl="0" indent="152400" marL="0">
+            <a:lvl4pPr marL="0" indent="152400" algn="ctr" rtl="0">
               <a:spcBef>
                 <a:spcPts val="0"/>
               </a:spcBef>
@@ -1629,7 +1874,7 @@
               <a:buSzPct val="100000"/>
               <a:buFont typeface="Georgia"/>
               <a:buNone/>
-              <a:defRPr strike="noStrike" u="none" b="0" cap="none" baseline="0" sz="2400" i="1">
+              <a:defRPr sz="2400" b="0" i="1" u="none" strike="noStrike" cap="none" baseline="0">
                 <a:solidFill>
                   <a:schemeClr val="dk2"/>
                 </a:solidFill>
@@ -1639,7 +1884,7 @@
                 <a:sym typeface="Georgia"/>
               </a:defRPr>
             </a:lvl4pPr>
-            <a:lvl5pPr algn="ctr" rtl="0" indent="152400" marL="0">
+            <a:lvl5pPr marL="0" indent="152400" algn="ctr" rtl="0">
               <a:spcBef>
                 <a:spcPts val="0"/>
               </a:spcBef>
@@ -1649,7 +1894,7 @@
               <a:buSzPct val="100000"/>
               <a:buFont typeface="Georgia"/>
               <a:buNone/>
-              <a:defRPr strike="noStrike" u="none" b="0" cap="none" baseline="0" sz="2400" i="1">
+              <a:defRPr sz="2400" b="0" i="1" u="none" strike="noStrike" cap="none" baseline="0">
                 <a:solidFill>
                   <a:schemeClr val="dk2"/>
                 </a:solidFill>
@@ -1659,7 +1904,7 @@
                 <a:sym typeface="Georgia"/>
               </a:defRPr>
             </a:lvl5pPr>
-            <a:lvl6pPr algn="ctr" rtl="0" indent="152400" marL="0">
+            <a:lvl6pPr marL="0" indent="152400" algn="ctr" rtl="0">
               <a:spcBef>
                 <a:spcPts val="0"/>
               </a:spcBef>
@@ -1669,7 +1914,7 @@
               <a:buSzPct val="100000"/>
               <a:buFont typeface="Georgia"/>
               <a:buNone/>
-              <a:defRPr strike="noStrike" u="none" b="0" cap="none" baseline="0" sz="2400" i="1">
+              <a:defRPr sz="2400" b="0" i="1" u="none" strike="noStrike" cap="none" baseline="0">
                 <a:solidFill>
                   <a:schemeClr val="dk2"/>
                 </a:solidFill>
@@ -1679,7 +1924,7 @@
                 <a:sym typeface="Georgia"/>
               </a:defRPr>
             </a:lvl6pPr>
-            <a:lvl7pPr algn="ctr" rtl="0" indent="152400" marL="0">
+            <a:lvl7pPr marL="0" indent="152400" algn="ctr" rtl="0">
               <a:spcBef>
                 <a:spcPts val="0"/>
               </a:spcBef>
@@ -1689,7 +1934,7 @@
               <a:buSzPct val="100000"/>
               <a:buFont typeface="Georgia"/>
               <a:buNone/>
-              <a:defRPr strike="noStrike" u="none" b="0" cap="none" baseline="0" sz="2400" i="1">
+              <a:defRPr sz="2400" b="0" i="1" u="none" strike="noStrike" cap="none" baseline="0">
                 <a:solidFill>
                   <a:schemeClr val="dk2"/>
                 </a:solidFill>
@@ -1699,7 +1944,7 @@
                 <a:sym typeface="Georgia"/>
               </a:defRPr>
             </a:lvl7pPr>
-            <a:lvl8pPr algn="ctr" rtl="0" indent="152400" marL="0">
+            <a:lvl8pPr marL="0" indent="152400" algn="ctr" rtl="0">
               <a:spcBef>
                 <a:spcPts val="0"/>
               </a:spcBef>
@@ -1709,7 +1954,7 @@
               <a:buSzPct val="100000"/>
               <a:buFont typeface="Georgia"/>
               <a:buNone/>
-              <a:defRPr strike="noStrike" u="none" b="0" cap="none" baseline="0" sz="2400" i="1">
+              <a:defRPr sz="2400" b="0" i="1" u="none" strike="noStrike" cap="none" baseline="0">
                 <a:solidFill>
                   <a:schemeClr val="dk2"/>
                 </a:solidFill>
@@ -1719,7 +1964,7 @@
                 <a:sym typeface="Georgia"/>
               </a:defRPr>
             </a:lvl8pPr>
-            <a:lvl9pPr algn="ctr" rtl="0" indent="152400" marL="0">
+            <a:lvl9pPr marL="0" indent="152400" algn="ctr" rtl="0">
               <a:spcBef>
                 <a:spcPts val="0"/>
               </a:spcBef>
@@ -1729,7 +1974,7 @@
               <a:buSzPct val="100000"/>
               <a:buFont typeface="Georgia"/>
               <a:buNone/>
-              <a:defRPr strike="noStrike" u="none" b="0" cap="none" baseline="0" sz="2400" i="1">
+              <a:defRPr sz="2400" b="0" i="1" u="none" strike="noStrike" cap="none" baseline="0">
                 <a:solidFill>
                   <a:schemeClr val="dk2"/>
                 </a:solidFill>
@@ -1740,7 +1985,9 @@
               </a:defRPr>
             </a:lvl9pPr>
           </a:lstStyle>
-          <a:p/>
+          <a:p>
+            <a:endParaRPr/>
+          </a:p>
         </p:txBody>
       </p:sp>
     </p:spTree>
@@ -1752,20 +1999,20 @@
 </file>
 
 <file path=ppt/slideLayouts/slideLayout2.xml><?xml version="1.0" encoding="utf-8"?>
-<p:sldLayout xmlns:a="http://schemas.openxmlformats.org/drawingml/2006/main" xmlns:r="http://schemas.openxmlformats.org/officeDocument/2006/relationships" xmlns:mc="http://schemas.openxmlformats.org/markup-compatibility/2006" xmlns:mv="urn:schemas-microsoft-com:mac:vml" xmlns:p="http://schemas.openxmlformats.org/presentationml/2006/main" xmlns:c="http://schemas.openxmlformats.org/drawingml/2006/chart" xmlns:dgm="http://schemas.openxmlformats.org/drawingml/2006/diagram" xmlns:o="urn:schemas-microsoft-com:office:office" xmlns:v="urn:schemas-microsoft-com:vml" xmlns:pvml="urn:schemas-microsoft-com:office:powerpoint" xmlns:com="http://schemas.openxmlformats.org/drawingml/2006/compatibility" xmlns:p14="http://schemas.microsoft.com/office/powerpoint/2010/main" matchingName="tx" type="tx">
+<p:sldLayout xmlns:a="http://schemas.openxmlformats.org/drawingml/2006/main" xmlns:r="http://schemas.openxmlformats.org/officeDocument/2006/relationships" xmlns:p="http://schemas.openxmlformats.org/presentationml/2006/main" matchingName="tx" type="tx">
   <p:cSld name="TITLE_AND_BODY">
     <p:spTree>
       <p:nvGrpSpPr>
-        <p:cNvPr id="13" name="Shape 13"/>
+        <p:cNvPr id="1" name="Shape 13"/>
         <p:cNvGrpSpPr/>
         <p:nvPr/>
       </p:nvGrpSpPr>
       <p:grpSpPr>
         <a:xfrm>
-          <a:off y="0" x="0"/>
-          <a:ext cy="0" cx="0"/>
-          <a:chOff y="0" x="0"/>
-          <a:chExt cy="0" cx="0"/>
+          <a:off x="0" y="0"/>
+          <a:ext cx="0" cy="0"/>
+          <a:chOff x="0" y="0"/>
+          <a:chExt cx="0" cy="0"/>
         </a:xfrm>
       </p:grpSpPr>
       <p:sp>
@@ -1776,8 +2023,8 @@
         </p:nvSpPr>
         <p:spPr>
           <a:xfrm rot="10800000" flipH="1">
-            <a:off y="1550999" x="0"/>
-            <a:ext cy="5307000" cx="9144000"/>
+            <a:off x="0" y="1550999"/>
+            <a:ext cx="9144000" cy="5307000"/>
           </a:xfrm>
           <a:prstGeom prst="rect">
             <a:avLst/>
@@ -1790,11 +2037,13 @@
           </a:ln>
         </p:spPr>
         <p:txBody>
-          <a:bodyPr bIns="45700" rIns="91425" lIns="91425" tIns="45700" anchor="ctr" anchorCtr="0">
+          <a:bodyPr lIns="91425" tIns="45700" rIns="91425" bIns="45700" anchor="ctr" anchorCtr="0">
             <a:noAutofit/>
           </a:bodyPr>
           <a:lstStyle/>
-          <a:p/>
+          <a:p>
+            <a:endParaRPr/>
+          </a:p>
         </p:txBody>
       </p:sp>
       <p:sp>
@@ -1805,25 +2054,30 @@
         </p:nvSpPr>
         <p:spPr>
           <a:xfrm flipH="1">
-            <a:off y="761799" x="4526627"/>
-            <a:ext cy="790108" cx="4617372"/>
+            <a:off x="4526627" y="761799"/>
+            <a:ext cx="4617372" cy="790108"/>
           </a:xfrm>
           <a:custGeom>
+            <a:avLst/>
+            <a:gdLst/>
+            <a:ahLst/>
+            <a:cxnLst/>
+            <a:rect l="0" t="0" r="0" b="0"/>
             <a:pathLst>
-              <a:path w="4617373" extrusionOk="0" h="1108924">
+              <a:path w="4617373" h="1108924" extrusionOk="0">
                 <a:moveTo>
-                  <a:pt y="1108924" x="1199"/>
+                  <a:pt x="1199" y="1108924"/>
                 </a:moveTo>
                 <a:lnTo>
-                  <a:pt y="1108924" x="4617373"/>
+                  <a:pt x="4617373" y="1108924"/>
                 </a:lnTo>
                 <a:lnTo>
-                  <a:pt y="0" x="0"/>
+                  <a:pt x="0" y="0"/>
                 </a:lnTo>
                 <a:cubicBezTo>
-                  <a:pt y="369641" x="400"/>
-                  <a:pt y="739283" x="799"/>
-                  <a:pt y="1108924" x="1199"/>
+                  <a:pt x="400" y="369641"/>
+                  <a:pt x="799" y="739283"/>
+                  <a:pt x="1199" y="1108924"/>
                 </a:cubicBezTo>
                 <a:close/>
               </a:path>
@@ -1839,11 +2093,13 @@
           </a:ln>
         </p:spPr>
         <p:txBody>
-          <a:bodyPr bIns="45700" rIns="91425" lIns="91425" tIns="45700" anchor="ctr" anchorCtr="0">
+          <a:bodyPr lIns="91425" tIns="45700" rIns="91425" bIns="45700" anchor="ctr" anchorCtr="0">
             <a:noAutofit/>
           </a:bodyPr>
           <a:lstStyle/>
-          <a:p/>
+          <a:p>
+            <a:endParaRPr/>
+          </a:p>
         </p:txBody>
       </p:sp>
       <p:sp>
@@ -1854,25 +2110,30 @@
         </p:nvSpPr>
         <p:spPr>
           <a:xfrm rot="10800000">
-            <a:off y="1551358" x="4526627"/>
-            <a:ext cy="759612" cx="4617372"/>
+            <a:off x="4526627" y="1551358"/>
+            <a:ext cx="4617372" cy="759612"/>
           </a:xfrm>
           <a:custGeom>
+            <a:avLst/>
+            <a:gdLst/>
+            <a:ahLst/>
+            <a:cxnLst/>
+            <a:rect l="0" t="0" r="0" b="0"/>
             <a:pathLst>
-              <a:path w="4617373" extrusionOk="0" h="1108924">
+              <a:path w="4617373" h="1108924" extrusionOk="0">
                 <a:moveTo>
-                  <a:pt y="1108924" x="1199"/>
+                  <a:pt x="1199" y="1108924"/>
                 </a:moveTo>
                 <a:lnTo>
-                  <a:pt y="1108924" x="4617373"/>
+                  <a:pt x="4617373" y="1108924"/>
                 </a:lnTo>
                 <a:lnTo>
-                  <a:pt y="0" x="0"/>
+                  <a:pt x="0" y="0"/>
                 </a:lnTo>
                 <a:cubicBezTo>
-                  <a:pt y="369641" x="400"/>
-                  <a:pt y="739283" x="799"/>
-                  <a:pt y="1108924" x="1199"/>
+                  <a:pt x="400" y="369641"/>
+                  <a:pt x="799" y="739283"/>
+                  <a:pt x="1199" y="1108924"/>
                 </a:cubicBezTo>
                 <a:close/>
               </a:path>
@@ -1888,25 +2149,29 @@
           </a:ln>
         </p:spPr>
         <p:txBody>
-          <a:bodyPr bIns="45700" rIns="91425" lIns="91425" tIns="45700" anchor="ctr" anchorCtr="0">
+          <a:bodyPr lIns="91425" tIns="45700" rIns="91425" bIns="45700" anchor="ctr" anchorCtr="0">
             <a:noAutofit/>
           </a:bodyPr>
           <a:lstStyle/>
-          <a:p/>
+          <a:p>
+            <a:endParaRPr/>
+          </a:p>
         </p:txBody>
       </p:sp>
       <p:sp>
         <p:nvSpPr>
           <p:cNvPr id="17" name="Shape 17"/>
-          <p:cNvSpPr txBox="1"/>
+          <p:cNvSpPr txBox="1">
+            <a:spLocks noGrp="1"/>
+          </p:cNvSpPr>
           <p:nvPr>
             <p:ph type="title"/>
           </p:nvPr>
         </p:nvSpPr>
         <p:spPr>
           <a:xfrm>
-            <a:off y="274637" x="457200"/>
-            <a:ext cy="1143000" cx="8229600"/>
+            <a:off x="457200" y="274637"/>
+            <a:ext cx="8229600" cy="1143000"/>
           </a:xfrm>
           <a:prstGeom prst="rect">
             <a:avLst/>
@@ -1917,7 +2182,7 @@
           </a:ln>
         </p:spPr>
         <p:txBody>
-          <a:bodyPr bIns="91425" rIns="91425" lIns="91425" tIns="91425" anchor="ctr" anchorCtr="0"/>
+          <a:bodyPr lIns="91425" tIns="91425" rIns="91425" bIns="91425" anchor="ctr" anchorCtr="0"/>
           <a:lstStyle>
             <a:lvl1pPr algn="l" rtl="0">
               <a:spcBef>
@@ -1926,7 +2191,7 @@
               <a:buSzPct val="100000"/>
               <a:buFont typeface="Georgia"/>
               <a:buNone/>
-              <a:defRPr b="0" sz="4800">
+              <a:defRPr sz="4800" b="0">
                 <a:solidFill>
                   <a:schemeClr val="lt1"/>
                 </a:solidFill>
@@ -1943,7 +2208,7 @@
               <a:buSzPct val="100000"/>
               <a:buFont typeface="Georgia"/>
               <a:buNone/>
-              <a:defRPr b="0" sz="4800">
+              <a:defRPr sz="4800" b="0">
                 <a:solidFill>
                   <a:schemeClr val="lt1"/>
                 </a:solidFill>
@@ -1960,7 +2225,7 @@
               <a:buSzPct val="100000"/>
               <a:buFont typeface="Georgia"/>
               <a:buNone/>
-              <a:defRPr b="0" sz="4800">
+              <a:defRPr sz="4800" b="0">
                 <a:solidFill>
                   <a:schemeClr val="lt1"/>
                 </a:solidFill>
@@ -1977,7 +2242,7 @@
               <a:buSzPct val="100000"/>
               <a:buFont typeface="Georgia"/>
               <a:buNone/>
-              <a:defRPr b="0" sz="4800">
+              <a:defRPr sz="4800" b="0">
                 <a:solidFill>
                   <a:schemeClr val="lt1"/>
                 </a:solidFill>
@@ -1994,7 +2259,7 @@
               <a:buSzPct val="100000"/>
               <a:buFont typeface="Georgia"/>
               <a:buNone/>
-              <a:defRPr b="0" sz="4800">
+              <a:defRPr sz="4800" b="0">
                 <a:solidFill>
                   <a:schemeClr val="lt1"/>
                 </a:solidFill>
@@ -2011,7 +2276,7 @@
               <a:buSzPct val="100000"/>
               <a:buFont typeface="Georgia"/>
               <a:buNone/>
-              <a:defRPr b="0" sz="4800">
+              <a:defRPr sz="4800" b="0">
                 <a:solidFill>
                   <a:schemeClr val="lt1"/>
                 </a:solidFill>
@@ -2028,7 +2293,7 @@
               <a:buSzPct val="100000"/>
               <a:buFont typeface="Georgia"/>
               <a:buNone/>
-              <a:defRPr b="0" sz="4800">
+              <a:defRPr sz="4800" b="0">
                 <a:solidFill>
                   <a:schemeClr val="lt1"/>
                 </a:solidFill>
@@ -2045,7 +2310,7 @@
               <a:buSzPct val="100000"/>
               <a:buFont typeface="Georgia"/>
               <a:buNone/>
-              <a:defRPr b="0" sz="4800">
+              <a:defRPr sz="4800" b="0">
                 <a:solidFill>
                   <a:schemeClr val="lt1"/>
                 </a:solidFill>
@@ -2062,7 +2327,7 @@
               <a:buSzPct val="100000"/>
               <a:buFont typeface="Georgia"/>
               <a:buNone/>
-              <a:defRPr b="0" sz="4800">
+              <a:defRPr sz="4800" b="0">
                 <a:solidFill>
                   <a:schemeClr val="lt1"/>
                 </a:solidFill>
@@ -2073,21 +2338,25 @@
               </a:defRPr>
             </a:lvl9pPr>
           </a:lstStyle>
-          <a:p/>
+          <a:p>
+            <a:endParaRPr/>
+          </a:p>
         </p:txBody>
       </p:sp>
       <p:sp>
         <p:nvSpPr>
           <p:cNvPr id="18" name="Shape 18"/>
-          <p:cNvSpPr txBox="1"/>
+          <p:cNvSpPr txBox="1">
+            <a:spLocks noGrp="1"/>
+          </p:cNvSpPr>
           <p:nvPr>
-            <p:ph idx="1" type="body"/>
+            <p:ph type="body" idx="1"/>
           </p:nvPr>
         </p:nvSpPr>
         <p:spPr>
           <a:xfrm>
-            <a:off y="1600200" x="457200"/>
-            <a:ext cy="4967700" cx="8229600"/>
+            <a:off x="457200" y="1600200"/>
+            <a:ext cx="8229600" cy="4967700"/>
           </a:xfrm>
           <a:prstGeom prst="rect">
             <a:avLst/>
@@ -2098,7 +2367,7 @@
           </a:ln>
         </p:spPr>
         <p:txBody>
-          <a:bodyPr bIns="91425" rIns="91425" lIns="91425" tIns="91425" anchor="t" anchorCtr="0"/>
+          <a:bodyPr lIns="91425" tIns="91425" rIns="91425" bIns="91425" anchor="t" anchorCtr="0"/>
           <a:lstStyle>
             <a:lvl1pPr rtl="0">
               <a:defRPr/>
@@ -2128,7 +2397,9 @@
               <a:defRPr sz="1800"/>
             </a:lvl9pPr>
           </a:lstStyle>
-          <a:p/>
+          <a:p>
+            <a:endParaRPr/>
+          </a:p>
         </p:txBody>
       </p:sp>
     </p:spTree>
@@ -2140,20 +2411,20 @@
 </file>
 
 <file path=ppt/slideLayouts/slideLayout3.xml><?xml version="1.0" encoding="utf-8"?>
-<p:sldLayout xmlns:a="http://schemas.openxmlformats.org/drawingml/2006/main" xmlns:r="http://schemas.openxmlformats.org/officeDocument/2006/relationships" xmlns:mc="http://schemas.openxmlformats.org/markup-compatibility/2006" xmlns:mv="urn:schemas-microsoft-com:mac:vml" xmlns:p="http://schemas.openxmlformats.org/presentationml/2006/main" xmlns:c="http://schemas.openxmlformats.org/drawingml/2006/chart" xmlns:dgm="http://schemas.openxmlformats.org/drawingml/2006/diagram" xmlns:o="urn:schemas-microsoft-com:office:office" xmlns:v="urn:schemas-microsoft-com:vml" xmlns:pvml="urn:schemas-microsoft-com:office:powerpoint" xmlns:com="http://schemas.openxmlformats.org/drawingml/2006/compatibility" xmlns:p14="http://schemas.microsoft.com/office/powerpoint/2010/main" matchingName="twoColTx" type="twoColTx">
+<p:sldLayout xmlns:a="http://schemas.openxmlformats.org/drawingml/2006/main" xmlns:r="http://schemas.openxmlformats.org/officeDocument/2006/relationships" xmlns:p="http://schemas.openxmlformats.org/presentationml/2006/main" matchingName="twoColTx" type="twoColTx">
   <p:cSld name="TITLE_AND_TWO_COLUMNS">
     <p:spTree>
       <p:nvGrpSpPr>
-        <p:cNvPr id="19" name="Shape 19"/>
+        <p:cNvPr id="1" name="Shape 19"/>
         <p:cNvGrpSpPr/>
         <p:nvPr/>
       </p:nvGrpSpPr>
       <p:grpSpPr>
         <a:xfrm>
-          <a:off y="0" x="0"/>
-          <a:ext cy="0" cx="0"/>
-          <a:chOff y="0" x="0"/>
-          <a:chExt cy="0" cx="0"/>
+          <a:off x="0" y="0"/>
+          <a:ext cx="0" cy="0"/>
+          <a:chOff x="0" y="0"/>
+          <a:chExt cx="0" cy="0"/>
         </a:xfrm>
       </p:grpSpPr>
       <p:sp>
@@ -2164,8 +2435,8 @@
         </p:nvSpPr>
         <p:spPr>
           <a:xfrm rot="10800000" flipH="1">
-            <a:off y="1550999" x="0"/>
-            <a:ext cy="5307000" cx="9144000"/>
+            <a:off x="0" y="1550999"/>
+            <a:ext cx="9144000" cy="5307000"/>
           </a:xfrm>
           <a:prstGeom prst="rect">
             <a:avLst/>
@@ -2178,11 +2449,13 @@
           </a:ln>
         </p:spPr>
         <p:txBody>
-          <a:bodyPr bIns="45700" rIns="91425" lIns="91425" tIns="45700" anchor="ctr" anchorCtr="0">
+          <a:bodyPr lIns="91425" tIns="45700" rIns="91425" bIns="45700" anchor="ctr" anchorCtr="0">
             <a:noAutofit/>
           </a:bodyPr>
           <a:lstStyle/>
-          <a:p/>
+          <a:p>
+            <a:endParaRPr/>
+          </a:p>
         </p:txBody>
       </p:sp>
       <p:sp>
@@ -2193,25 +2466,30 @@
         </p:nvSpPr>
         <p:spPr>
           <a:xfrm rot="10800000">
-            <a:off y="1551358" x="4526627"/>
-            <a:ext cy="759612" cx="4617372"/>
+            <a:off x="4526627" y="1551358"/>
+            <a:ext cx="4617372" cy="759612"/>
           </a:xfrm>
           <a:custGeom>
+            <a:avLst/>
+            <a:gdLst/>
+            <a:ahLst/>
+            <a:cxnLst/>
+            <a:rect l="0" t="0" r="0" b="0"/>
             <a:pathLst>
-              <a:path w="4617373" extrusionOk="0" h="1108924">
+              <a:path w="4617373" h="1108924" extrusionOk="0">
                 <a:moveTo>
-                  <a:pt y="1108924" x="1199"/>
+                  <a:pt x="1199" y="1108924"/>
                 </a:moveTo>
                 <a:lnTo>
-                  <a:pt y="1108924" x="4617373"/>
+                  <a:pt x="4617373" y="1108924"/>
                 </a:lnTo>
                 <a:lnTo>
-                  <a:pt y="0" x="0"/>
+                  <a:pt x="0" y="0"/>
                 </a:lnTo>
                 <a:cubicBezTo>
-                  <a:pt y="369641" x="400"/>
-                  <a:pt y="739283" x="799"/>
-                  <a:pt y="1108924" x="1199"/>
+                  <a:pt x="400" y="369641"/>
+                  <a:pt x="799" y="739283"/>
+                  <a:pt x="1199" y="1108924"/>
                 </a:cubicBezTo>
                 <a:close/>
               </a:path>
@@ -2227,25 +2505,29 @@
           </a:ln>
         </p:spPr>
         <p:txBody>
-          <a:bodyPr bIns="45700" rIns="91425" lIns="91425" tIns="45700" anchor="ctr" anchorCtr="0">
+          <a:bodyPr lIns="91425" tIns="45700" rIns="91425" bIns="45700" anchor="ctr" anchorCtr="0">
             <a:noAutofit/>
           </a:bodyPr>
           <a:lstStyle/>
-          <a:p/>
+          <a:p>
+            <a:endParaRPr/>
+          </a:p>
         </p:txBody>
       </p:sp>
       <p:sp>
         <p:nvSpPr>
           <p:cNvPr id="22" name="Shape 22"/>
-          <p:cNvSpPr txBox="1"/>
+          <p:cNvSpPr txBox="1">
+            <a:spLocks noGrp="1"/>
+          </p:cNvSpPr>
           <p:nvPr>
             <p:ph type="title"/>
           </p:nvPr>
         </p:nvSpPr>
         <p:spPr>
           <a:xfrm>
-            <a:off y="274637" x="457200"/>
-            <a:ext cy="1143000" cx="8229600"/>
+            <a:off x="457200" y="274637"/>
+            <a:ext cx="8229600" cy="1143000"/>
           </a:xfrm>
           <a:prstGeom prst="rect">
             <a:avLst/>
@@ -2256,7 +2538,7 @@
           </a:ln>
         </p:spPr>
         <p:txBody>
-          <a:bodyPr bIns="91425" rIns="91425" lIns="91425" tIns="91425" anchor="ctr" anchorCtr="0"/>
+          <a:bodyPr lIns="91425" tIns="91425" rIns="91425" bIns="91425" anchor="ctr" anchorCtr="0"/>
           <a:lstStyle>
             <a:lvl1pPr algn="l" rtl="0">
               <a:spcBef>
@@ -2265,7 +2547,7 @@
               <a:buSzPct val="100000"/>
               <a:buFont typeface="Georgia"/>
               <a:buNone/>
-              <a:defRPr b="0" sz="4800">
+              <a:defRPr sz="4800" b="0">
                 <a:solidFill>
                   <a:schemeClr val="lt1"/>
                 </a:solidFill>
@@ -2282,7 +2564,7 @@
               <a:buSzPct val="100000"/>
               <a:buFont typeface="Georgia"/>
               <a:buNone/>
-              <a:defRPr b="0" sz="4800">
+              <a:defRPr sz="4800" b="0">
                 <a:solidFill>
                   <a:schemeClr val="lt1"/>
                 </a:solidFill>
@@ -2299,7 +2581,7 @@
               <a:buSzPct val="100000"/>
               <a:buFont typeface="Georgia"/>
               <a:buNone/>
-              <a:defRPr b="0" sz="4800">
+              <a:defRPr sz="4800" b="0">
                 <a:solidFill>
                   <a:schemeClr val="lt1"/>
                 </a:solidFill>
@@ -2316,7 +2598,7 @@
               <a:buSzPct val="100000"/>
               <a:buFont typeface="Georgia"/>
               <a:buNone/>
-              <a:defRPr b="0" sz="4800">
+              <a:defRPr sz="4800" b="0">
                 <a:solidFill>
                   <a:schemeClr val="lt1"/>
                 </a:solidFill>
@@ -2333,7 +2615,7 @@
               <a:buSzPct val="100000"/>
               <a:buFont typeface="Georgia"/>
               <a:buNone/>
-              <a:defRPr b="0" sz="4800">
+              <a:defRPr sz="4800" b="0">
                 <a:solidFill>
                   <a:schemeClr val="lt1"/>
                 </a:solidFill>
@@ -2350,7 +2632,7 @@
               <a:buSzPct val="100000"/>
               <a:buFont typeface="Georgia"/>
               <a:buNone/>
-              <a:defRPr b="0" sz="4800">
+              <a:defRPr sz="4800" b="0">
                 <a:solidFill>
                   <a:schemeClr val="lt1"/>
                 </a:solidFill>
@@ -2367,7 +2649,7 @@
               <a:buSzPct val="100000"/>
               <a:buFont typeface="Georgia"/>
               <a:buNone/>
-              <a:defRPr b="0" sz="4800">
+              <a:defRPr sz="4800" b="0">
                 <a:solidFill>
                   <a:schemeClr val="lt1"/>
                 </a:solidFill>
@@ -2384,7 +2666,7 @@
               <a:buSzPct val="100000"/>
               <a:buFont typeface="Georgia"/>
               <a:buNone/>
-              <a:defRPr b="0" sz="4800">
+              <a:defRPr sz="4800" b="0">
                 <a:solidFill>
                   <a:schemeClr val="lt1"/>
                 </a:solidFill>
@@ -2401,7 +2683,7 @@
               <a:buSzPct val="100000"/>
               <a:buFont typeface="Georgia"/>
               <a:buNone/>
-              <a:defRPr b="0" sz="4800">
+              <a:defRPr sz="4800" b="0">
                 <a:solidFill>
                   <a:schemeClr val="lt1"/>
                 </a:solidFill>
@@ -2412,21 +2694,25 @@
               </a:defRPr>
             </a:lvl9pPr>
           </a:lstStyle>
-          <a:p/>
+          <a:p>
+            <a:endParaRPr/>
+          </a:p>
         </p:txBody>
       </p:sp>
       <p:sp>
         <p:nvSpPr>
           <p:cNvPr id="23" name="Shape 23"/>
-          <p:cNvSpPr txBox="1"/>
+          <p:cNvSpPr txBox="1">
+            <a:spLocks noGrp="1"/>
+          </p:cNvSpPr>
           <p:nvPr>
-            <p:ph idx="1" type="body"/>
+            <p:ph type="body" idx="1"/>
           </p:nvPr>
         </p:nvSpPr>
         <p:spPr>
           <a:xfrm>
-            <a:off y="1600200" x="457200"/>
-            <a:ext cy="4967700" cx="3994500"/>
+            <a:off x="457200" y="1600200"/>
+            <a:ext cx="3994500" cy="4967700"/>
           </a:xfrm>
           <a:prstGeom prst="rect">
             <a:avLst/>
@@ -2437,7 +2723,7 @@
           </a:ln>
         </p:spPr>
         <p:txBody>
-          <a:bodyPr bIns="91425" rIns="91425" lIns="91425" tIns="91425" anchor="t" anchorCtr="0"/>
+          <a:bodyPr lIns="91425" tIns="91425" rIns="91425" bIns="91425" anchor="t" anchorCtr="0"/>
           <a:lstStyle>
             <a:lvl1pPr rtl="0">
               <a:defRPr/>
@@ -2467,7 +2753,9 @@
               <a:defRPr sz="1800"/>
             </a:lvl9pPr>
           </a:lstStyle>
-          <a:p/>
+          <a:p>
+            <a:endParaRPr/>
+          </a:p>
         </p:txBody>
       </p:sp>
       <p:sp>
@@ -2478,25 +2766,30 @@
         </p:nvSpPr>
         <p:spPr>
           <a:xfrm flipH="1">
-            <a:off y="761799" x="4526627"/>
-            <a:ext cy="790108" cx="4617372"/>
+            <a:off x="4526627" y="761799"/>
+            <a:ext cx="4617372" cy="790108"/>
           </a:xfrm>
           <a:custGeom>
+            <a:avLst/>
+            <a:gdLst/>
+            <a:ahLst/>
+            <a:cxnLst/>
+            <a:rect l="0" t="0" r="0" b="0"/>
             <a:pathLst>
-              <a:path w="4617373" extrusionOk="0" h="1108924">
+              <a:path w="4617373" h="1108924" extrusionOk="0">
                 <a:moveTo>
-                  <a:pt y="1108924" x="1199"/>
+                  <a:pt x="1199" y="1108924"/>
                 </a:moveTo>
                 <a:lnTo>
-                  <a:pt y="1108924" x="4617373"/>
+                  <a:pt x="4617373" y="1108924"/>
                 </a:lnTo>
                 <a:lnTo>
-                  <a:pt y="0" x="0"/>
+                  <a:pt x="0" y="0"/>
                 </a:lnTo>
                 <a:cubicBezTo>
-                  <a:pt y="369641" x="400"/>
-                  <a:pt y="739283" x="799"/>
-                  <a:pt y="1108924" x="1199"/>
+                  <a:pt x="400" y="369641"/>
+                  <a:pt x="799" y="739283"/>
+                  <a:pt x="1199" y="1108924"/>
                 </a:cubicBezTo>
                 <a:close/>
               </a:path>
@@ -2512,25 +2805,29 @@
           </a:ln>
         </p:spPr>
         <p:txBody>
-          <a:bodyPr bIns="45700" rIns="91425" lIns="91425" tIns="45700" anchor="ctr" anchorCtr="0">
+          <a:bodyPr lIns="91425" tIns="45700" rIns="91425" bIns="45700" anchor="ctr" anchorCtr="0">
             <a:noAutofit/>
           </a:bodyPr>
           <a:lstStyle/>
-          <a:p/>
+          <a:p>
+            <a:endParaRPr/>
+          </a:p>
         </p:txBody>
       </p:sp>
       <p:sp>
         <p:nvSpPr>
           <p:cNvPr id="25" name="Shape 25"/>
-          <p:cNvSpPr txBox="1"/>
+          <p:cNvSpPr txBox="1">
+            <a:spLocks noGrp="1"/>
+          </p:cNvSpPr>
           <p:nvPr>
-            <p:ph idx="2" type="body"/>
+            <p:ph type="body" idx="2"/>
           </p:nvPr>
         </p:nvSpPr>
         <p:spPr>
           <a:xfrm>
-            <a:off y="1600200" x="4692273"/>
-            <a:ext cy="4967700" cx="3994500"/>
+            <a:off x="4692273" y="1600200"/>
+            <a:ext cx="3994500" cy="4967700"/>
           </a:xfrm>
           <a:prstGeom prst="rect">
             <a:avLst/>
@@ -2541,7 +2838,7 @@
           </a:ln>
         </p:spPr>
         <p:txBody>
-          <a:bodyPr bIns="91425" rIns="91425" lIns="91425" tIns="91425" anchor="t" anchorCtr="0"/>
+          <a:bodyPr lIns="91425" tIns="91425" rIns="91425" bIns="91425" anchor="t" anchorCtr="0"/>
           <a:lstStyle>
             <a:lvl1pPr rtl="0">
               <a:defRPr/>
@@ -2571,7 +2868,9 @@
               <a:defRPr sz="1800"/>
             </a:lvl9pPr>
           </a:lstStyle>
-          <a:p/>
+          <a:p>
+            <a:endParaRPr/>
+          </a:p>
         </p:txBody>
       </p:sp>
     </p:spTree>
@@ -2583,20 +2882,20 @@
 </file>
 
 <file path=ppt/slideLayouts/slideLayout4.xml><?xml version="1.0" encoding="utf-8"?>
-<p:sldLayout xmlns:a="http://schemas.openxmlformats.org/drawingml/2006/main" xmlns:r="http://schemas.openxmlformats.org/officeDocument/2006/relationships" xmlns:mc="http://schemas.openxmlformats.org/markup-compatibility/2006" xmlns:mv="urn:schemas-microsoft-com:mac:vml" xmlns:p="http://schemas.openxmlformats.org/presentationml/2006/main" xmlns:c="http://schemas.openxmlformats.org/drawingml/2006/chart" xmlns:dgm="http://schemas.openxmlformats.org/drawingml/2006/diagram" xmlns:o="urn:schemas-microsoft-com:office:office" xmlns:v="urn:schemas-microsoft-com:vml" xmlns:pvml="urn:schemas-microsoft-com:office:powerpoint" xmlns:com="http://schemas.openxmlformats.org/drawingml/2006/compatibility" xmlns:p14="http://schemas.microsoft.com/office/powerpoint/2010/main" matchingName="titleOnly" type="titleOnly">
+<p:sldLayout xmlns:a="http://schemas.openxmlformats.org/drawingml/2006/main" xmlns:r="http://schemas.openxmlformats.org/officeDocument/2006/relationships" xmlns:p="http://schemas.openxmlformats.org/presentationml/2006/main" matchingName="titleOnly" type="titleOnly">
   <p:cSld name="TITLE_ONLY">
     <p:spTree>
       <p:nvGrpSpPr>
-        <p:cNvPr id="26" name="Shape 26"/>
+        <p:cNvPr id="1" name="Shape 26"/>
         <p:cNvGrpSpPr/>
         <p:nvPr/>
       </p:nvGrpSpPr>
       <p:grpSpPr>
         <a:xfrm>
-          <a:off y="0" x="0"/>
-          <a:ext cy="0" cx="0"/>
-          <a:chOff y="0" x="0"/>
-          <a:chExt cy="0" cx="0"/>
+          <a:off x="0" y="0"/>
+          <a:ext cx="0" cy="0"/>
+          <a:chOff x="0" y="0"/>
+          <a:chExt cx="0" cy="0"/>
         </a:xfrm>
       </p:grpSpPr>
       <p:sp>
@@ -2607,8 +2906,8 @@
         </p:nvSpPr>
         <p:spPr>
           <a:xfrm rot="10800000" flipH="1">
-            <a:off y="1550999" x="0"/>
-            <a:ext cy="5307000" cx="9144000"/>
+            <a:off x="0" y="1550999"/>
+            <a:ext cx="9144000" cy="5307000"/>
           </a:xfrm>
           <a:prstGeom prst="rect">
             <a:avLst/>
@@ -2621,11 +2920,13 @@
           </a:ln>
         </p:spPr>
         <p:txBody>
-          <a:bodyPr bIns="45700" rIns="91425" lIns="91425" tIns="45700" anchor="ctr" anchorCtr="0">
+          <a:bodyPr lIns="91425" tIns="45700" rIns="91425" bIns="45700" anchor="ctr" anchorCtr="0">
             <a:noAutofit/>
           </a:bodyPr>
           <a:lstStyle/>
-          <a:p/>
+          <a:p>
+            <a:endParaRPr/>
+          </a:p>
         </p:txBody>
       </p:sp>
       <p:sp>
@@ -2636,25 +2937,30 @@
         </p:nvSpPr>
         <p:spPr>
           <a:xfrm flipH="1">
-            <a:off y="761799" x="4526627"/>
-            <a:ext cy="790108" cx="4617372"/>
+            <a:off x="4526627" y="761799"/>
+            <a:ext cx="4617372" cy="790108"/>
           </a:xfrm>
           <a:custGeom>
+            <a:avLst/>
+            <a:gdLst/>
+            <a:ahLst/>
+            <a:cxnLst/>
+            <a:rect l="0" t="0" r="0" b="0"/>
             <a:pathLst>
-              <a:path w="4617373" extrusionOk="0" h="1108924">
+              <a:path w="4617373" h="1108924" extrusionOk="0">
                 <a:moveTo>
-                  <a:pt y="1108924" x="1199"/>
+                  <a:pt x="1199" y="1108924"/>
                 </a:moveTo>
                 <a:lnTo>
-                  <a:pt y="1108924" x="4617373"/>
+                  <a:pt x="4617373" y="1108924"/>
                 </a:lnTo>
                 <a:lnTo>
-                  <a:pt y="0" x="0"/>
+                  <a:pt x="0" y="0"/>
                 </a:lnTo>
                 <a:cubicBezTo>
-                  <a:pt y="369641" x="400"/>
-                  <a:pt y="739283" x="799"/>
-                  <a:pt y="1108924" x="1199"/>
+                  <a:pt x="400" y="369641"/>
+                  <a:pt x="799" y="739283"/>
+                  <a:pt x="1199" y="1108924"/>
                 </a:cubicBezTo>
                 <a:close/>
               </a:path>
@@ -2670,25 +2976,29 @@
           </a:ln>
         </p:spPr>
         <p:txBody>
-          <a:bodyPr bIns="45700" rIns="91425" lIns="91425" tIns="45700" anchor="ctr" anchorCtr="0">
+          <a:bodyPr lIns="91425" tIns="45700" rIns="91425" bIns="45700" anchor="ctr" anchorCtr="0">
             <a:noAutofit/>
           </a:bodyPr>
           <a:lstStyle/>
-          <a:p/>
+          <a:p>
+            <a:endParaRPr/>
+          </a:p>
         </p:txBody>
       </p:sp>
       <p:sp>
         <p:nvSpPr>
           <p:cNvPr id="29" name="Shape 29"/>
-          <p:cNvSpPr txBox="1"/>
+          <p:cNvSpPr txBox="1">
+            <a:spLocks noGrp="1"/>
+          </p:cNvSpPr>
           <p:nvPr>
             <p:ph type="title"/>
           </p:nvPr>
         </p:nvSpPr>
         <p:spPr>
           <a:xfrm>
-            <a:off y="274637" x="457200"/>
-            <a:ext cy="1143000" cx="8229600"/>
+            <a:off x="457200" y="274637"/>
+            <a:ext cx="8229600" cy="1143000"/>
           </a:xfrm>
           <a:prstGeom prst="rect">
             <a:avLst/>
@@ -2699,7 +3009,7 @@
           </a:ln>
         </p:spPr>
         <p:txBody>
-          <a:bodyPr bIns="91425" rIns="91425" lIns="91425" tIns="91425" anchor="ctr" anchorCtr="0"/>
+          <a:bodyPr lIns="91425" tIns="91425" rIns="91425" bIns="91425" anchor="ctr" anchorCtr="0"/>
           <a:lstStyle>
             <a:lvl1pPr algn="l" rtl="0">
               <a:spcBef>
@@ -2708,7 +3018,7 @@
               <a:buSzPct val="100000"/>
               <a:buFont typeface="Georgia"/>
               <a:buNone/>
-              <a:defRPr b="0" sz="4800">
+              <a:defRPr sz="4800" b="0">
                 <a:solidFill>
                   <a:schemeClr val="lt1"/>
                 </a:solidFill>
@@ -2725,7 +3035,7 @@
               <a:buSzPct val="100000"/>
               <a:buFont typeface="Georgia"/>
               <a:buNone/>
-              <a:defRPr b="0" sz="4800">
+              <a:defRPr sz="4800" b="0">
                 <a:solidFill>
                   <a:schemeClr val="lt1"/>
                 </a:solidFill>
@@ -2742,7 +3052,7 @@
               <a:buSzPct val="100000"/>
               <a:buFont typeface="Georgia"/>
               <a:buNone/>
-              <a:defRPr b="0" sz="4800">
+              <a:defRPr sz="4800" b="0">
                 <a:solidFill>
                   <a:schemeClr val="lt1"/>
                 </a:solidFill>
@@ -2759,7 +3069,7 @@
               <a:buSzPct val="100000"/>
               <a:buFont typeface="Georgia"/>
               <a:buNone/>
-              <a:defRPr b="0" sz="4800">
+              <a:defRPr sz="4800" b="0">
                 <a:solidFill>
                   <a:schemeClr val="lt1"/>
                 </a:solidFill>
@@ -2776,7 +3086,7 @@
               <a:buSzPct val="100000"/>
               <a:buFont typeface="Georgia"/>
               <a:buNone/>
-              <a:defRPr b="0" sz="4800">
+              <a:defRPr sz="4800" b="0">
                 <a:solidFill>
                   <a:schemeClr val="lt1"/>
                 </a:solidFill>
@@ -2793,7 +3103,7 @@
               <a:buSzPct val="100000"/>
               <a:buFont typeface="Georgia"/>
               <a:buNone/>
-              <a:defRPr b="0" sz="4800">
+              <a:defRPr sz="4800" b="0">
                 <a:solidFill>
                   <a:schemeClr val="lt1"/>
                 </a:solidFill>
@@ -2810,7 +3120,7 @@
               <a:buSzPct val="100000"/>
               <a:buFont typeface="Georgia"/>
               <a:buNone/>
-              <a:defRPr b="0" sz="4800">
+              <a:defRPr sz="4800" b="0">
                 <a:solidFill>
                   <a:schemeClr val="lt1"/>
                 </a:solidFill>
@@ -2827,7 +3137,7 @@
               <a:buSzPct val="100000"/>
               <a:buFont typeface="Georgia"/>
               <a:buNone/>
-              <a:defRPr b="0" sz="4800">
+              <a:defRPr sz="4800" b="0">
                 <a:solidFill>
                   <a:schemeClr val="lt1"/>
                 </a:solidFill>
@@ -2844,7 +3154,7 @@
               <a:buSzPct val="100000"/>
               <a:buFont typeface="Georgia"/>
               <a:buNone/>
-              <a:defRPr b="0" sz="4800">
+              <a:defRPr sz="4800" b="0">
                 <a:solidFill>
                   <a:schemeClr val="lt1"/>
                 </a:solidFill>
@@ -2855,7 +3165,9 @@
               </a:defRPr>
             </a:lvl9pPr>
           </a:lstStyle>
-          <a:p/>
+          <a:p>
+            <a:endParaRPr/>
+          </a:p>
         </p:txBody>
       </p:sp>
       <p:sp>
@@ -2866,25 +3178,30 @@
         </p:nvSpPr>
         <p:spPr>
           <a:xfrm rot="10800000">
-            <a:off y="1551358" x="4526627"/>
-            <a:ext cy="759612" cx="4617372"/>
+            <a:off x="4526627" y="1551358"/>
+            <a:ext cx="4617372" cy="759612"/>
           </a:xfrm>
           <a:custGeom>
+            <a:avLst/>
+            <a:gdLst/>
+            <a:ahLst/>
+            <a:cxnLst/>
+            <a:rect l="0" t="0" r="0" b="0"/>
             <a:pathLst>
-              <a:path w="4617373" extrusionOk="0" h="1108924">
+              <a:path w="4617373" h="1108924" extrusionOk="0">
                 <a:moveTo>
-                  <a:pt y="1108924" x="1199"/>
+                  <a:pt x="1199" y="1108924"/>
                 </a:moveTo>
                 <a:lnTo>
-                  <a:pt y="1108924" x="4617373"/>
+                  <a:pt x="4617373" y="1108924"/>
                 </a:lnTo>
                 <a:lnTo>
-                  <a:pt y="0" x="0"/>
+                  <a:pt x="0" y="0"/>
                 </a:lnTo>
                 <a:cubicBezTo>
-                  <a:pt y="369641" x="400"/>
-                  <a:pt y="739283" x="799"/>
-                  <a:pt y="1108924" x="1199"/>
+                  <a:pt x="400" y="369641"/>
+                  <a:pt x="799" y="739283"/>
+                  <a:pt x="1199" y="1108924"/>
                 </a:cubicBezTo>
                 <a:close/>
               </a:path>
@@ -2900,11 +3217,13 @@
           </a:ln>
         </p:spPr>
         <p:txBody>
-          <a:bodyPr bIns="45700" rIns="91425" lIns="91425" tIns="45700" anchor="ctr" anchorCtr="0">
+          <a:bodyPr lIns="91425" tIns="45700" rIns="91425" bIns="45700" anchor="ctr" anchorCtr="0">
             <a:noAutofit/>
           </a:bodyPr>
           <a:lstStyle/>
-          <a:p/>
+          <a:p>
+            <a:endParaRPr/>
+          </a:p>
         </p:txBody>
       </p:sp>
     </p:spTree>
@@ -2916,20 +3235,20 @@
 </file>
 
 <file path=ppt/slideLayouts/slideLayout5.xml><?xml version="1.0" encoding="utf-8"?>
-<p:sldLayout xmlns:a="http://schemas.openxmlformats.org/drawingml/2006/main" xmlns:r="http://schemas.openxmlformats.org/officeDocument/2006/relationships" xmlns:mc="http://schemas.openxmlformats.org/markup-compatibility/2006" xmlns:mv="urn:schemas-microsoft-com:mac:vml" xmlns:p="http://schemas.openxmlformats.org/presentationml/2006/main" xmlns:c="http://schemas.openxmlformats.org/drawingml/2006/chart" xmlns:dgm="http://schemas.openxmlformats.org/drawingml/2006/diagram" xmlns:o="urn:schemas-microsoft-com:office:office" xmlns:v="urn:schemas-microsoft-com:vml" xmlns:pvml="urn:schemas-microsoft-com:office:powerpoint" xmlns:com="http://schemas.openxmlformats.org/drawingml/2006/compatibility" xmlns:p14="http://schemas.microsoft.com/office/powerpoint/2010/main" matchingName="CAPTION_ONLY">
+<p:sldLayout xmlns:a="http://schemas.openxmlformats.org/drawingml/2006/main" xmlns:r="http://schemas.openxmlformats.org/officeDocument/2006/relationships" xmlns:p="http://schemas.openxmlformats.org/presentationml/2006/main" matchingName="CAPTION_ONLY">
   <p:cSld name="CAPTION_ONLY">
     <p:spTree>
       <p:nvGrpSpPr>
-        <p:cNvPr id="31" name="Shape 31"/>
+        <p:cNvPr id="1" name="Shape 31"/>
         <p:cNvGrpSpPr/>
         <p:nvPr/>
       </p:nvGrpSpPr>
       <p:grpSpPr>
         <a:xfrm>
-          <a:off y="0" x="0"/>
-          <a:ext cy="0" cx="0"/>
-          <a:chOff y="0" x="0"/>
-          <a:chExt cy="0" cx="0"/>
+          <a:off x="0" y="0"/>
+          <a:ext cx="0" cy="0"/>
+          <a:chOff x="0" y="0"/>
+          <a:chExt cx="0" cy="0"/>
         </a:xfrm>
       </p:grpSpPr>
       <p:sp>
@@ -2940,8 +3259,8 @@
         </p:nvSpPr>
         <p:spPr>
           <a:xfrm rot="10800000" flipH="1">
-            <a:off y="5883599" x="0"/>
-            <a:ext cy="974400" cx="9144000"/>
+            <a:off x="0" y="5883599"/>
+            <a:ext cx="9144000" cy="974400"/>
           </a:xfrm>
           <a:prstGeom prst="rect">
             <a:avLst/>
@@ -2954,11 +3273,13 @@
           </a:ln>
         </p:spPr>
         <p:txBody>
-          <a:bodyPr bIns="45700" rIns="91425" lIns="91425" tIns="45700" anchor="ctr" anchorCtr="0">
+          <a:bodyPr lIns="91425" tIns="45700" rIns="91425" bIns="45700" anchor="ctr" anchorCtr="0">
             <a:noAutofit/>
           </a:bodyPr>
           <a:lstStyle/>
-          <a:p/>
+          <a:p>
+            <a:endParaRPr/>
+          </a:p>
         </p:txBody>
       </p:sp>
       <p:sp>
@@ -2969,25 +3290,30 @@
         </p:nvSpPr>
         <p:spPr>
           <a:xfrm flipH="1">
-            <a:off y="5094446" x="4526627"/>
-            <a:ext cy="790108" cx="4617372"/>
+            <a:off x="4526627" y="5094446"/>
+            <a:ext cx="4617372" cy="790108"/>
           </a:xfrm>
           <a:custGeom>
+            <a:avLst/>
+            <a:gdLst/>
+            <a:ahLst/>
+            <a:cxnLst/>
+            <a:rect l="0" t="0" r="0" b="0"/>
             <a:pathLst>
-              <a:path w="4617373" extrusionOk="0" h="1108924">
+              <a:path w="4617373" h="1108924" extrusionOk="0">
                 <a:moveTo>
-                  <a:pt y="1108924" x="1199"/>
+                  <a:pt x="1199" y="1108924"/>
                 </a:moveTo>
                 <a:lnTo>
-                  <a:pt y="1108924" x="4617373"/>
+                  <a:pt x="4617373" y="1108924"/>
                 </a:lnTo>
                 <a:lnTo>
-                  <a:pt y="0" x="0"/>
+                  <a:pt x="0" y="0"/>
                 </a:lnTo>
                 <a:cubicBezTo>
-                  <a:pt y="369641" x="400"/>
-                  <a:pt y="739283" x="799"/>
-                  <a:pt y="1108924" x="1199"/>
+                  <a:pt x="400" y="369641"/>
+                  <a:pt x="799" y="739283"/>
+                  <a:pt x="1199" y="1108924"/>
                 </a:cubicBezTo>
                 <a:close/>
               </a:path>
@@ -3003,11 +3329,13 @@
           </a:ln>
         </p:spPr>
         <p:txBody>
-          <a:bodyPr bIns="45700" rIns="91425" lIns="91425" tIns="45700" anchor="ctr" anchorCtr="0">
+          <a:bodyPr lIns="91425" tIns="45700" rIns="91425" bIns="45700" anchor="ctr" anchorCtr="0">
             <a:noAutofit/>
           </a:bodyPr>
           <a:lstStyle/>
-          <a:p/>
+          <a:p>
+            <a:endParaRPr/>
+          </a:p>
         </p:txBody>
       </p:sp>
       <p:sp>
@@ -3018,25 +3346,30 @@
         </p:nvSpPr>
         <p:spPr>
           <a:xfrm rot="10800000">
-            <a:off y="5884005" x="4526627"/>
-            <a:ext cy="759612" cx="4617372"/>
+            <a:off x="4526627" y="5884005"/>
+            <a:ext cx="4617372" cy="759612"/>
           </a:xfrm>
           <a:custGeom>
+            <a:avLst/>
+            <a:gdLst/>
+            <a:ahLst/>
+            <a:cxnLst/>
+            <a:rect l="0" t="0" r="0" b="0"/>
             <a:pathLst>
-              <a:path w="4617373" extrusionOk="0" h="1108924">
+              <a:path w="4617373" h="1108924" extrusionOk="0">
                 <a:moveTo>
-                  <a:pt y="1108924" x="1199"/>
+                  <a:pt x="1199" y="1108924"/>
                 </a:moveTo>
                 <a:lnTo>
-                  <a:pt y="1108924" x="4617373"/>
+                  <a:pt x="4617373" y="1108924"/>
                 </a:lnTo>
                 <a:lnTo>
-                  <a:pt y="0" x="0"/>
+                  <a:pt x="0" y="0"/>
                 </a:lnTo>
                 <a:cubicBezTo>
-                  <a:pt y="369641" x="400"/>
-                  <a:pt y="739283" x="799"/>
-                  <a:pt y="1108924" x="1199"/>
+                  <a:pt x="400" y="369641"/>
+                  <a:pt x="799" y="739283"/>
+                  <a:pt x="1199" y="1108924"/>
                 </a:cubicBezTo>
                 <a:close/>
               </a:path>
@@ -3052,25 +3385,29 @@
           </a:ln>
         </p:spPr>
         <p:txBody>
-          <a:bodyPr bIns="45700" rIns="91425" lIns="91425" tIns="45700" anchor="ctr" anchorCtr="0">
+          <a:bodyPr lIns="91425" tIns="45700" rIns="91425" bIns="45700" anchor="ctr" anchorCtr="0">
             <a:noAutofit/>
           </a:bodyPr>
           <a:lstStyle/>
-          <a:p/>
+          <a:p>
+            <a:endParaRPr/>
+          </a:p>
         </p:txBody>
       </p:sp>
       <p:sp>
         <p:nvSpPr>
           <p:cNvPr id="35" name="Shape 35"/>
-          <p:cNvSpPr txBox="1"/>
+          <p:cNvSpPr txBox="1">
+            <a:spLocks noGrp="1"/>
+          </p:cNvSpPr>
           <p:nvPr>
-            <p:ph idx="1" type="body"/>
+            <p:ph type="body" idx="1"/>
           </p:nvPr>
         </p:nvSpPr>
         <p:spPr>
           <a:xfrm>
-            <a:off y="5895635" x="457200"/>
-            <a:ext cy="673800" cx="8229600"/>
+            <a:off x="457200" y="5895635"/>
+            <a:ext cx="8229600" cy="673800"/>
           </a:xfrm>
           <a:prstGeom prst="rect">
             <a:avLst/>
@@ -3081,9 +3418,9 @@
           </a:ln>
         </p:spPr>
         <p:txBody>
-          <a:bodyPr bIns="91425" rIns="91425" lIns="91425" tIns="91425" anchor="ctr" anchorCtr="0"/>
+          <a:bodyPr lIns="91425" tIns="91425" rIns="91425" bIns="91425" anchor="ctr" anchorCtr="0"/>
           <a:lstStyle>
-            <a:lvl1pPr algn="l" rtl="0" indent="-342900" marL="342900">
+            <a:lvl1pPr marL="342900" indent="-342900" algn="l" rtl="0">
               <a:lnSpc>
                 <a:spcPct val="100000"/>
               </a:lnSpc>
@@ -3105,7 +3442,7 @@
                 </a:solidFill>
               </a:defRPr>
             </a:lvl1pPr>
-            <a:lvl2pPr algn="l" rtl="0" indent="-342900" marL="342900">
+            <a:lvl2pPr marL="342900" indent="-342900" algn="l" rtl="0">
               <a:lnSpc>
                 <a:spcPct val="100000"/>
               </a:lnSpc>
@@ -3127,7 +3464,7 @@
                 </a:solidFill>
               </a:defRPr>
             </a:lvl2pPr>
-            <a:lvl3pPr algn="l" rtl="0" indent="-342900" marL="342900">
+            <a:lvl3pPr marL="342900" indent="-342900" algn="l" rtl="0">
               <a:lnSpc>
                 <a:spcPct val="100000"/>
               </a:lnSpc>
@@ -3149,7 +3486,7 @@
                 </a:solidFill>
               </a:defRPr>
             </a:lvl3pPr>
-            <a:lvl4pPr algn="l" rtl="0" indent="-342900" marL="342900">
+            <a:lvl4pPr marL="342900" indent="-342900" algn="l" rtl="0">
               <a:lnSpc>
                 <a:spcPct val="100000"/>
               </a:lnSpc>
@@ -3171,7 +3508,7 @@
                 </a:solidFill>
               </a:defRPr>
             </a:lvl4pPr>
-            <a:lvl5pPr algn="l" rtl="0" indent="-342900" marL="342900">
+            <a:lvl5pPr marL="342900" indent="-342900" algn="l" rtl="0">
               <a:lnSpc>
                 <a:spcPct val="100000"/>
               </a:lnSpc>
@@ -3193,7 +3530,7 @@
                 </a:solidFill>
               </a:defRPr>
             </a:lvl5pPr>
-            <a:lvl6pPr algn="l" rtl="0" indent="-342900" marL="342900">
+            <a:lvl6pPr marL="342900" indent="-342900" algn="l" rtl="0">
               <a:lnSpc>
                 <a:spcPct val="100000"/>
               </a:lnSpc>
@@ -3215,7 +3552,7 @@
                 </a:solidFill>
               </a:defRPr>
             </a:lvl6pPr>
-            <a:lvl7pPr algn="l" rtl="0" indent="-342900" marL="342900">
+            <a:lvl7pPr marL="342900" indent="-342900" algn="l" rtl="0">
               <a:lnSpc>
                 <a:spcPct val="100000"/>
               </a:lnSpc>
@@ -3237,7 +3574,7 @@
                 </a:solidFill>
               </a:defRPr>
             </a:lvl7pPr>
-            <a:lvl8pPr algn="l" rtl="0" indent="-342900" marL="342900">
+            <a:lvl8pPr marL="342900" indent="-342900" algn="l" rtl="0">
               <a:lnSpc>
                 <a:spcPct val="100000"/>
               </a:lnSpc>
@@ -3259,7 +3596,7 @@
                 </a:solidFill>
               </a:defRPr>
             </a:lvl8pPr>
-            <a:lvl9pPr algn="l" rtl="0" indent="-342900" marL="342900">
+            <a:lvl9pPr marL="342900" indent="-342900" algn="l" rtl="0">
               <a:lnSpc>
                 <a:spcPct val="100000"/>
               </a:lnSpc>
@@ -3282,7 +3619,9 @@
               </a:defRPr>
             </a:lvl9pPr>
           </a:lstStyle>
-          <a:p/>
+          <a:p>
+            <a:endParaRPr/>
+          </a:p>
         </p:txBody>
       </p:sp>
     </p:spTree>
@@ -3294,20 +3633,20 @@
 </file>
 
 <file path=ppt/slideLayouts/slideLayout6.xml><?xml version="1.0" encoding="utf-8"?>
-<p:sldLayout xmlns:a="http://schemas.openxmlformats.org/drawingml/2006/main" xmlns:r="http://schemas.openxmlformats.org/officeDocument/2006/relationships" xmlns:mc="http://schemas.openxmlformats.org/markup-compatibility/2006" xmlns:mv="urn:schemas-microsoft-com:mac:vml" xmlns:p="http://schemas.openxmlformats.org/presentationml/2006/main" xmlns:c="http://schemas.openxmlformats.org/drawingml/2006/chart" xmlns:dgm="http://schemas.openxmlformats.org/drawingml/2006/diagram" xmlns:o="urn:schemas-microsoft-com:office:office" xmlns:v="urn:schemas-microsoft-com:vml" xmlns:pvml="urn:schemas-microsoft-com:office:powerpoint" xmlns:com="http://schemas.openxmlformats.org/drawingml/2006/compatibility" xmlns:p14="http://schemas.microsoft.com/office/powerpoint/2010/main" matchingName="blank" type="blank">
+<p:sldLayout xmlns:a="http://schemas.openxmlformats.org/drawingml/2006/main" xmlns:r="http://schemas.openxmlformats.org/officeDocument/2006/relationships" xmlns:p="http://schemas.openxmlformats.org/presentationml/2006/main" matchingName="blank" type="blank">
   <p:cSld name="BLANK">
     <p:spTree>
       <p:nvGrpSpPr>
-        <p:cNvPr id="36" name="Shape 36"/>
+        <p:cNvPr id="1" name="Shape 36"/>
         <p:cNvGrpSpPr/>
         <p:nvPr/>
       </p:nvGrpSpPr>
       <p:grpSpPr>
         <a:xfrm>
-          <a:off y="0" x="0"/>
-          <a:ext cy="0" cx="0"/>
-          <a:chOff y="0" x="0"/>
-          <a:chExt cy="0" cx="0"/>
+          <a:off x="0" y="0"/>
+          <a:ext cx="0" cy="0"/>
+          <a:chOff x="0" y="0"/>
+          <a:chExt cx="0" cy="0"/>
         </a:xfrm>
       </p:grpSpPr>
       <p:sp>
@@ -3318,25 +3657,30 @@
         </p:nvSpPr>
         <p:spPr>
           <a:xfrm>
-            <a:off y="101675" x="6676"/>
-            <a:ext cy="6739722" cx="9134130"/>
+            <a:off x="6676" y="101675"/>
+            <a:ext cx="9134130" cy="6739722"/>
           </a:xfrm>
           <a:custGeom>
+            <a:avLst/>
+            <a:gdLst/>
+            <a:ahLst/>
+            <a:cxnLst/>
+            <a:rect l="0" t="0" r="0" b="0"/>
             <a:pathLst>
-              <a:path w="9157023" extrusionOk="0" h="6739723">
+              <a:path w="9157023" h="6739723" extrusionOk="0">
                 <a:moveTo>
-                  <a:pt y="0" x="1629"/>
+                  <a:pt x="1629" y="0"/>
                 </a:moveTo>
                 <a:lnTo>
-                  <a:pt y="4340980" x="9157023"/>
+                  <a:pt x="9157023" y="4340980"/>
                 </a:lnTo>
                 <a:lnTo>
-                  <a:pt y="6739723" x="1593"/>
+                  <a:pt x="1593" y="6739723"/>
                 </a:lnTo>
                 <a:cubicBezTo>
-                  <a:pt y="5123960" x="-3941"/>
-                  <a:pt y="1615763" x="7163"/>
-                  <a:pt y="0" x="1629"/>
+                  <a:pt x="-3941" y="5123960"/>
+                  <a:pt x="7163" y="1615763"/>
+                  <a:pt x="1629" y="0"/>
                 </a:cubicBezTo>
                 <a:close/>
               </a:path>
@@ -3352,11 +3696,13 @@
           </a:ln>
         </p:spPr>
         <p:txBody>
-          <a:bodyPr bIns="45700" rIns="91425" lIns="91425" tIns="45700" anchor="ctr" anchorCtr="0">
+          <a:bodyPr lIns="91425" tIns="45700" rIns="91425" bIns="45700" anchor="ctr" anchorCtr="0">
             <a:noAutofit/>
           </a:bodyPr>
           <a:lstStyle/>
-          <a:p/>
+          <a:p>
+            <a:endParaRPr/>
+          </a:p>
         </p:txBody>
       </p:sp>
     </p:spTree>
@@ -3368,7 +3714,7 @@
 </file>
 
 <file path=ppt/slideMasters/slideMaster1.xml><?xml version="1.0" encoding="utf-8"?>
-<p:sldMaster xmlns:a="http://schemas.openxmlformats.org/drawingml/2006/main" xmlns:r="http://schemas.openxmlformats.org/officeDocument/2006/relationships" xmlns:mc="http://schemas.openxmlformats.org/markup-compatibility/2006" xmlns:mv="urn:schemas-microsoft-com:mac:vml" xmlns:p="http://schemas.openxmlformats.org/presentationml/2006/main" xmlns:c="http://schemas.openxmlformats.org/drawingml/2006/chart" xmlns:dgm="http://schemas.openxmlformats.org/drawingml/2006/diagram" xmlns:o="urn:schemas-microsoft-com:office:office" xmlns:v="urn:schemas-microsoft-com:vml" xmlns:pvml="urn:schemas-microsoft-com:office:powerpoint" xmlns:com="http://schemas.openxmlformats.org/drawingml/2006/compatibility" xmlns:p14="http://schemas.microsoft.com/office/powerpoint/2010/main">
+<p:sldMaster xmlns:a="http://schemas.openxmlformats.org/drawingml/2006/main" xmlns:r="http://schemas.openxmlformats.org/officeDocument/2006/relationships" xmlns:p="http://schemas.openxmlformats.org/presentationml/2006/main">
   <p:cSld>
     <p:bg>
       <p:bgPr>
@@ -3382,38 +3728,41 @@
             </a:gs>
           </a:gsLst>
           <a:path path="circle">
-            <a:fillToRect t="50%" b="50%" r="50%" l="50%"/>
+            <a:fillToRect l="50000" t="50000" r="50000" b="50000"/>
           </a:path>
           <a:tileRect/>
         </a:gradFill>
+        <a:effectLst/>
       </p:bgPr>
     </p:bg>
     <p:spTree>
       <p:nvGrpSpPr>
-        <p:cNvPr id="4" name="Shape 4"/>
+        <p:cNvPr id="1" name="Shape 4"/>
         <p:cNvGrpSpPr/>
         <p:nvPr/>
       </p:nvGrpSpPr>
       <p:grpSpPr>
         <a:xfrm>
-          <a:off y="0" x="0"/>
-          <a:ext cy="0" cx="0"/>
-          <a:chOff y="0" x="0"/>
-          <a:chExt cy="0" cx="0"/>
+          <a:off x="0" y="0"/>
+          <a:ext cx="0" cy="0"/>
+          <a:chOff x="0" y="0"/>
+          <a:chExt cx="0" cy="0"/>
         </a:xfrm>
       </p:grpSpPr>
       <p:sp>
         <p:nvSpPr>
           <p:cNvPr id="5" name="Shape 5"/>
-          <p:cNvSpPr txBox="1"/>
+          <p:cNvSpPr txBox="1">
+            <a:spLocks noGrp="1"/>
+          </p:cNvSpPr>
           <p:nvPr>
             <p:ph type="title"/>
           </p:nvPr>
         </p:nvSpPr>
         <p:spPr>
           <a:xfrm>
-            <a:off y="274637" x="457200"/>
-            <a:ext cy="1143000" cx="8229600"/>
+            <a:off x="457200" y="274637"/>
+            <a:ext cx="8229600" cy="1143000"/>
           </a:xfrm>
           <a:prstGeom prst="rect">
             <a:avLst/>
@@ -3424,9 +3773,9 @@
           </a:ln>
         </p:spPr>
         <p:txBody>
-          <a:bodyPr bIns="91425" rIns="91425" lIns="91425" tIns="91425" anchor="ctr" anchorCtr="0"/>
+          <a:bodyPr lIns="91425" tIns="91425" rIns="91425" bIns="91425" anchor="ctr" anchorCtr="0"/>
           <a:lstStyle>
-            <a:lvl1pPr algn="l" rtl="0" indent="304800" marL="0">
+            <a:lvl1pPr marL="0" indent="304800" algn="l" rtl="0">
               <a:spcBef>
                 <a:spcPts val="0"/>
               </a:spcBef>
@@ -3436,7 +3785,7 @@
               <a:buSzPct val="100000"/>
               <a:buFont typeface="Georgia"/>
               <a:buNone/>
-              <a:defRPr strike="noStrike" u="none" b="0" cap="none" baseline="0" sz="4800" i="0">
+              <a:defRPr sz="4800" b="0" i="0" u="none" strike="noStrike" cap="none" baseline="0">
                 <a:solidFill>
                   <a:schemeClr val="lt1"/>
                 </a:solidFill>
@@ -3446,7 +3795,7 @@
                 <a:sym typeface="Georgia"/>
               </a:defRPr>
             </a:lvl1pPr>
-            <a:lvl2pPr algn="l" rtl="0" indent="304800" marL="0">
+            <a:lvl2pPr marL="0" indent="304800" algn="l" rtl="0">
               <a:spcBef>
                 <a:spcPts val="0"/>
               </a:spcBef>
@@ -3456,7 +3805,7 @@
               <a:buSzPct val="100000"/>
               <a:buFont typeface="Georgia"/>
               <a:buNone/>
-              <a:defRPr strike="noStrike" u="none" b="0" cap="none" baseline="0" sz="4800" i="0">
+              <a:defRPr sz="4800" b="0" i="0" u="none" strike="noStrike" cap="none" baseline="0">
                 <a:solidFill>
                   <a:schemeClr val="lt1"/>
                 </a:solidFill>
@@ -3466,7 +3815,7 @@
                 <a:sym typeface="Georgia"/>
               </a:defRPr>
             </a:lvl2pPr>
-            <a:lvl3pPr algn="l" rtl="0" indent="304800" marL="0">
+            <a:lvl3pPr marL="0" indent="304800" algn="l" rtl="0">
               <a:spcBef>
                 <a:spcPts val="0"/>
               </a:spcBef>
@@ -3476,7 +3825,7 @@
               <a:buSzPct val="100000"/>
               <a:buFont typeface="Georgia"/>
               <a:buNone/>
-              <a:defRPr strike="noStrike" u="none" b="0" cap="none" baseline="0" sz="4800" i="0">
+              <a:defRPr sz="4800" b="0" i="0" u="none" strike="noStrike" cap="none" baseline="0">
                 <a:solidFill>
                   <a:schemeClr val="lt1"/>
                 </a:solidFill>
@@ -3486,7 +3835,7 @@
                 <a:sym typeface="Georgia"/>
               </a:defRPr>
             </a:lvl3pPr>
-            <a:lvl4pPr algn="l" rtl="0" indent="304800" marL="0">
+            <a:lvl4pPr marL="0" indent="304800" algn="l" rtl="0">
               <a:spcBef>
                 <a:spcPts val="0"/>
               </a:spcBef>
@@ -3496,7 +3845,7 @@
               <a:buSzPct val="100000"/>
               <a:buFont typeface="Georgia"/>
               <a:buNone/>
-              <a:defRPr strike="noStrike" u="none" b="0" cap="none" baseline="0" sz="4800" i="0">
+              <a:defRPr sz="4800" b="0" i="0" u="none" strike="noStrike" cap="none" baseline="0">
                 <a:solidFill>
                   <a:schemeClr val="lt1"/>
                 </a:solidFill>
@@ -3506,7 +3855,7 @@
                 <a:sym typeface="Georgia"/>
               </a:defRPr>
             </a:lvl4pPr>
-            <a:lvl5pPr algn="l" rtl="0" indent="304800" marL="0">
+            <a:lvl5pPr marL="0" indent="304800" algn="l" rtl="0">
               <a:spcBef>
                 <a:spcPts val="0"/>
               </a:spcBef>
@@ -3516,7 +3865,7 @@
               <a:buSzPct val="100000"/>
               <a:buFont typeface="Georgia"/>
               <a:buNone/>
-              <a:defRPr strike="noStrike" u="none" b="0" cap="none" baseline="0" sz="4800" i="0">
+              <a:defRPr sz="4800" b="0" i="0" u="none" strike="noStrike" cap="none" baseline="0">
                 <a:solidFill>
                   <a:schemeClr val="lt1"/>
                 </a:solidFill>
@@ -3526,7 +3875,7 @@
                 <a:sym typeface="Georgia"/>
               </a:defRPr>
             </a:lvl5pPr>
-            <a:lvl6pPr algn="l" rtl="0" indent="304800" marL="0">
+            <a:lvl6pPr marL="0" indent="304800" algn="l" rtl="0">
               <a:spcBef>
                 <a:spcPts val="0"/>
               </a:spcBef>
@@ -3536,7 +3885,7 @@
               <a:buSzPct val="100000"/>
               <a:buFont typeface="Georgia"/>
               <a:buNone/>
-              <a:defRPr strike="noStrike" u="none" b="0" cap="none" baseline="0" sz="4800" i="0">
+              <a:defRPr sz="4800" b="0" i="0" u="none" strike="noStrike" cap="none" baseline="0">
                 <a:solidFill>
                   <a:schemeClr val="lt1"/>
                 </a:solidFill>
@@ -3546,7 +3895,7 @@
                 <a:sym typeface="Georgia"/>
               </a:defRPr>
             </a:lvl6pPr>
-            <a:lvl7pPr algn="l" rtl="0" indent="304800" marL="0">
+            <a:lvl7pPr marL="0" indent="304800" algn="l" rtl="0">
               <a:spcBef>
                 <a:spcPts val="0"/>
               </a:spcBef>
@@ -3556,7 +3905,7 @@
               <a:buSzPct val="100000"/>
               <a:buFont typeface="Georgia"/>
               <a:buNone/>
-              <a:defRPr strike="noStrike" u="none" b="0" cap="none" baseline="0" sz="4800" i="0">
+              <a:defRPr sz="4800" b="0" i="0" u="none" strike="noStrike" cap="none" baseline="0">
                 <a:solidFill>
                   <a:schemeClr val="lt1"/>
                 </a:solidFill>
@@ -3566,7 +3915,7 @@
                 <a:sym typeface="Georgia"/>
               </a:defRPr>
             </a:lvl7pPr>
-            <a:lvl8pPr algn="l" rtl="0" indent="304800" marL="0">
+            <a:lvl8pPr marL="0" indent="304800" algn="l" rtl="0">
               <a:spcBef>
                 <a:spcPts val="0"/>
               </a:spcBef>
@@ -3576,7 +3925,7 @@
               <a:buSzPct val="100000"/>
               <a:buFont typeface="Georgia"/>
               <a:buNone/>
-              <a:defRPr strike="noStrike" u="none" b="0" cap="none" baseline="0" sz="4800" i="0">
+              <a:defRPr sz="4800" b="0" i="0" u="none" strike="noStrike" cap="none" baseline="0">
                 <a:solidFill>
                   <a:schemeClr val="lt1"/>
                 </a:solidFill>
@@ -3586,7 +3935,7 @@
                 <a:sym typeface="Georgia"/>
               </a:defRPr>
             </a:lvl8pPr>
-            <a:lvl9pPr algn="l" rtl="0" indent="304800" marL="0">
+            <a:lvl9pPr marL="0" indent="304800" algn="l" rtl="0">
               <a:spcBef>
                 <a:spcPts val="0"/>
               </a:spcBef>
@@ -3596,7 +3945,7 @@
               <a:buSzPct val="100000"/>
               <a:buFont typeface="Georgia"/>
               <a:buNone/>
-              <a:defRPr strike="noStrike" u="none" b="0" cap="none" baseline="0" sz="4800" i="0">
+              <a:defRPr sz="4800" b="0" i="0" u="none" strike="noStrike" cap="none" baseline="0">
                 <a:solidFill>
                   <a:schemeClr val="lt1"/>
                 </a:solidFill>
@@ -3607,21 +3956,25 @@
               </a:defRPr>
             </a:lvl9pPr>
           </a:lstStyle>
-          <a:p/>
+          <a:p>
+            <a:endParaRPr/>
+          </a:p>
         </p:txBody>
       </p:sp>
       <p:sp>
         <p:nvSpPr>
           <p:cNvPr id="6" name="Shape 6"/>
-          <p:cNvSpPr txBox="1"/>
+          <p:cNvSpPr txBox="1">
+            <a:spLocks noGrp="1"/>
+          </p:cNvSpPr>
           <p:nvPr>
-            <p:ph idx="1" type="body"/>
+            <p:ph type="body" idx="1"/>
           </p:nvPr>
         </p:nvSpPr>
         <p:spPr>
           <a:xfrm>
-            <a:off y="1600200" x="457200"/>
-            <a:ext cy="4967700" cx="8229600"/>
+            <a:off x="457200" y="1600200"/>
+            <a:ext cx="8229600" cy="4967700"/>
           </a:xfrm>
           <a:prstGeom prst="rect">
             <a:avLst/>
@@ -3632,9 +3985,9 @@
           </a:ln>
         </p:spPr>
         <p:txBody>
-          <a:bodyPr bIns="91425" rIns="91425" lIns="91425" tIns="91425" anchor="t" anchorCtr="0"/>
+          <a:bodyPr lIns="91425" tIns="91425" rIns="91425" bIns="91425" anchor="t" anchorCtr="0"/>
           <a:lstStyle>
-            <a:lvl1pPr algn="l" rtl="0" indent="-342900" marL="342900">
+            <a:lvl1pPr marL="342900" indent="-342900" algn="l" rtl="0">
               <a:spcBef>
                 <a:spcPts val="600"/>
               </a:spcBef>
@@ -3644,7 +3997,7 @@
               <a:buSzPct val="166666"/>
               <a:buFont typeface="Arial"/>
               <a:buChar char="•"/>
-              <a:defRPr strike="noStrike" u="none" b="0" cap="none" baseline="0" sz="3000" i="0">
+              <a:defRPr sz="3000" b="0" i="0" u="none" strike="noStrike" cap="none" baseline="0">
                 <a:solidFill>
                   <a:schemeClr val="dk1"/>
                 </a:solidFill>
@@ -3654,7 +4007,7 @@
                 <a:sym typeface="Georgia"/>
               </a:defRPr>
             </a:lvl1pPr>
-            <a:lvl2pPr algn="l" rtl="0" indent="-285750" marL="742950">
+            <a:lvl2pPr marL="742950" indent="-285750" algn="l" rtl="0">
               <a:spcBef>
                 <a:spcPts val="480"/>
               </a:spcBef>
@@ -3664,7 +4017,7 @@
               <a:buSzPct val="100000"/>
               <a:buFont typeface="Courier New"/>
               <a:buChar char="o"/>
-              <a:defRPr strike="noStrike" u="none" b="0" cap="none" baseline="0" sz="2400" i="0">
+              <a:defRPr sz="2400" b="0" i="0" u="none" strike="noStrike" cap="none" baseline="0">
                 <a:solidFill>
                   <a:schemeClr val="dk1"/>
                 </a:solidFill>
@@ -3674,7 +4027,7 @@
                 <a:sym typeface="Georgia"/>
               </a:defRPr>
             </a:lvl2pPr>
-            <a:lvl3pPr algn="l" rtl="0" indent="-228600" marL="1143000">
+            <a:lvl3pPr marL="1143000" indent="-228600" algn="l" rtl="0">
               <a:spcBef>
                 <a:spcPts val="480"/>
               </a:spcBef>
@@ -3684,7 +4037,7 @@
               <a:buSzPct val="100000"/>
               <a:buFont typeface="Wingdings"/>
               <a:buChar char="§"/>
-              <a:defRPr strike="noStrike" u="none" b="0" cap="none" baseline="0" sz="2400" i="0">
+              <a:defRPr sz="2400" b="0" i="0" u="none" strike="noStrike" cap="none" baseline="0">
                 <a:solidFill>
                   <a:schemeClr val="dk1"/>
                 </a:solidFill>
@@ -3694,7 +4047,7 @@
                 <a:sym typeface="Georgia"/>
               </a:defRPr>
             </a:lvl3pPr>
-            <a:lvl4pPr algn="l" rtl="0" indent="-228600" marL="1600200">
+            <a:lvl4pPr marL="1600200" indent="-228600" algn="l" rtl="0">
               <a:spcBef>
                 <a:spcPts val="360"/>
               </a:spcBef>
@@ -3704,7 +4057,7 @@
               <a:buSzPct val="166666"/>
               <a:buFont typeface="Arial"/>
               <a:buChar char="•"/>
-              <a:defRPr strike="noStrike" u="none" b="0" cap="none" baseline="0" sz="1800" i="0">
+              <a:defRPr sz="1800" b="0" i="0" u="none" strike="noStrike" cap="none" baseline="0">
                 <a:solidFill>
                   <a:schemeClr val="dk1"/>
                 </a:solidFill>
@@ -3714,7 +4067,7 @@
                 <a:sym typeface="Georgia"/>
               </a:defRPr>
             </a:lvl4pPr>
-            <a:lvl5pPr algn="l" rtl="0" indent="-228600" marL="2057400">
+            <a:lvl5pPr marL="2057400" indent="-228600" algn="l" rtl="0">
               <a:spcBef>
                 <a:spcPts val="360"/>
               </a:spcBef>
@@ -3724,7 +4077,7 @@
               <a:buSzPct val="100000"/>
               <a:buFont typeface="Courier New"/>
               <a:buChar char="o"/>
-              <a:defRPr strike="noStrike" u="none" b="0" cap="none" baseline="0" sz="1800" i="0">
+              <a:defRPr sz="1800" b="0" i="0" u="none" strike="noStrike" cap="none" baseline="0">
                 <a:solidFill>
                   <a:schemeClr val="dk1"/>
                 </a:solidFill>
@@ -3734,7 +4087,7 @@
                 <a:sym typeface="Georgia"/>
               </a:defRPr>
             </a:lvl5pPr>
-            <a:lvl6pPr algn="l" rtl="0" indent="-228600" marL="2514600">
+            <a:lvl6pPr marL="2514600" indent="-228600" algn="l" rtl="0">
               <a:spcBef>
                 <a:spcPts val="360"/>
               </a:spcBef>
@@ -3744,7 +4097,7 @@
               <a:buSzPct val="100000"/>
               <a:buFont typeface="Wingdings"/>
               <a:buChar char="§"/>
-              <a:defRPr strike="noStrike" u="none" b="0" cap="none" baseline="0" sz="1800" i="0">
+              <a:defRPr sz="1800" b="0" i="0" u="none" strike="noStrike" cap="none" baseline="0">
                 <a:solidFill>
                   <a:schemeClr val="dk1"/>
                 </a:solidFill>
@@ -3754,7 +4107,7 @@
                 <a:sym typeface="Georgia"/>
               </a:defRPr>
             </a:lvl6pPr>
-            <a:lvl7pPr algn="l" rtl="0" indent="-228600" marL="2971800">
+            <a:lvl7pPr marL="2971800" indent="-228600" algn="l" rtl="0">
               <a:spcBef>
                 <a:spcPts val="360"/>
               </a:spcBef>
@@ -3764,7 +4117,7 @@
               <a:buSzPct val="166666"/>
               <a:buFont typeface="Arial"/>
               <a:buChar char="•"/>
-              <a:defRPr strike="noStrike" u="none" b="0" cap="none" baseline="0" sz="1800" i="0">
+              <a:defRPr sz="1800" b="0" i="0" u="none" strike="noStrike" cap="none" baseline="0">
                 <a:solidFill>
                   <a:schemeClr val="dk1"/>
                 </a:solidFill>
@@ -3774,7 +4127,7 @@
                 <a:sym typeface="Georgia"/>
               </a:defRPr>
             </a:lvl7pPr>
-            <a:lvl8pPr algn="l" rtl="0" indent="-228600" marL="3429000">
+            <a:lvl8pPr marL="3429000" indent="-228600" algn="l" rtl="0">
               <a:spcBef>
                 <a:spcPts val="360"/>
               </a:spcBef>
@@ -3784,7 +4137,7 @@
               <a:buSzPct val="100000"/>
               <a:buFont typeface="Courier New"/>
               <a:buChar char="o"/>
-              <a:defRPr strike="noStrike" u="none" b="0" cap="none" baseline="0" sz="1800" i="0">
+              <a:defRPr sz="1800" b="0" i="0" u="none" strike="noStrike" cap="none" baseline="0">
                 <a:solidFill>
                   <a:schemeClr val="dk1"/>
                 </a:solidFill>
@@ -3794,7 +4147,7 @@
                 <a:sym typeface="Georgia"/>
               </a:defRPr>
             </a:lvl8pPr>
-            <a:lvl9pPr algn="l" rtl="0" indent="-228600" marL="3886200">
+            <a:lvl9pPr marL="3886200" indent="-228600" algn="l" rtl="0">
               <a:spcBef>
                 <a:spcPts val="360"/>
               </a:spcBef>
@@ -3804,7 +4157,7 @@
               <a:buSzPct val="100000"/>
               <a:buFont typeface="Wingdings"/>
               <a:buChar char="§"/>
-              <a:defRPr strike="noStrike" u="none" b="0" cap="none" baseline="0" sz="1800" i="0">
+              <a:defRPr sz="1800" b="0" i="0" u="none" strike="noStrike" cap="none" baseline="0">
                 <a:solidFill>
                   <a:schemeClr val="dk1"/>
                 </a:solidFill>
@@ -3815,12 +4168,14 @@
               </a:defRPr>
             </a:lvl9pPr>
           </a:lstStyle>
-          <a:p/>
+          <a:p>
+            <a:endParaRPr/>
+          </a:p>
         </p:txBody>
       </p:sp>
     </p:spTree>
   </p:cSld>
-  <p:clrMap accent2="accent2" accent3="accent3" accent4="accent4" accent5="accent5" accent6="accent6" hlink="hlink" tx2="lt2" tx1="dk1" bg2="dk2" bg1="lt1" folHlink="folHlink" accent1="accent1"/>
+  <p:clrMap bg1="lt1" tx1="dk1" bg2="dk2" tx2="lt2" accent1="accent1" accent2="accent2" accent3="accent3" accent4="accent4" accent5="accent5" accent6="accent6" hlink="hlink" folHlink="folHlink"/>
   <p:sldLayoutIdLst>
     <p:sldLayoutId id="2147483648" r:id="rId1"/>
     <p:sldLayoutId id="2147483649" r:id="rId2"/>
@@ -3831,7 +4186,7 @@
   </p:sldLayoutIdLst>
   <p:txStyles>
     <p:titleStyle>
-      <a:defPPr algn="l" rtl="0" marR="0">
+      <a:defPPr marR="0" algn="l" rtl="0">
         <a:lnSpc>
           <a:spcPct val="100000"/>
         </a:lnSpc>
@@ -3842,7 +4197,7 @@
           <a:spcPts val="0"/>
         </a:spcAft>
       </a:defPPr>
-      <a:lvl1pPr algn="l" rtl="0" marR="0">
+      <a:lvl1pPr marR="0" algn="l" rtl="0">
         <a:lnSpc>
           <a:spcPct val="100000"/>
         </a:lnSpc>
@@ -3853,7 +4208,7 @@
           <a:spcPts val="0"/>
         </a:spcAft>
         <a:buNone/>
-        <a:defRPr strike="noStrike" u="none" b="0" cap="none" baseline="0" sz="1400" i="0">
+        <a:defRPr sz="1400" b="0" i="0" u="none" strike="noStrike" cap="none" baseline="0">
           <a:solidFill>
             <a:srgbClr val="000000"/>
           </a:solidFill>
@@ -3864,7 +4219,7 @@
           <a:rtl val="0"/>
         </a:defRPr>
       </a:lvl1pPr>
-      <a:lvl2pPr algn="l" rtl="0" marR="0">
+      <a:lvl2pPr marR="0" algn="l" rtl="0">
         <a:lnSpc>
           <a:spcPct val="100000"/>
         </a:lnSpc>
@@ -3875,7 +4230,7 @@
           <a:spcPts val="0"/>
         </a:spcAft>
         <a:buNone/>
-        <a:defRPr strike="noStrike" u="none" b="0" cap="none" baseline="0" sz="1400" i="0">
+        <a:defRPr sz="1400" b="0" i="0" u="none" strike="noStrike" cap="none" baseline="0">
           <a:solidFill>
             <a:srgbClr val="000000"/>
           </a:solidFill>
@@ -3888,7 +4243,7 @@
       </a:lvl2pPr>
     </p:titleStyle>
     <p:bodyStyle>
-      <a:defPPr algn="l" rtl="0" marR="0">
+      <a:defPPr marR="0" algn="l" rtl="0">
         <a:lnSpc>
           <a:spcPct val="100000"/>
         </a:lnSpc>
@@ -3899,7 +4254,7 @@
           <a:spcPts val="0"/>
         </a:spcAft>
       </a:defPPr>
-      <a:lvl1pPr algn="l" rtl="0" marR="0">
+      <a:lvl1pPr marR="0" algn="l" rtl="0">
         <a:lnSpc>
           <a:spcPct val="100000"/>
         </a:lnSpc>
@@ -3910,7 +4265,7 @@
           <a:spcPts val="0"/>
         </a:spcAft>
         <a:buNone/>
-        <a:defRPr strike="noStrike" u="none" b="0" cap="none" baseline="0" sz="1400" i="0">
+        <a:defRPr sz="1400" b="0" i="0" u="none" strike="noStrike" cap="none" baseline="0">
           <a:solidFill>
             <a:srgbClr val="000000"/>
           </a:solidFill>
@@ -3921,7 +4276,7 @@
           <a:rtl val="0"/>
         </a:defRPr>
       </a:lvl1pPr>
-      <a:lvl2pPr algn="l" rtl="0" marR="0">
+      <a:lvl2pPr marR="0" algn="l" rtl="0">
         <a:lnSpc>
           <a:spcPct val="100000"/>
         </a:lnSpc>
@@ -3932,7 +4287,7 @@
           <a:spcPts val="0"/>
         </a:spcAft>
         <a:buNone/>
-        <a:defRPr strike="noStrike" u="none" b="0" cap="none" baseline="0" sz="1400" i="0">
+        <a:defRPr sz="1400" b="0" i="0" u="none" strike="noStrike" cap="none" baseline="0">
           <a:solidFill>
             <a:srgbClr val="000000"/>
           </a:solidFill>
@@ -3943,7 +4298,7 @@
           <a:rtl val="0"/>
         </a:defRPr>
       </a:lvl2pPr>
-      <a:lvl3pPr algn="l" rtl="0" marR="0">
+      <a:lvl3pPr marR="0" algn="l" rtl="0">
         <a:lnSpc>
           <a:spcPct val="100000"/>
         </a:lnSpc>
@@ -3954,7 +4309,7 @@
           <a:spcPts val="0"/>
         </a:spcAft>
         <a:buNone/>
-        <a:defRPr strike="noStrike" u="none" b="0" cap="none" baseline="0" sz="1400" i="0">
+        <a:defRPr sz="1400" b="0" i="0" u="none" strike="noStrike" cap="none" baseline="0">
           <a:solidFill>
             <a:srgbClr val="000000"/>
           </a:solidFill>
@@ -3965,7 +4320,7 @@
           <a:rtl val="0"/>
         </a:defRPr>
       </a:lvl3pPr>
-      <a:lvl4pPr algn="l" rtl="0" marR="0">
+      <a:lvl4pPr marR="0" algn="l" rtl="0">
         <a:lnSpc>
           <a:spcPct val="100000"/>
         </a:lnSpc>
@@ -3976,7 +4331,7 @@
           <a:spcPts val="0"/>
         </a:spcAft>
         <a:buNone/>
-        <a:defRPr strike="noStrike" u="none" b="0" cap="none" baseline="0" sz="1400" i="0">
+        <a:defRPr sz="1400" b="0" i="0" u="none" strike="noStrike" cap="none" baseline="0">
           <a:solidFill>
             <a:srgbClr val="000000"/>
           </a:solidFill>
@@ -3987,7 +4342,7 @@
           <a:rtl val="0"/>
         </a:defRPr>
       </a:lvl4pPr>
-      <a:lvl5pPr algn="l" rtl="0" marR="0">
+      <a:lvl5pPr marR="0" algn="l" rtl="0">
         <a:lnSpc>
           <a:spcPct val="100000"/>
         </a:lnSpc>
@@ -3998,7 +4353,7 @@
           <a:spcPts val="0"/>
         </a:spcAft>
         <a:buNone/>
-        <a:defRPr strike="noStrike" u="none" b="0" cap="none" baseline="0" sz="1400" i="0">
+        <a:defRPr sz="1400" b="0" i="0" u="none" strike="noStrike" cap="none" baseline="0">
           <a:solidFill>
             <a:srgbClr val="000000"/>
           </a:solidFill>
@@ -4009,7 +4364,7 @@
           <a:rtl val="0"/>
         </a:defRPr>
       </a:lvl5pPr>
-      <a:lvl6pPr algn="l" rtl="0" marR="0">
+      <a:lvl6pPr marR="0" algn="l" rtl="0">
         <a:lnSpc>
           <a:spcPct val="100000"/>
         </a:lnSpc>
@@ -4020,7 +4375,7 @@
           <a:spcPts val="0"/>
         </a:spcAft>
         <a:buNone/>
-        <a:defRPr strike="noStrike" u="none" b="0" cap="none" baseline="0" sz="1400" i="0">
+        <a:defRPr sz="1400" b="0" i="0" u="none" strike="noStrike" cap="none" baseline="0">
           <a:solidFill>
             <a:srgbClr val="000000"/>
           </a:solidFill>
@@ -4031,7 +4386,7 @@
           <a:rtl val="0"/>
         </a:defRPr>
       </a:lvl6pPr>
-      <a:lvl7pPr algn="l" rtl="0" marR="0">
+      <a:lvl7pPr marR="0" algn="l" rtl="0">
         <a:lnSpc>
           <a:spcPct val="100000"/>
         </a:lnSpc>
@@ -4042,7 +4397,7 @@
           <a:spcPts val="0"/>
         </a:spcAft>
         <a:buNone/>
-        <a:defRPr strike="noStrike" u="none" b="0" cap="none" baseline="0" sz="1400" i="0">
+        <a:defRPr sz="1400" b="0" i="0" u="none" strike="noStrike" cap="none" baseline="0">
           <a:solidFill>
             <a:srgbClr val="000000"/>
           </a:solidFill>
@@ -4053,7 +4408,7 @@
           <a:rtl val="0"/>
         </a:defRPr>
       </a:lvl7pPr>
-      <a:lvl8pPr algn="l" rtl="0" marR="0">
+      <a:lvl8pPr marR="0" algn="l" rtl="0">
         <a:lnSpc>
           <a:spcPct val="100000"/>
         </a:lnSpc>
@@ -4064,7 +4419,7 @@
           <a:spcPts val="0"/>
         </a:spcAft>
         <a:buNone/>
-        <a:defRPr strike="noStrike" u="none" b="0" cap="none" baseline="0" sz="1400" i="0">
+        <a:defRPr sz="1400" b="0" i="0" u="none" strike="noStrike" cap="none" baseline="0">
           <a:solidFill>
             <a:srgbClr val="000000"/>
           </a:solidFill>
@@ -4075,7 +4430,7 @@
           <a:rtl val="0"/>
         </a:defRPr>
       </a:lvl8pPr>
-      <a:lvl9pPr algn="l" rtl="0" marR="0">
+      <a:lvl9pPr marR="0" algn="l" rtl="0">
         <a:lnSpc>
           <a:spcPct val="100000"/>
         </a:lnSpc>
@@ -4086,7 +4441,7 @@
           <a:spcPts val="0"/>
         </a:spcAft>
         <a:buNone/>
-        <a:defRPr strike="noStrike" u="none" b="0" cap="none" baseline="0" sz="1400" i="0">
+        <a:defRPr sz="1400" b="0" i="0" u="none" strike="noStrike" cap="none" baseline="0">
           <a:solidFill>
             <a:srgbClr val="000000"/>
           </a:solidFill>
@@ -4099,7 +4454,7 @@
       </a:lvl9pPr>
     </p:bodyStyle>
     <p:otherStyle>
-      <a:defPPr algn="l" rtl="0" marR="0">
+      <a:defPPr marR="0" algn="l" rtl="0">
         <a:lnSpc>
           <a:spcPct val="100000"/>
         </a:lnSpc>
@@ -4110,7 +4465,7 @@
           <a:spcPts val="0"/>
         </a:spcAft>
       </a:defPPr>
-      <a:lvl1pPr algn="l" rtl="0" marR="0">
+      <a:lvl1pPr marR="0" algn="l" rtl="0">
         <a:lnSpc>
           <a:spcPct val="100000"/>
         </a:lnSpc>
@@ -4121,7 +4476,7 @@
           <a:spcPts val="0"/>
         </a:spcAft>
         <a:buNone/>
-        <a:defRPr strike="noStrike" u="none" b="0" cap="none" baseline="0" sz="1400" i="0">
+        <a:defRPr sz="1400" b="0" i="0" u="none" strike="noStrike" cap="none" baseline="0">
           <a:solidFill>
             <a:srgbClr val="000000"/>
           </a:solidFill>
@@ -4132,7 +4487,7 @@
           <a:rtl val="0"/>
         </a:defRPr>
       </a:lvl1pPr>
-      <a:lvl2pPr algn="l" rtl="0" marR="0">
+      <a:lvl2pPr marR="0" algn="l" rtl="0">
         <a:lnSpc>
           <a:spcPct val="100000"/>
         </a:lnSpc>
@@ -4143,7 +4498,7 @@
           <a:spcPts val="0"/>
         </a:spcAft>
         <a:buNone/>
-        <a:defRPr strike="noStrike" u="none" b="0" cap="none" baseline="0" sz="1400" i="0">
+        <a:defRPr sz="1400" b="0" i="0" u="none" strike="noStrike" cap="none" baseline="0">
           <a:solidFill>
             <a:srgbClr val="000000"/>
           </a:solidFill>
@@ -4154,7 +4509,7 @@
           <a:rtl val="0"/>
         </a:defRPr>
       </a:lvl2pPr>
-      <a:lvl3pPr algn="l" rtl="0" marR="0">
+      <a:lvl3pPr marR="0" algn="l" rtl="0">
         <a:lnSpc>
           <a:spcPct val="100000"/>
         </a:lnSpc>
@@ -4165,7 +4520,7 @@
           <a:spcPts val="0"/>
         </a:spcAft>
         <a:buNone/>
-        <a:defRPr strike="noStrike" u="none" b="0" cap="none" baseline="0" sz="1400" i="0">
+        <a:defRPr sz="1400" b="0" i="0" u="none" strike="noStrike" cap="none" baseline="0">
           <a:solidFill>
             <a:srgbClr val="000000"/>
           </a:solidFill>
@@ -4176,7 +4531,7 @@
           <a:rtl val="0"/>
         </a:defRPr>
       </a:lvl3pPr>
-      <a:lvl4pPr algn="l" rtl="0" marR="0">
+      <a:lvl4pPr marR="0" algn="l" rtl="0">
         <a:lnSpc>
           <a:spcPct val="100000"/>
         </a:lnSpc>
@@ -4187,7 +4542,7 @@
           <a:spcPts val="0"/>
         </a:spcAft>
         <a:buNone/>
-        <a:defRPr strike="noStrike" u="none" b="0" cap="none" baseline="0" sz="1400" i="0">
+        <a:defRPr sz="1400" b="0" i="0" u="none" strike="noStrike" cap="none" baseline="0">
           <a:solidFill>
             <a:srgbClr val="000000"/>
           </a:solidFill>
@@ -4198,7 +4553,7 @@
           <a:rtl val="0"/>
         </a:defRPr>
       </a:lvl4pPr>
-      <a:lvl5pPr algn="l" rtl="0" marR="0">
+      <a:lvl5pPr marR="0" algn="l" rtl="0">
         <a:lnSpc>
           <a:spcPct val="100000"/>
         </a:lnSpc>
@@ -4209,7 +4564,7 @@
           <a:spcPts val="0"/>
         </a:spcAft>
         <a:buNone/>
-        <a:defRPr strike="noStrike" u="none" b="0" cap="none" baseline="0" sz="1400" i="0">
+        <a:defRPr sz="1400" b="0" i="0" u="none" strike="noStrike" cap="none" baseline="0">
           <a:solidFill>
             <a:srgbClr val="000000"/>
           </a:solidFill>
@@ -4220,7 +4575,7 @@
           <a:rtl val="0"/>
         </a:defRPr>
       </a:lvl5pPr>
-      <a:lvl6pPr algn="l" rtl="0" marR="0">
+      <a:lvl6pPr marR="0" algn="l" rtl="0">
         <a:lnSpc>
           <a:spcPct val="100000"/>
         </a:lnSpc>
@@ -4231,7 +4586,7 @@
           <a:spcPts val="0"/>
         </a:spcAft>
         <a:buNone/>
-        <a:defRPr strike="noStrike" u="none" b="0" cap="none" baseline="0" sz="1400" i="0">
+        <a:defRPr sz="1400" b="0" i="0" u="none" strike="noStrike" cap="none" baseline="0">
           <a:solidFill>
             <a:srgbClr val="000000"/>
           </a:solidFill>
@@ -4242,7 +4597,7 @@
           <a:rtl val="0"/>
         </a:defRPr>
       </a:lvl6pPr>
-      <a:lvl7pPr algn="l" rtl="0" marR="0">
+      <a:lvl7pPr marR="0" algn="l" rtl="0">
         <a:lnSpc>
           <a:spcPct val="100000"/>
         </a:lnSpc>
@@ -4253,7 +4608,7 @@
           <a:spcPts val="0"/>
         </a:spcAft>
         <a:buNone/>
-        <a:defRPr strike="noStrike" u="none" b="0" cap="none" baseline="0" sz="1400" i="0">
+        <a:defRPr sz="1400" b="0" i="0" u="none" strike="noStrike" cap="none" baseline="0">
           <a:solidFill>
             <a:srgbClr val="000000"/>
           </a:solidFill>
@@ -4264,7 +4619,7 @@
           <a:rtl val="0"/>
         </a:defRPr>
       </a:lvl7pPr>
-      <a:lvl8pPr algn="l" rtl="0" marR="0">
+      <a:lvl8pPr marR="0" algn="l" rtl="0">
         <a:lnSpc>
           <a:spcPct val="100000"/>
         </a:lnSpc>
@@ -4275,7 +4630,7 @@
           <a:spcPts val="0"/>
         </a:spcAft>
         <a:buNone/>
-        <a:defRPr strike="noStrike" u="none" b="0" cap="none" baseline="0" sz="1400" i="0">
+        <a:defRPr sz="1400" b="0" i="0" u="none" strike="noStrike" cap="none" baseline="0">
           <a:solidFill>
             <a:srgbClr val="000000"/>
           </a:solidFill>
@@ -4286,7 +4641,7 @@
           <a:rtl val="0"/>
         </a:defRPr>
       </a:lvl8pPr>
-      <a:lvl9pPr algn="l" rtl="0" marR="0">
+      <a:lvl9pPr marR="0" algn="l" rtl="0">
         <a:lnSpc>
           <a:spcPct val="100000"/>
         </a:lnSpc>
@@ -4297,7 +4652,7 @@
           <a:spcPts val="0"/>
         </a:spcAft>
         <a:buNone/>
-        <a:defRPr strike="noStrike" u="none" b="0" cap="none" baseline="0" sz="1400" i="0">
+        <a:defRPr sz="1400" b="0" i="0" u="none" strike="noStrike" cap="none" baseline="0">
           <a:solidFill>
             <a:srgbClr val="000000"/>
           </a:solidFill>
@@ -4314,48 +4669,51 @@
 </file>
 
 <file path=ppt/slides/slide1.xml><?xml version="1.0" encoding="utf-8"?>
-<p:sld xmlns:a="http://schemas.openxmlformats.org/drawingml/2006/main" xmlns:r="http://schemas.openxmlformats.org/officeDocument/2006/relationships" xmlns:mc="http://schemas.openxmlformats.org/markup-compatibility/2006" xmlns:mv="urn:schemas-microsoft-com:mac:vml" xmlns:p="http://schemas.openxmlformats.org/presentationml/2006/main" xmlns:c="http://schemas.openxmlformats.org/drawingml/2006/chart" xmlns:dgm="http://schemas.openxmlformats.org/drawingml/2006/diagram" xmlns:o="urn:schemas-microsoft-com:office:office" xmlns:v="urn:schemas-microsoft-com:vml" xmlns:pvml="urn:schemas-microsoft-com:office:powerpoint" xmlns:com="http://schemas.openxmlformats.org/drawingml/2006/compatibility" xmlns:p14="http://schemas.microsoft.com/office/powerpoint/2010/main">
+<p:sld xmlns:a="http://schemas.openxmlformats.org/drawingml/2006/main" xmlns:r="http://schemas.openxmlformats.org/officeDocument/2006/relationships" xmlns:p="http://schemas.openxmlformats.org/presentationml/2006/main">
   <p:cSld>
     <p:bg>
       <p:bgPr>
         <a:solidFill>
           <a:srgbClr val="4A86E8"/>
         </a:solidFill>
+        <a:effectLst/>
       </p:bgPr>
     </p:bg>
     <p:spTree>
       <p:nvGrpSpPr>
-        <p:cNvPr id="38" name="Shape 38"/>
+        <p:cNvPr id="1" name="Shape 38"/>
         <p:cNvGrpSpPr/>
         <p:nvPr/>
       </p:nvGrpSpPr>
       <p:grpSpPr>
         <a:xfrm>
-          <a:off y="0" x="0"/>
-          <a:ext cy="0" cx="0"/>
-          <a:chOff y="0" x="0"/>
-          <a:chExt cy="0" cx="0"/>
+          <a:off x="0" y="0"/>
+          <a:ext cx="0" cy="0"/>
+          <a:chOff x="0" y="0"/>
+          <a:chExt cx="0" cy="0"/>
         </a:xfrm>
       </p:grpSpPr>
       <p:sp>
         <p:nvSpPr>
           <p:cNvPr id="39" name="Shape 39"/>
-          <p:cNvSpPr txBox="1"/>
+          <p:cNvSpPr txBox="1">
+            <a:spLocks noGrp="1"/>
+          </p:cNvSpPr>
           <p:nvPr>
             <p:ph type="ctrTitle"/>
           </p:nvPr>
         </p:nvSpPr>
         <p:spPr>
           <a:xfrm>
-            <a:off y="2329190" x="685800"/>
-            <a:ext cy="1650599" cx="7772400"/>
+            <a:off x="685800" y="2329190"/>
+            <a:ext cx="7772400" cy="1650599"/>
           </a:xfrm>
           <a:prstGeom prst="rect">
             <a:avLst/>
           </a:prstGeom>
         </p:spPr>
         <p:txBody>
-          <a:bodyPr bIns="91425" rIns="91425" lIns="91425" tIns="91425" anchor="b" anchorCtr="0">
+          <a:bodyPr lIns="91425" tIns="91425" rIns="91425" bIns="91425" anchor="b" anchorCtr="0">
             <a:noAutofit/>
           </a:bodyPr>
           <a:lstStyle/>
@@ -4373,22 +4731,24 @@
       <p:sp>
         <p:nvSpPr>
           <p:cNvPr id="40" name="Shape 40"/>
-          <p:cNvSpPr txBox="1"/>
+          <p:cNvSpPr txBox="1">
+            <a:spLocks noGrp="1"/>
+          </p:cNvSpPr>
           <p:nvPr>
-            <p:ph idx="1" type="subTitle"/>
+            <p:ph type="subTitle" idx="1"/>
           </p:nvPr>
         </p:nvSpPr>
         <p:spPr>
           <a:xfrm>
-            <a:off y="4124476" x="685800"/>
-            <a:ext cy="888899" cx="7772400"/>
+            <a:off x="685800" y="4124476"/>
+            <a:ext cx="7772400" cy="888899"/>
           </a:xfrm>
           <a:prstGeom prst="rect">
             <a:avLst/>
           </a:prstGeom>
         </p:spPr>
         <p:txBody>
-          <a:bodyPr bIns="91425" rIns="91425" lIns="91425" tIns="91425" anchor="t" anchorCtr="0">
+          <a:bodyPr lIns="91425" tIns="91425" rIns="91425" bIns="91425" anchor="t" anchorCtr="0">
             <a:noAutofit/>
           </a:bodyPr>
           <a:lstStyle/>
@@ -4408,60 +4768,63 @@
   <p:clrMapOvr>
     <a:masterClrMapping/>
   </p:clrMapOvr>
-  <p:transition spd="slow">
+  <p:transition xmlns:p14="http://schemas.microsoft.com/office/powerpoint/2010/main" spd="slow">
     <p:cut/>
   </p:transition>
 </p:sld>
 </file>
 
 <file path=ppt/slides/slide10.xml><?xml version="1.0" encoding="utf-8"?>
-<p:sld xmlns:a="http://schemas.openxmlformats.org/drawingml/2006/main" xmlns:r="http://schemas.openxmlformats.org/officeDocument/2006/relationships" xmlns:mc="http://schemas.openxmlformats.org/markup-compatibility/2006" xmlns:mv="urn:schemas-microsoft-com:mac:vml" xmlns:p="http://schemas.openxmlformats.org/presentationml/2006/main" xmlns:c="http://schemas.openxmlformats.org/drawingml/2006/chart" xmlns:dgm="http://schemas.openxmlformats.org/drawingml/2006/diagram" xmlns:o="urn:schemas-microsoft-com:office:office" xmlns:v="urn:schemas-microsoft-com:vml" xmlns:pvml="urn:schemas-microsoft-com:office:powerpoint" xmlns:com="http://schemas.openxmlformats.org/drawingml/2006/compatibility" xmlns:p14="http://schemas.microsoft.com/office/powerpoint/2010/main">
+<p:sld xmlns:a="http://schemas.openxmlformats.org/drawingml/2006/main" xmlns:r="http://schemas.openxmlformats.org/officeDocument/2006/relationships" xmlns:p="http://schemas.openxmlformats.org/presentationml/2006/main">
   <p:cSld>
     <p:bg>
       <p:bgPr>
         <a:solidFill>
           <a:srgbClr val="4A86E8"/>
         </a:solidFill>
+        <a:effectLst/>
       </p:bgPr>
     </p:bg>
     <p:spTree>
       <p:nvGrpSpPr>
-        <p:cNvPr id="92" name="Shape 92"/>
+        <p:cNvPr id="1" name="Shape 92"/>
         <p:cNvGrpSpPr/>
         <p:nvPr/>
       </p:nvGrpSpPr>
       <p:grpSpPr>
         <a:xfrm>
-          <a:off y="0" x="0"/>
-          <a:ext cy="0" cx="0"/>
-          <a:chOff y="0" x="0"/>
-          <a:chExt cy="0" cx="0"/>
+          <a:off x="0" y="0"/>
+          <a:ext cx="0" cy="0"/>
+          <a:chOff x="0" y="0"/>
+          <a:chExt cx="0" cy="0"/>
         </a:xfrm>
       </p:grpSpPr>
       <p:sp>
         <p:nvSpPr>
           <p:cNvPr id="93" name="Shape 93"/>
-          <p:cNvSpPr txBox="1"/>
+          <p:cNvSpPr txBox="1">
+            <a:spLocks noGrp="1"/>
+          </p:cNvSpPr>
           <p:nvPr>
             <p:ph type="title"/>
           </p:nvPr>
         </p:nvSpPr>
         <p:spPr>
           <a:xfrm>
-            <a:off y="274637" x="457200"/>
-            <a:ext cy="1143000" cx="8229600"/>
+            <a:off x="457200" y="274637"/>
+            <a:ext cx="8229600" cy="1143000"/>
           </a:xfrm>
           <a:prstGeom prst="rect">
             <a:avLst/>
           </a:prstGeom>
         </p:spPr>
         <p:txBody>
-          <a:bodyPr bIns="91425" rIns="91425" lIns="91425" tIns="91425" anchor="ctr" anchorCtr="0">
+          <a:bodyPr lIns="91425" tIns="91425" rIns="91425" bIns="91425" anchor="ctr" anchorCtr="0">
             <a:noAutofit/>
           </a:bodyPr>
           <a:lstStyle/>
           <a:p>
-            <a:pPr rtl="0" lvl="0">
+            <a:pPr lvl="0" rtl="0">
               <a:buNone/>
             </a:pPr>
             <a:r>
@@ -4474,27 +4837,29 @@
       <p:sp>
         <p:nvSpPr>
           <p:cNvPr id="94" name="Shape 94"/>
-          <p:cNvSpPr txBox="1"/>
+          <p:cNvSpPr txBox="1">
+            <a:spLocks noGrp="1"/>
+          </p:cNvSpPr>
           <p:nvPr>
-            <p:ph idx="1" type="body"/>
+            <p:ph type="body" idx="1"/>
           </p:nvPr>
         </p:nvSpPr>
         <p:spPr>
           <a:xfrm>
-            <a:off y="1600200" x="457200"/>
-            <a:ext cy="4967700" cx="8229600"/>
+            <a:off x="457200" y="1600200"/>
+            <a:ext cx="8229600" cy="4967700"/>
           </a:xfrm>
           <a:prstGeom prst="rect">
             <a:avLst/>
           </a:prstGeom>
         </p:spPr>
         <p:txBody>
-          <a:bodyPr bIns="91425" rIns="91425" lIns="91425" tIns="91425" anchor="t" anchorCtr="0">
+          <a:bodyPr lIns="91425" tIns="91425" rIns="91425" bIns="91425" anchor="t" anchorCtr="0">
             <a:noAutofit/>
           </a:bodyPr>
           <a:lstStyle/>
           <a:p>
-            <a:pPr rtl="0" lvl="0">
+            <a:pPr lvl="0" rtl="0">
               <a:buNone/>
             </a:pPr>
             <a:r>
@@ -4503,7 +4868,7 @@
             </a:r>
           </a:p>
           <a:p>
-            <a:pPr rtl="0" lvl="0" indent="-419100" marL="457200">
+            <a:pPr marL="457200" lvl="0" indent="-419100" rtl="0">
               <a:buClr>
                 <a:schemeClr val="dk1"/>
               </a:buClr>
@@ -4517,7 +4882,7 @@
             </a:r>
           </a:p>
           <a:p>
-            <a:pPr rtl="0" lvl="0" indent="-419100" marL="457200">
+            <a:pPr marL="457200" lvl="0" indent="-419100" rtl="0">
               <a:buClr>
                 <a:schemeClr val="dk1"/>
               </a:buClr>
@@ -4537,55 +4902,58 @@
   <p:clrMapOvr>
     <a:masterClrMapping/>
   </p:clrMapOvr>
-  <p:transition spd="slow">
+  <p:transition xmlns:p14="http://schemas.microsoft.com/office/powerpoint/2010/main" spd="slow">
     <p:cut/>
   </p:transition>
 </p:sld>
 </file>
 
 <file path=ppt/slides/slide2.xml><?xml version="1.0" encoding="utf-8"?>
-<p:sld xmlns:a="http://schemas.openxmlformats.org/drawingml/2006/main" xmlns:r="http://schemas.openxmlformats.org/officeDocument/2006/relationships" xmlns:mc="http://schemas.openxmlformats.org/markup-compatibility/2006" xmlns:mv="urn:schemas-microsoft-com:mac:vml" xmlns:p="http://schemas.openxmlformats.org/presentationml/2006/main" xmlns:c="http://schemas.openxmlformats.org/drawingml/2006/chart" xmlns:dgm="http://schemas.openxmlformats.org/drawingml/2006/diagram" xmlns:o="urn:schemas-microsoft-com:office:office" xmlns:v="urn:schemas-microsoft-com:vml" xmlns:pvml="urn:schemas-microsoft-com:office:powerpoint" xmlns:com="http://schemas.openxmlformats.org/drawingml/2006/compatibility" xmlns:p14="http://schemas.microsoft.com/office/powerpoint/2010/main">
+<p:sld xmlns:a="http://schemas.openxmlformats.org/drawingml/2006/main" xmlns:r="http://schemas.openxmlformats.org/officeDocument/2006/relationships" xmlns:p="http://schemas.openxmlformats.org/presentationml/2006/main">
   <p:cSld>
     <p:bg>
       <p:bgPr>
         <a:solidFill>
           <a:srgbClr val="4A86E8"/>
         </a:solidFill>
+        <a:effectLst/>
       </p:bgPr>
     </p:bg>
     <p:spTree>
       <p:nvGrpSpPr>
-        <p:cNvPr id="44" name="Shape 44"/>
+        <p:cNvPr id="1" name="Shape 44"/>
         <p:cNvGrpSpPr/>
         <p:nvPr/>
       </p:nvGrpSpPr>
       <p:grpSpPr>
         <a:xfrm>
-          <a:off y="0" x="0"/>
-          <a:ext cy="0" cx="0"/>
-          <a:chOff y="0" x="0"/>
-          <a:chExt cy="0" cx="0"/>
+          <a:off x="0" y="0"/>
+          <a:ext cx="0" cy="0"/>
+          <a:chOff x="0" y="0"/>
+          <a:chExt cx="0" cy="0"/>
         </a:xfrm>
       </p:grpSpPr>
       <p:sp>
         <p:nvSpPr>
           <p:cNvPr id="45" name="Shape 45"/>
-          <p:cNvSpPr txBox="1"/>
+          <p:cNvSpPr txBox="1">
+            <a:spLocks noGrp="1"/>
+          </p:cNvSpPr>
           <p:nvPr>
             <p:ph type="title"/>
           </p:nvPr>
         </p:nvSpPr>
         <p:spPr>
           <a:xfrm>
-            <a:off y="274637" x="457200"/>
-            <a:ext cy="1143000" cx="8229600"/>
+            <a:off x="457200" y="274637"/>
+            <a:ext cx="8229600" cy="1143000"/>
           </a:xfrm>
           <a:prstGeom prst="rect">
             <a:avLst/>
           </a:prstGeom>
         </p:spPr>
         <p:txBody>
-          <a:bodyPr bIns="91425" rIns="91425" lIns="91425" tIns="91425" anchor="ctr" anchorCtr="0">
+          <a:bodyPr lIns="91425" tIns="91425" rIns="91425" bIns="91425" anchor="ctr" anchorCtr="0">
             <a:noAutofit/>
           </a:bodyPr>
           <a:lstStyle/>
@@ -4603,23 +4971,25 @@
       <p:sp>
         <p:nvSpPr>
           <p:cNvPr id="46" name="Shape 46"/>
-          <p:cNvSpPr txBox="1"/>
+          <p:cNvSpPr txBox="1">
+            <a:spLocks noGrp="1"/>
+          </p:cNvSpPr>
           <p:nvPr>
-            <p:ph idx="1" type="body"/>
+            <p:ph type="body" idx="1"/>
           </p:nvPr>
         </p:nvSpPr>
         <p:spPr>
           <a:xfrm>
-            <a:off y="1600200" x="457200"/>
-            <a:ext cy="4967700" cx="8229600"/>
+            <a:off x="457200" y="1600200"/>
+            <a:ext cx="8229600" cy="4967700"/>
           </a:xfrm>
           <a:prstGeom prst="rect">
             <a:avLst/>
           </a:prstGeom>
         </p:spPr>
         <p:txBody>
-          <a:bodyPr bIns="91425" rIns="91425" lIns="91425" tIns="91425" anchor="t" anchorCtr="0">
-            <a:noAutofit/>
+          <a:bodyPr lIns="91425" tIns="91425" rIns="91425" bIns="91425" anchor="t" anchorCtr="0">
+            <a:normAutofit fontScale="92500" lnSpcReduction="20000"/>
           </a:bodyPr>
           <a:lstStyle/>
           <a:p>
@@ -4627,8 +4997,62 @@
               <a:buNone/>
             </a:pPr>
             <a:r>
-              <a:rPr lang="en"/>
-              <a:t>Bullet points for all of the requirements</a:t>
+              <a:rPr lang="en-US" dirty="0" smtClean="0"/>
+              <a:t>The system shall read medical images stored as JPEG images</a:t>
+            </a:r>
+          </a:p>
+          <a:p>
+            <a:pPr>
+              <a:buNone/>
+            </a:pPr>
+            <a:r>
+              <a:rPr lang="en-US" dirty="0" smtClean="0"/>
+              <a:t>The system shall work with images in groups known as studies</a:t>
+            </a:r>
+          </a:p>
+          <a:p>
+            <a:pPr>
+              <a:buNone/>
+            </a:pPr>
+            <a:r>
+              <a:rPr lang="en-US" dirty="0" smtClean="0"/>
+              <a:t>The system shall provide display modes for viewing images within the currently selected study</a:t>
+            </a:r>
+          </a:p>
+          <a:p>
+            <a:pPr>
+              <a:buNone/>
+            </a:pPr>
+            <a:r>
+              <a:rPr lang="en-US" dirty="0" smtClean="0"/>
+              <a:t>The system shall persist the study display state</a:t>
+            </a:r>
+          </a:p>
+          <a:p>
+            <a:pPr>
+              <a:buNone/>
+            </a:pPr>
+            <a:r>
+              <a:rPr lang="en-US" dirty="0" smtClean="0"/>
+              <a:t>The system shall allow the user to save a study</a:t>
+            </a:r>
+          </a:p>
+          <a:p>
+            <a:pPr>
+              <a:buNone/>
+            </a:pPr>
+            <a:r>
+              <a:rPr lang="en-US" dirty="0" smtClean="0"/>
+              <a:t>The system should be able to make a network connection to a remove imaging device</a:t>
+            </a:r>
+          </a:p>
+          <a:p>
+            <a:pPr>
+              <a:buNone/>
+            </a:pPr>
+            <a:r>
+              <a:rPr lang="en-US" dirty="0" smtClean="0"/>
+              <a:t>The user can exit the program and will be warned if a modified display state was not saved.</a:t>
             </a:r>
           </a:p>
         </p:txBody>
@@ -4638,60 +5062,63 @@
   <p:clrMapOvr>
     <a:masterClrMapping/>
   </p:clrMapOvr>
-  <p:transition spd="slow">
+  <p:transition xmlns:p14="http://schemas.microsoft.com/office/powerpoint/2010/main" spd="slow">
     <p:cut/>
   </p:transition>
 </p:sld>
 </file>
 
 <file path=ppt/slides/slide3.xml><?xml version="1.0" encoding="utf-8"?>
-<p:sld xmlns:a="http://schemas.openxmlformats.org/drawingml/2006/main" xmlns:r="http://schemas.openxmlformats.org/officeDocument/2006/relationships" xmlns:mc="http://schemas.openxmlformats.org/markup-compatibility/2006" xmlns:mv="urn:schemas-microsoft-com:mac:vml" xmlns:p="http://schemas.openxmlformats.org/presentationml/2006/main" xmlns:c="http://schemas.openxmlformats.org/drawingml/2006/chart" xmlns:dgm="http://schemas.openxmlformats.org/drawingml/2006/diagram" xmlns:o="urn:schemas-microsoft-com:office:office" xmlns:v="urn:schemas-microsoft-com:vml" xmlns:pvml="urn:schemas-microsoft-com:office:powerpoint" xmlns:com="http://schemas.openxmlformats.org/drawingml/2006/compatibility" xmlns:p14="http://schemas.microsoft.com/office/powerpoint/2010/main">
+<p:sld xmlns:a="http://schemas.openxmlformats.org/drawingml/2006/main" xmlns:r="http://schemas.openxmlformats.org/officeDocument/2006/relationships" xmlns:p="http://schemas.openxmlformats.org/presentationml/2006/main">
   <p:cSld>
     <p:bg>
       <p:bgPr>
         <a:solidFill>
           <a:srgbClr val="4A86E8"/>
         </a:solidFill>
+        <a:effectLst/>
       </p:bgPr>
     </p:bg>
     <p:spTree>
       <p:nvGrpSpPr>
-        <p:cNvPr id="50" name="Shape 50"/>
+        <p:cNvPr id="1" name="Shape 50"/>
         <p:cNvGrpSpPr/>
         <p:nvPr/>
       </p:nvGrpSpPr>
       <p:grpSpPr>
         <a:xfrm>
-          <a:off y="0" x="0"/>
-          <a:ext cy="0" cx="0"/>
-          <a:chOff y="0" x="0"/>
-          <a:chExt cy="0" cx="0"/>
+          <a:off x="0" y="0"/>
+          <a:ext cx="0" cy="0"/>
+          <a:chOff x="0" y="0"/>
+          <a:chExt cx="0" cy="0"/>
         </a:xfrm>
       </p:grpSpPr>
       <p:sp>
         <p:nvSpPr>
           <p:cNvPr id="51" name="Shape 51"/>
-          <p:cNvSpPr txBox="1"/>
+          <p:cNvSpPr txBox="1">
+            <a:spLocks noGrp="1"/>
+          </p:cNvSpPr>
           <p:nvPr>
             <p:ph type="title"/>
           </p:nvPr>
         </p:nvSpPr>
         <p:spPr>
           <a:xfrm>
-            <a:off y="274637" x="457200"/>
-            <a:ext cy="1143000" cx="8229600"/>
+            <a:off x="457200" y="274637"/>
+            <a:ext cx="8229600" cy="1143000"/>
           </a:xfrm>
           <a:prstGeom prst="rect">
             <a:avLst/>
           </a:prstGeom>
         </p:spPr>
         <p:txBody>
-          <a:bodyPr bIns="91425" rIns="91425" lIns="91425" tIns="91425" anchor="ctr" anchorCtr="0">
+          <a:bodyPr lIns="91425" tIns="91425" rIns="91425" bIns="91425" anchor="ctr" anchorCtr="0">
             <a:noAutofit/>
           </a:bodyPr>
           <a:lstStyle/>
           <a:p>
-            <a:pPr rtl="0" lvl="0">
+            <a:pPr lvl="0" rtl="0">
               <a:buNone/>
             </a:pPr>
             <a:r>
@@ -4704,27 +5131,29 @@
       <p:sp>
         <p:nvSpPr>
           <p:cNvPr id="52" name="Shape 52"/>
-          <p:cNvSpPr txBox="1"/>
+          <p:cNvSpPr txBox="1">
+            <a:spLocks noGrp="1"/>
+          </p:cNvSpPr>
           <p:nvPr>
-            <p:ph idx="1" type="body"/>
+            <p:ph type="body" idx="1"/>
           </p:nvPr>
         </p:nvSpPr>
         <p:spPr>
           <a:xfrm>
-            <a:off y="1600200" x="457200"/>
-            <a:ext cy="4967700" cx="8229600"/>
+            <a:off x="457200" y="1600200"/>
+            <a:ext cx="8229600" cy="4967700"/>
           </a:xfrm>
           <a:prstGeom prst="rect">
             <a:avLst/>
           </a:prstGeom>
         </p:spPr>
         <p:txBody>
-          <a:bodyPr bIns="91425" rIns="91425" lIns="91425" tIns="91425" anchor="t" anchorCtr="0">
+          <a:bodyPr lIns="91425" tIns="91425" rIns="91425" bIns="91425" anchor="t" anchorCtr="0">
             <a:noAutofit/>
           </a:bodyPr>
           <a:lstStyle/>
           <a:p>
-            <a:pPr rtl="0" lvl="0">
+            <a:pPr lvl="0" rtl="0">
               <a:buNone/>
             </a:pPr>
             <a:r>
@@ -4733,12 +5162,10 @@
             </a:r>
           </a:p>
           <a:p>
-            <a:r>
-              <a:t/>
-            </a:r>
-          </a:p>
-          <a:p>
-            <a:pPr rtl="0" lvl="0">
+            <a:endParaRPr lang="en"/>
+          </a:p>
+          <a:p>
+            <a:pPr lvl="0" rtl="0">
               <a:buNone/>
             </a:pPr>
             <a:r>
@@ -4753,60 +5180,63 @@
   <p:clrMapOvr>
     <a:masterClrMapping/>
   </p:clrMapOvr>
-  <p:transition spd="slow">
+  <p:transition xmlns:p14="http://schemas.microsoft.com/office/powerpoint/2010/main" spd="slow">
     <p:cut/>
   </p:transition>
 </p:sld>
 </file>
 
 <file path=ppt/slides/slide4.xml><?xml version="1.0" encoding="utf-8"?>
-<p:sld xmlns:a="http://schemas.openxmlformats.org/drawingml/2006/main" xmlns:r="http://schemas.openxmlformats.org/officeDocument/2006/relationships" xmlns:mc="http://schemas.openxmlformats.org/markup-compatibility/2006" xmlns:mv="urn:schemas-microsoft-com:mac:vml" xmlns:p="http://schemas.openxmlformats.org/presentationml/2006/main" xmlns:c="http://schemas.openxmlformats.org/drawingml/2006/chart" xmlns:dgm="http://schemas.openxmlformats.org/drawingml/2006/diagram" xmlns:o="urn:schemas-microsoft-com:office:office" xmlns:v="urn:schemas-microsoft-com:vml" xmlns:pvml="urn:schemas-microsoft-com:office:powerpoint" xmlns:com="http://schemas.openxmlformats.org/drawingml/2006/compatibility" xmlns:p14="http://schemas.microsoft.com/office/powerpoint/2010/main">
+<p:sld xmlns:a="http://schemas.openxmlformats.org/drawingml/2006/main" xmlns:r="http://schemas.openxmlformats.org/officeDocument/2006/relationships" xmlns:p="http://schemas.openxmlformats.org/presentationml/2006/main">
   <p:cSld>
     <p:bg>
       <p:bgPr>
         <a:solidFill>
           <a:srgbClr val="4A86E8"/>
         </a:solidFill>
+        <a:effectLst/>
       </p:bgPr>
     </p:bg>
     <p:spTree>
       <p:nvGrpSpPr>
-        <p:cNvPr id="56" name="Shape 56"/>
+        <p:cNvPr id="1" name="Shape 56"/>
         <p:cNvGrpSpPr/>
         <p:nvPr/>
       </p:nvGrpSpPr>
       <p:grpSpPr>
         <a:xfrm>
-          <a:off y="0" x="0"/>
-          <a:ext cy="0" cx="0"/>
-          <a:chOff y="0" x="0"/>
-          <a:chExt cy="0" cx="0"/>
+          <a:off x="0" y="0"/>
+          <a:ext cx="0" cy="0"/>
+          <a:chOff x="0" y="0"/>
+          <a:chExt cx="0" cy="0"/>
         </a:xfrm>
       </p:grpSpPr>
       <p:sp>
         <p:nvSpPr>
           <p:cNvPr id="57" name="Shape 57"/>
-          <p:cNvSpPr txBox="1"/>
+          <p:cNvSpPr txBox="1">
+            <a:spLocks noGrp="1"/>
+          </p:cNvSpPr>
           <p:nvPr>
             <p:ph type="title"/>
           </p:nvPr>
         </p:nvSpPr>
         <p:spPr>
           <a:xfrm>
-            <a:off y="274637" x="457200"/>
-            <a:ext cy="1143000" cx="8229600"/>
+            <a:off x="457200" y="274637"/>
+            <a:ext cx="8229600" cy="1143000"/>
           </a:xfrm>
           <a:prstGeom prst="rect">
             <a:avLst/>
           </a:prstGeom>
         </p:spPr>
         <p:txBody>
-          <a:bodyPr bIns="91425" rIns="91425" lIns="91425" tIns="91425" anchor="ctr" anchorCtr="0">
+          <a:bodyPr lIns="91425" tIns="91425" rIns="91425" bIns="91425" anchor="ctr" anchorCtr="0">
             <a:noAutofit/>
           </a:bodyPr>
           <a:lstStyle/>
           <a:p>
-            <a:pPr rtl="0" lvl="0">
+            <a:pPr lvl="0" rtl="0">
               <a:buNone/>
             </a:pPr>
             <a:r>
@@ -4819,27 +5249,29 @@
       <p:sp>
         <p:nvSpPr>
           <p:cNvPr id="58" name="Shape 58"/>
-          <p:cNvSpPr txBox="1"/>
+          <p:cNvSpPr txBox="1">
+            <a:spLocks noGrp="1"/>
+          </p:cNvSpPr>
           <p:nvPr>
-            <p:ph idx="1" type="body"/>
+            <p:ph type="body" idx="1"/>
           </p:nvPr>
         </p:nvSpPr>
         <p:spPr>
           <a:xfrm>
-            <a:off y="1600200" x="457200"/>
-            <a:ext cy="4967700" cx="8229600"/>
+            <a:off x="457200" y="1600200"/>
+            <a:ext cx="8229600" cy="4967700"/>
           </a:xfrm>
           <a:prstGeom prst="rect">
             <a:avLst/>
           </a:prstGeom>
         </p:spPr>
         <p:txBody>
-          <a:bodyPr bIns="91425" rIns="91425" lIns="91425" tIns="91425" anchor="t" anchorCtr="0">
+          <a:bodyPr lIns="91425" tIns="91425" rIns="91425" bIns="91425" anchor="t" anchorCtr="0">
             <a:noAutofit/>
           </a:bodyPr>
           <a:lstStyle/>
           <a:p>
-            <a:pPr rtl="0" lvl="0">
+            <a:pPr lvl="0" rtl="0">
               <a:buNone/>
             </a:pPr>
             <a:r>
@@ -4848,12 +5280,10 @@
             </a:r>
           </a:p>
           <a:p>
-            <a:r>
-              <a:t/>
-            </a:r>
-          </a:p>
-          <a:p>
-            <a:pPr rtl="0" lvl="0">
+            <a:endParaRPr lang="en"/>
+          </a:p>
+          <a:p>
+            <a:pPr lvl="0" rtl="0">
               <a:buNone/>
             </a:pPr>
             <a:r>
@@ -4868,55 +5298,58 @@
   <p:clrMapOvr>
     <a:masterClrMapping/>
   </p:clrMapOvr>
-  <p:transition spd="slow">
+  <p:transition xmlns:p14="http://schemas.microsoft.com/office/powerpoint/2010/main" spd="slow">
     <p:cut/>
   </p:transition>
 </p:sld>
 </file>
 
 <file path=ppt/slides/slide5.xml><?xml version="1.0" encoding="utf-8"?>
-<p:sld xmlns:a="http://schemas.openxmlformats.org/drawingml/2006/main" xmlns:r="http://schemas.openxmlformats.org/officeDocument/2006/relationships" xmlns:mc="http://schemas.openxmlformats.org/markup-compatibility/2006" xmlns:mv="urn:schemas-microsoft-com:mac:vml" xmlns:p="http://schemas.openxmlformats.org/presentationml/2006/main" xmlns:c="http://schemas.openxmlformats.org/drawingml/2006/chart" xmlns:dgm="http://schemas.openxmlformats.org/drawingml/2006/diagram" xmlns:o="urn:schemas-microsoft-com:office:office" xmlns:v="urn:schemas-microsoft-com:vml" xmlns:pvml="urn:schemas-microsoft-com:office:powerpoint" xmlns:com="http://schemas.openxmlformats.org/drawingml/2006/compatibility" xmlns:p14="http://schemas.microsoft.com/office/powerpoint/2010/main">
+<p:sld xmlns:a="http://schemas.openxmlformats.org/drawingml/2006/main" xmlns:r="http://schemas.openxmlformats.org/officeDocument/2006/relationships" xmlns:p="http://schemas.openxmlformats.org/presentationml/2006/main">
   <p:cSld>
     <p:bg>
       <p:bgPr>
         <a:solidFill>
           <a:srgbClr val="4A86E8"/>
         </a:solidFill>
+        <a:effectLst/>
       </p:bgPr>
     </p:bg>
     <p:spTree>
       <p:nvGrpSpPr>
-        <p:cNvPr id="62" name="Shape 62"/>
+        <p:cNvPr id="1" name="Shape 62"/>
         <p:cNvGrpSpPr/>
         <p:nvPr/>
       </p:nvGrpSpPr>
       <p:grpSpPr>
         <a:xfrm>
-          <a:off y="0" x="0"/>
-          <a:ext cy="0" cx="0"/>
-          <a:chOff y="0" x="0"/>
-          <a:chExt cy="0" cx="0"/>
+          <a:off x="0" y="0"/>
+          <a:ext cx="0" cy="0"/>
+          <a:chOff x="0" y="0"/>
+          <a:chExt cx="0" cy="0"/>
         </a:xfrm>
       </p:grpSpPr>
       <p:sp>
         <p:nvSpPr>
           <p:cNvPr id="63" name="Shape 63"/>
-          <p:cNvSpPr txBox="1"/>
+          <p:cNvSpPr txBox="1">
+            <a:spLocks noGrp="1"/>
+          </p:cNvSpPr>
           <p:nvPr>
             <p:ph type="title"/>
           </p:nvPr>
         </p:nvSpPr>
         <p:spPr>
           <a:xfrm>
-            <a:off y="274637" x="457200"/>
-            <a:ext cy="1143000" cx="8229600"/>
+            <a:off x="457200" y="274637"/>
+            <a:ext cx="8229600" cy="1143000"/>
           </a:xfrm>
           <a:prstGeom prst="rect">
             <a:avLst/>
           </a:prstGeom>
         </p:spPr>
         <p:txBody>
-          <a:bodyPr bIns="91425" rIns="91425" lIns="91425" tIns="91425" anchor="ctr" anchorCtr="0">
+          <a:bodyPr lIns="91425" tIns="91425" rIns="91425" bIns="91425" anchor="ctr" anchorCtr="0">
             <a:noAutofit/>
           </a:bodyPr>
           <a:lstStyle/>
@@ -4934,27 +5367,29 @@
       <p:sp>
         <p:nvSpPr>
           <p:cNvPr id="64" name="Shape 64"/>
-          <p:cNvSpPr txBox="1"/>
+          <p:cNvSpPr txBox="1">
+            <a:spLocks noGrp="1"/>
+          </p:cNvSpPr>
           <p:nvPr>
-            <p:ph idx="1" type="body"/>
+            <p:ph type="body" idx="1"/>
           </p:nvPr>
         </p:nvSpPr>
         <p:spPr>
           <a:xfrm>
-            <a:off y="1600200" x="457200"/>
-            <a:ext cy="4967700" cx="8229600"/>
+            <a:off x="457200" y="1600200"/>
+            <a:ext cx="8229600" cy="4967700"/>
           </a:xfrm>
           <a:prstGeom prst="rect">
             <a:avLst/>
           </a:prstGeom>
         </p:spPr>
         <p:txBody>
-          <a:bodyPr bIns="91425" rIns="91425" lIns="91425" tIns="91425" anchor="t" anchorCtr="0">
+          <a:bodyPr lIns="91425" tIns="91425" rIns="91425" bIns="91425" anchor="t" anchorCtr="0">
             <a:noAutofit/>
           </a:bodyPr>
           <a:lstStyle/>
           <a:p>
-            <a:pPr rtl="0" lvl="0">
+            <a:pPr lvl="0" rtl="0">
               <a:buNone/>
             </a:pPr>
             <a:r>
@@ -4963,9 +5398,7 @@
             </a:r>
           </a:p>
           <a:p>
-            <a:r>
-              <a:t/>
-            </a:r>
+            <a:endParaRPr lang="en"/>
           </a:p>
           <a:p>
             <a:pPr>
@@ -4983,55 +5416,58 @@
   <p:clrMapOvr>
     <a:masterClrMapping/>
   </p:clrMapOvr>
-  <p:transition spd="slow">
+  <p:transition xmlns:p14="http://schemas.microsoft.com/office/powerpoint/2010/main" spd="slow">
     <p:cut/>
   </p:transition>
 </p:sld>
 </file>
 
 <file path=ppt/slides/slide6.xml><?xml version="1.0" encoding="utf-8"?>
-<p:sld xmlns:a="http://schemas.openxmlformats.org/drawingml/2006/main" xmlns:r="http://schemas.openxmlformats.org/officeDocument/2006/relationships" xmlns:mc="http://schemas.openxmlformats.org/markup-compatibility/2006" xmlns:mv="urn:schemas-microsoft-com:mac:vml" xmlns:p="http://schemas.openxmlformats.org/presentationml/2006/main" xmlns:c="http://schemas.openxmlformats.org/drawingml/2006/chart" xmlns:dgm="http://schemas.openxmlformats.org/drawingml/2006/diagram" xmlns:o="urn:schemas-microsoft-com:office:office" xmlns:v="urn:schemas-microsoft-com:vml" xmlns:pvml="urn:schemas-microsoft-com:office:powerpoint" xmlns:com="http://schemas.openxmlformats.org/drawingml/2006/compatibility" xmlns:p14="http://schemas.microsoft.com/office/powerpoint/2010/main">
+<p:sld xmlns:a="http://schemas.openxmlformats.org/drawingml/2006/main" xmlns:r="http://schemas.openxmlformats.org/officeDocument/2006/relationships" xmlns:p="http://schemas.openxmlformats.org/presentationml/2006/main">
   <p:cSld>
     <p:bg>
       <p:bgPr>
         <a:solidFill>
           <a:srgbClr val="4A86E8"/>
         </a:solidFill>
+        <a:effectLst/>
       </p:bgPr>
     </p:bg>
     <p:spTree>
       <p:nvGrpSpPr>
-        <p:cNvPr id="68" name="Shape 68"/>
+        <p:cNvPr id="1" name="Shape 68"/>
         <p:cNvGrpSpPr/>
         <p:nvPr/>
       </p:nvGrpSpPr>
       <p:grpSpPr>
         <a:xfrm>
-          <a:off y="0" x="0"/>
-          <a:ext cy="0" cx="0"/>
-          <a:chOff y="0" x="0"/>
-          <a:chExt cy="0" cx="0"/>
+          <a:off x="0" y="0"/>
+          <a:ext cx="0" cy="0"/>
+          <a:chOff x="0" y="0"/>
+          <a:chExt cx="0" cy="0"/>
         </a:xfrm>
       </p:grpSpPr>
       <p:sp>
         <p:nvSpPr>
           <p:cNvPr id="69" name="Shape 69"/>
-          <p:cNvSpPr txBox="1"/>
+          <p:cNvSpPr txBox="1">
+            <a:spLocks noGrp="1"/>
+          </p:cNvSpPr>
           <p:nvPr>
             <p:ph type="title"/>
           </p:nvPr>
         </p:nvSpPr>
         <p:spPr>
           <a:xfrm>
-            <a:off y="274637" x="457200"/>
-            <a:ext cy="1143000" cx="8229600"/>
+            <a:off x="457200" y="274637"/>
+            <a:ext cx="8229600" cy="1143000"/>
           </a:xfrm>
           <a:prstGeom prst="rect">
             <a:avLst/>
           </a:prstGeom>
         </p:spPr>
         <p:txBody>
-          <a:bodyPr bIns="91425" rIns="91425" lIns="91425" tIns="91425" anchor="ctr" anchorCtr="0">
+          <a:bodyPr lIns="91425" tIns="91425" rIns="91425" bIns="91425" anchor="ctr" anchorCtr="0">
             <a:noAutofit/>
           </a:bodyPr>
           <a:lstStyle/>
@@ -5049,27 +5485,29 @@
       <p:sp>
         <p:nvSpPr>
           <p:cNvPr id="70" name="Shape 70"/>
-          <p:cNvSpPr txBox="1"/>
+          <p:cNvSpPr txBox="1">
+            <a:spLocks noGrp="1"/>
+          </p:cNvSpPr>
           <p:nvPr>
-            <p:ph idx="1" type="body"/>
+            <p:ph type="body" idx="1"/>
           </p:nvPr>
         </p:nvSpPr>
         <p:spPr>
           <a:xfrm>
-            <a:off y="1600200" x="457200"/>
-            <a:ext cy="4967700" cx="8229600"/>
+            <a:off x="457200" y="1600200"/>
+            <a:ext cx="8229600" cy="4967700"/>
           </a:xfrm>
           <a:prstGeom prst="rect">
             <a:avLst/>
           </a:prstGeom>
         </p:spPr>
         <p:txBody>
-          <a:bodyPr bIns="91425" rIns="91425" lIns="91425" tIns="91425" anchor="t" anchorCtr="0">
+          <a:bodyPr lIns="91425" tIns="91425" rIns="91425" bIns="91425" anchor="t" anchorCtr="0">
             <a:noAutofit/>
           </a:bodyPr>
           <a:lstStyle/>
           <a:p>
-            <a:pPr rtl="0" lvl="0">
+            <a:pPr lvl="0" rtl="0">
               <a:buNone/>
             </a:pPr>
             <a:r>
@@ -5078,9 +5516,7 @@
             </a:r>
           </a:p>
           <a:p>
-            <a:r>
-              <a:t/>
-            </a:r>
+            <a:endParaRPr lang="en"/>
           </a:p>
           <a:p>
             <a:pPr>
@@ -5098,60 +5534,63 @@
   <p:clrMapOvr>
     <a:masterClrMapping/>
   </p:clrMapOvr>
-  <p:transition spd="slow">
+  <p:transition xmlns:p14="http://schemas.microsoft.com/office/powerpoint/2010/main" spd="slow">
     <p:cut/>
   </p:transition>
 </p:sld>
 </file>
 
 <file path=ppt/slides/slide7.xml><?xml version="1.0" encoding="utf-8"?>
-<p:sld xmlns:a="http://schemas.openxmlformats.org/drawingml/2006/main" xmlns:r="http://schemas.openxmlformats.org/officeDocument/2006/relationships" xmlns:mc="http://schemas.openxmlformats.org/markup-compatibility/2006" xmlns:mv="urn:schemas-microsoft-com:mac:vml" xmlns:p="http://schemas.openxmlformats.org/presentationml/2006/main" xmlns:c="http://schemas.openxmlformats.org/drawingml/2006/chart" xmlns:dgm="http://schemas.openxmlformats.org/drawingml/2006/diagram" xmlns:o="urn:schemas-microsoft-com:office:office" xmlns:v="urn:schemas-microsoft-com:vml" xmlns:pvml="urn:schemas-microsoft-com:office:powerpoint" xmlns:com="http://schemas.openxmlformats.org/drawingml/2006/compatibility" xmlns:p14="http://schemas.microsoft.com/office/powerpoint/2010/main">
+<p:sld xmlns:a="http://schemas.openxmlformats.org/drawingml/2006/main" xmlns:r="http://schemas.openxmlformats.org/officeDocument/2006/relationships" xmlns:p="http://schemas.openxmlformats.org/presentationml/2006/main">
   <p:cSld>
     <p:bg>
       <p:bgPr>
         <a:solidFill>
           <a:srgbClr val="4A86E8"/>
         </a:solidFill>
+        <a:effectLst/>
       </p:bgPr>
     </p:bg>
     <p:spTree>
       <p:nvGrpSpPr>
-        <p:cNvPr id="74" name="Shape 74"/>
+        <p:cNvPr id="1" name="Shape 74"/>
         <p:cNvGrpSpPr/>
         <p:nvPr/>
       </p:nvGrpSpPr>
       <p:grpSpPr>
         <a:xfrm>
-          <a:off y="0" x="0"/>
-          <a:ext cy="0" cx="0"/>
-          <a:chOff y="0" x="0"/>
-          <a:chExt cy="0" cx="0"/>
+          <a:off x="0" y="0"/>
+          <a:ext cx="0" cy="0"/>
+          <a:chOff x="0" y="0"/>
+          <a:chExt cx="0" cy="0"/>
         </a:xfrm>
       </p:grpSpPr>
       <p:sp>
         <p:nvSpPr>
           <p:cNvPr id="75" name="Shape 75"/>
-          <p:cNvSpPr txBox="1"/>
+          <p:cNvSpPr txBox="1">
+            <a:spLocks noGrp="1"/>
+          </p:cNvSpPr>
           <p:nvPr>
             <p:ph type="title"/>
           </p:nvPr>
         </p:nvSpPr>
         <p:spPr>
           <a:xfrm>
-            <a:off y="274637" x="457200"/>
-            <a:ext cy="1143000" cx="8229600"/>
+            <a:off x="457200" y="274637"/>
+            <a:ext cx="8229600" cy="1143000"/>
           </a:xfrm>
           <a:prstGeom prst="rect">
             <a:avLst/>
           </a:prstGeom>
         </p:spPr>
         <p:txBody>
-          <a:bodyPr bIns="91425" rIns="91425" lIns="91425" tIns="91425" anchor="ctr" anchorCtr="0">
+          <a:bodyPr lIns="91425" tIns="91425" rIns="91425" bIns="91425" anchor="ctr" anchorCtr="0">
             <a:noAutofit/>
           </a:bodyPr>
           <a:lstStyle/>
           <a:p>
-            <a:pPr rtl="0" lvl="0">
+            <a:pPr lvl="0" rtl="0">
               <a:buNone/>
             </a:pPr>
             <a:r>
@@ -5164,27 +5603,29 @@
       <p:sp>
         <p:nvSpPr>
           <p:cNvPr id="76" name="Shape 76"/>
-          <p:cNvSpPr txBox="1"/>
+          <p:cNvSpPr txBox="1">
+            <a:spLocks noGrp="1"/>
+          </p:cNvSpPr>
           <p:nvPr>
-            <p:ph idx="1" type="body"/>
+            <p:ph type="body" idx="1"/>
           </p:nvPr>
         </p:nvSpPr>
         <p:spPr>
           <a:xfrm>
-            <a:off y="1600200" x="457200"/>
-            <a:ext cy="4967700" cx="8229600"/>
+            <a:off x="457200" y="1600200"/>
+            <a:ext cx="8229600" cy="4967700"/>
           </a:xfrm>
           <a:prstGeom prst="rect">
             <a:avLst/>
           </a:prstGeom>
         </p:spPr>
         <p:txBody>
-          <a:bodyPr bIns="91425" rIns="91425" lIns="91425" tIns="91425" anchor="t" anchorCtr="0">
+          <a:bodyPr lIns="91425" tIns="91425" rIns="91425" bIns="91425" anchor="t" anchorCtr="0">
             <a:noAutofit/>
           </a:bodyPr>
           <a:lstStyle/>
           <a:p>
-            <a:pPr rtl="0" lvl="0">
+            <a:pPr lvl="0" rtl="0">
               <a:buNone/>
             </a:pPr>
             <a:r>
@@ -5199,55 +5640,58 @@
   <p:clrMapOvr>
     <a:masterClrMapping/>
   </p:clrMapOvr>
-  <p:transition spd="slow">
+  <p:transition xmlns:p14="http://schemas.microsoft.com/office/powerpoint/2010/main" spd="slow">
     <p:cut/>
   </p:transition>
 </p:sld>
 </file>
 
 <file path=ppt/slides/slide8.xml><?xml version="1.0" encoding="utf-8"?>
-<p:sld xmlns:a="http://schemas.openxmlformats.org/drawingml/2006/main" xmlns:r="http://schemas.openxmlformats.org/officeDocument/2006/relationships" xmlns:mc="http://schemas.openxmlformats.org/markup-compatibility/2006" xmlns:mv="urn:schemas-microsoft-com:mac:vml" xmlns:p="http://schemas.openxmlformats.org/presentationml/2006/main" xmlns:c="http://schemas.openxmlformats.org/drawingml/2006/chart" xmlns:dgm="http://schemas.openxmlformats.org/drawingml/2006/diagram" xmlns:o="urn:schemas-microsoft-com:office:office" xmlns:v="urn:schemas-microsoft-com:vml" xmlns:pvml="urn:schemas-microsoft-com:office:powerpoint" xmlns:com="http://schemas.openxmlformats.org/drawingml/2006/compatibility" xmlns:p14="http://schemas.microsoft.com/office/powerpoint/2010/main">
+<p:sld xmlns:a="http://schemas.openxmlformats.org/drawingml/2006/main" xmlns:r="http://schemas.openxmlformats.org/officeDocument/2006/relationships" xmlns:p="http://schemas.openxmlformats.org/presentationml/2006/main">
   <p:cSld>
     <p:bg>
       <p:bgPr>
         <a:solidFill>
           <a:srgbClr val="4A86E8"/>
         </a:solidFill>
+        <a:effectLst/>
       </p:bgPr>
     </p:bg>
     <p:spTree>
       <p:nvGrpSpPr>
-        <p:cNvPr id="80" name="Shape 80"/>
+        <p:cNvPr id="1" name="Shape 80"/>
         <p:cNvGrpSpPr/>
         <p:nvPr/>
       </p:nvGrpSpPr>
       <p:grpSpPr>
         <a:xfrm>
-          <a:off y="0" x="0"/>
-          <a:ext cy="0" cx="0"/>
-          <a:chOff y="0" x="0"/>
-          <a:chExt cy="0" cx="0"/>
+          <a:off x="0" y="0"/>
+          <a:ext cx="0" cy="0"/>
+          <a:chOff x="0" y="0"/>
+          <a:chExt cx="0" cy="0"/>
         </a:xfrm>
       </p:grpSpPr>
       <p:sp>
         <p:nvSpPr>
           <p:cNvPr id="81" name="Shape 81"/>
-          <p:cNvSpPr txBox="1"/>
+          <p:cNvSpPr txBox="1">
+            <a:spLocks noGrp="1"/>
+          </p:cNvSpPr>
           <p:nvPr>
             <p:ph type="title"/>
           </p:nvPr>
         </p:nvSpPr>
         <p:spPr>
           <a:xfrm>
-            <a:off y="274637" x="457200"/>
-            <a:ext cy="1143000" cx="8229600"/>
+            <a:off x="457200" y="274637"/>
+            <a:ext cx="8229600" cy="1143000"/>
           </a:xfrm>
           <a:prstGeom prst="rect">
             <a:avLst/>
           </a:prstGeom>
         </p:spPr>
         <p:txBody>
-          <a:bodyPr bIns="91425" rIns="91425" lIns="91425" tIns="91425" anchor="ctr" anchorCtr="0">
+          <a:bodyPr lIns="91425" tIns="91425" rIns="91425" bIns="91425" anchor="ctr" anchorCtr="0">
             <a:noAutofit/>
           </a:bodyPr>
           <a:lstStyle/>
@@ -5265,27 +5709,29 @@
       <p:sp>
         <p:nvSpPr>
           <p:cNvPr id="82" name="Shape 82"/>
-          <p:cNvSpPr txBox="1"/>
+          <p:cNvSpPr txBox="1">
+            <a:spLocks noGrp="1"/>
+          </p:cNvSpPr>
           <p:nvPr>
-            <p:ph idx="1" type="body"/>
+            <p:ph type="body" idx="1"/>
           </p:nvPr>
         </p:nvSpPr>
         <p:spPr>
           <a:xfrm>
-            <a:off y="1600200" x="457200"/>
-            <a:ext cy="4967700" cx="8229600"/>
+            <a:off x="457200" y="1600200"/>
+            <a:ext cx="8229600" cy="4967700"/>
           </a:xfrm>
           <a:prstGeom prst="rect">
             <a:avLst/>
           </a:prstGeom>
         </p:spPr>
         <p:txBody>
-          <a:bodyPr bIns="91425" rIns="91425" lIns="91425" tIns="91425" anchor="t" anchorCtr="0">
+          <a:bodyPr lIns="91425" tIns="91425" rIns="91425" bIns="91425" anchor="t" anchorCtr="0">
             <a:noAutofit/>
           </a:bodyPr>
           <a:lstStyle/>
           <a:p>
-            <a:pPr rtl="0" lvl="0">
+            <a:pPr lvl="0" rtl="0">
               <a:buNone/>
             </a:pPr>
             <a:r>
@@ -5294,9 +5740,7 @@
             </a:r>
           </a:p>
           <a:p>
-            <a:r>
-              <a:t/>
-            </a:r>
+            <a:endParaRPr lang="en"/>
           </a:p>
           <a:p>
             <a:pPr>
@@ -5314,55 +5758,58 @@
   <p:clrMapOvr>
     <a:masterClrMapping/>
   </p:clrMapOvr>
-  <p:transition spd="slow">
+  <p:transition xmlns:p14="http://schemas.microsoft.com/office/powerpoint/2010/main" spd="slow">
     <p:cut/>
   </p:transition>
 </p:sld>
 </file>
 
 <file path=ppt/slides/slide9.xml><?xml version="1.0" encoding="utf-8"?>
-<p:sld xmlns:a="http://schemas.openxmlformats.org/drawingml/2006/main" xmlns:r="http://schemas.openxmlformats.org/officeDocument/2006/relationships" xmlns:mc="http://schemas.openxmlformats.org/markup-compatibility/2006" xmlns:mv="urn:schemas-microsoft-com:mac:vml" xmlns:p="http://schemas.openxmlformats.org/presentationml/2006/main" xmlns:c="http://schemas.openxmlformats.org/drawingml/2006/chart" xmlns:dgm="http://schemas.openxmlformats.org/drawingml/2006/diagram" xmlns:o="urn:schemas-microsoft-com:office:office" xmlns:v="urn:schemas-microsoft-com:vml" xmlns:pvml="urn:schemas-microsoft-com:office:powerpoint" xmlns:com="http://schemas.openxmlformats.org/drawingml/2006/compatibility" xmlns:p14="http://schemas.microsoft.com/office/powerpoint/2010/main">
+<p:sld xmlns:a="http://schemas.openxmlformats.org/drawingml/2006/main" xmlns:r="http://schemas.openxmlformats.org/officeDocument/2006/relationships" xmlns:p="http://schemas.openxmlformats.org/presentationml/2006/main">
   <p:cSld>
     <p:bg>
       <p:bgPr>
         <a:solidFill>
           <a:srgbClr val="4A86E8"/>
         </a:solidFill>
+        <a:effectLst/>
       </p:bgPr>
     </p:bg>
     <p:spTree>
       <p:nvGrpSpPr>
-        <p:cNvPr id="86" name="Shape 86"/>
+        <p:cNvPr id="1" name="Shape 86"/>
         <p:cNvGrpSpPr/>
         <p:nvPr/>
       </p:nvGrpSpPr>
       <p:grpSpPr>
         <a:xfrm>
-          <a:off y="0" x="0"/>
-          <a:ext cy="0" cx="0"/>
-          <a:chOff y="0" x="0"/>
-          <a:chExt cy="0" cx="0"/>
+          <a:off x="0" y="0"/>
+          <a:ext cx="0" cy="0"/>
+          <a:chOff x="0" y="0"/>
+          <a:chExt cx="0" cy="0"/>
         </a:xfrm>
       </p:grpSpPr>
       <p:sp>
         <p:nvSpPr>
           <p:cNvPr id="87" name="Shape 87"/>
-          <p:cNvSpPr txBox="1"/>
+          <p:cNvSpPr txBox="1">
+            <a:spLocks noGrp="1"/>
+          </p:cNvSpPr>
           <p:nvPr>
             <p:ph type="title"/>
           </p:nvPr>
         </p:nvSpPr>
         <p:spPr>
           <a:xfrm>
-            <a:off y="274637" x="457200"/>
-            <a:ext cy="1143000" cx="8229600"/>
+            <a:off x="457200" y="274637"/>
+            <a:ext cx="8229600" cy="1143000"/>
           </a:xfrm>
           <a:prstGeom prst="rect">
             <a:avLst/>
           </a:prstGeom>
         </p:spPr>
         <p:txBody>
-          <a:bodyPr bIns="91425" rIns="91425" lIns="91425" tIns="91425" anchor="ctr" anchorCtr="0">
+          <a:bodyPr lIns="91425" tIns="91425" rIns="91425" bIns="91425" anchor="ctr" anchorCtr="0">
             <a:noAutofit/>
           </a:bodyPr>
           <a:lstStyle/>
@@ -5380,22 +5827,24 @@
       <p:sp>
         <p:nvSpPr>
           <p:cNvPr id="88" name="Shape 88"/>
-          <p:cNvSpPr txBox="1"/>
+          <p:cNvSpPr txBox="1">
+            <a:spLocks noGrp="1"/>
+          </p:cNvSpPr>
           <p:nvPr>
-            <p:ph idx="1" type="body"/>
+            <p:ph type="body" idx="1"/>
           </p:nvPr>
         </p:nvSpPr>
         <p:spPr>
           <a:xfrm>
-            <a:off y="1600200" x="457200"/>
-            <a:ext cy="4967700" cx="8229600"/>
+            <a:off x="457200" y="1600200"/>
+            <a:ext cx="8229600" cy="4967700"/>
           </a:xfrm>
           <a:prstGeom prst="rect">
             <a:avLst/>
           </a:prstGeom>
         </p:spPr>
         <p:txBody>
-          <a:bodyPr bIns="91425" rIns="91425" lIns="91425" tIns="91425" anchor="t" anchorCtr="0">
+          <a:bodyPr lIns="91425" tIns="91425" rIns="91425" bIns="91425" anchor="t" anchorCtr="0">
             <a:noAutofit/>
           </a:bodyPr>
           <a:lstStyle/>
@@ -5415,14 +5864,14 @@
   <p:clrMapOvr>
     <a:masterClrMapping/>
   </p:clrMapOvr>
-  <p:transition spd="slow">
+  <p:transition xmlns:p14="http://schemas.microsoft.com/office/powerpoint/2010/main" spd="slow">
     <p:cut/>
   </p:transition>
 </p:sld>
 </file>
 
 <file path=ppt/theme/theme1.xml><?xml version="1.0" encoding="utf-8"?>
-<a:theme xmlns:a="http://schemas.openxmlformats.org/drawingml/2006/main" xmlns:r="http://schemas.openxmlformats.org/officeDocument/2006/relationships" name="Custom Theme">
+<a:theme xmlns:a="http://schemas.openxmlformats.org/drawingml/2006/main" name="Custom Theme">
   <a:themeElements>
     <a:clrScheme name="Custom 354">
       <a:dk1>
@@ -5467,69 +5916,69 @@
         <a:latin typeface="Arial"/>
         <a:ea typeface=""/>
         <a:cs typeface=""/>
-        <a:font typeface="ＭＳ Ｐゴシック" script="Jpan"/>
-        <a:font typeface="맑은 고딕" script="Hang"/>
-        <a:font typeface="宋体" script="Hans"/>
-        <a:font typeface="新細明體" script="Hant"/>
-        <a:font typeface="Times New Roman" script="Arab"/>
-        <a:font typeface="Times New Roman" script="Hebr"/>
-        <a:font typeface="Angsana New" script="Thai"/>
-        <a:font typeface="Nyala" script="Ethi"/>
-        <a:font typeface="Vrinda" script="Beng"/>
-        <a:font typeface="Shruti" script="Gujr"/>
-        <a:font typeface="MoolBoran" script="Khmr"/>
-        <a:font typeface="Tunga" script="Knda"/>
-        <a:font typeface="Raavi" script="Guru"/>
-        <a:font typeface="Euphemia" script="Cans"/>
-        <a:font typeface="Plantagenet Cherokee" script="Cher"/>
-        <a:font typeface="Microsoft Yi Baiti" script="Yiii"/>
-        <a:font typeface="Microsoft Himalaya" script="Tibt"/>
-        <a:font typeface="MV Boli" script="Thaa"/>
-        <a:font typeface="Mangal" script="Deva"/>
-        <a:font typeface="Gautami" script="Telu"/>
-        <a:font typeface="Latha" script="Taml"/>
-        <a:font typeface="Estrangelo Edessa" script="Syrc"/>
-        <a:font typeface="Kalinga" script="Orya"/>
-        <a:font typeface="Kartika" script="Mlym"/>
-        <a:font typeface="DokChampa" script="Laoo"/>
-        <a:font typeface="Iskoola Pota" script="Sinh"/>
-        <a:font typeface="Mongolian Baiti" script="Mong"/>
-        <a:font typeface="Times New Roman" script="Viet"/>
-        <a:font typeface="Microsoft Uighur" script="Uigh"/>
+        <a:font script="Jpan" typeface="ＭＳ Ｐゴシック"/>
+        <a:font script="Hang" typeface="맑은 고딕"/>
+        <a:font script="Hans" typeface="宋体"/>
+        <a:font script="Hant" typeface="新細明體"/>
+        <a:font script="Arab" typeface="Times New Roman"/>
+        <a:font script="Hebr" typeface="Times New Roman"/>
+        <a:font script="Thai" typeface="Angsana New"/>
+        <a:font script="Ethi" typeface="Nyala"/>
+        <a:font script="Beng" typeface="Vrinda"/>
+        <a:font script="Gujr" typeface="Shruti"/>
+        <a:font script="Khmr" typeface="MoolBoran"/>
+        <a:font script="Knda" typeface="Tunga"/>
+        <a:font script="Guru" typeface="Raavi"/>
+        <a:font script="Cans" typeface="Euphemia"/>
+        <a:font script="Cher" typeface="Plantagenet Cherokee"/>
+        <a:font script="Yiii" typeface="Microsoft Yi Baiti"/>
+        <a:font script="Tibt" typeface="Microsoft Himalaya"/>
+        <a:font script="Thaa" typeface="MV Boli"/>
+        <a:font script="Deva" typeface="Mangal"/>
+        <a:font script="Telu" typeface="Gautami"/>
+        <a:font script="Taml" typeface="Latha"/>
+        <a:font script="Syrc" typeface="Estrangelo Edessa"/>
+        <a:font script="Orya" typeface="Kalinga"/>
+        <a:font script="Mlym" typeface="Kartika"/>
+        <a:font script="Laoo" typeface="DokChampa"/>
+        <a:font script="Sinh" typeface="Iskoola Pota"/>
+        <a:font script="Mong" typeface="Mongolian Baiti"/>
+        <a:font script="Viet" typeface="Times New Roman"/>
+        <a:font script="Uigh" typeface="Microsoft Uighur"/>
       </a:majorFont>
       <a:minorFont>
         <a:latin typeface="Arial"/>
         <a:ea typeface=""/>
         <a:cs typeface=""/>
-        <a:font typeface="ＭＳ Ｐゴシック" script="Jpan"/>
-        <a:font typeface="맑은 고딕" script="Hang"/>
-        <a:font typeface="宋体" script="Hans"/>
-        <a:font typeface="新細明體" script="Hant"/>
-        <a:font typeface="Arial" script="Arab"/>
-        <a:font typeface="Arial" script="Hebr"/>
-        <a:font typeface="Cordia New" script="Thai"/>
-        <a:font typeface="Nyala" script="Ethi"/>
-        <a:font typeface="Vrinda" script="Beng"/>
-        <a:font typeface="Shruti" script="Gujr"/>
-        <a:font typeface="DaunPenh" script="Khmr"/>
-        <a:font typeface="Tunga" script="Knda"/>
-        <a:font typeface="Raavi" script="Guru"/>
-        <a:font typeface="Euphemia" script="Cans"/>
-        <a:font typeface="Plantagenet Cherokee" script="Cher"/>
-        <a:font typeface="Microsoft Yi Baiti" script="Yiii"/>
-        <a:font typeface="Microsoft Himalaya" script="Tibt"/>
-        <a:font typeface="MV Boli" script="Thaa"/>
-        <a:font typeface="Mangal" script="Deva"/>
-        <a:font typeface="Gautami" script="Telu"/>
-        <a:font typeface="Latha" script="Taml"/>
-        <a:font typeface="Estrangelo Edessa" script="Syrc"/>
-        <a:font typeface="Kalinga" script="Orya"/>
-        <a:font typeface="Kartika" script="Mlym"/>
-        <a:font typeface="DokChampa" script="Laoo"/>
-        <a:font typeface="Iskoola Pota" script="Sinh"/>
-        <a:font typeface="Mongolian Baiti" script="Mong"/>
-        <a:font typeface="Arial" script="Viet"/>
-        <a:font typeface="Microsoft Uighur" script="Uigh"/>
+        <a:font script="Jpan" typeface="ＭＳ Ｐゴシック"/>
+        <a:font script="Hang" typeface="맑은 고딕"/>
+        <a:font script="Hans" typeface="宋体"/>
+        <a:font script="Hant" typeface="新細明體"/>
+        <a:font script="Arab" typeface="Arial"/>
+        <a:font script="Hebr" typeface="Arial"/>
+        <a:font script="Thai" typeface="Cordia New"/>
+        <a:font script="Ethi" typeface="Nyala"/>
+        <a:font script="Beng" typeface="Vrinda"/>
+        <a:font script="Gujr" typeface="Shruti"/>
+        <a:font script="Khmr" typeface="DaunPenh"/>
+        <a:font script="Knda" typeface="Tunga"/>
+        <a:font script="Guru" typeface="Raavi"/>
+        <a:font script="Cans" typeface="Euphemia"/>
+        <a:font script="Cher" typeface="Plantagenet Cherokee"/>
+        <a:font script="Yiii" typeface="Microsoft Yi Baiti"/>
+        <a:font script="Tibt" typeface="Microsoft Himalaya"/>
+        <a:font script="Thaa" typeface="MV Boli"/>
+        <a:font script="Deva" typeface="Mangal"/>
+        <a:font script="Telu" typeface="Gautami"/>
+        <a:font script="Taml" typeface="Latha"/>
+        <a:font script="Syrc" typeface="Estrangelo Edessa"/>
+        <a:font script="Orya" typeface="Kalinga"/>
+        <a:font script="Mlym" typeface="Kartika"/>
+        <a:font script="Laoo" typeface="DokChampa"/>
+        <a:font script="Sinh" typeface="Iskoola Pota"/>
+        <a:font script="Mong" typeface="Mongolian Baiti"/>
+        <a:font script="Viet" typeface="Arial"/>
+        <a:font script="Uigh" typeface="Microsoft Uighur"/>
       </a:minorFont>
     </a:fontScheme>
     <a:fmtScheme name="Office">
@@ -5581,7 +6030,7 @@
         </a:gradFill>
       </a:fillStyleLst>
       <a:lnStyleLst>
-        <a:ln w="9525" algn="ctr" cap="flat" cmpd="sng">
+        <a:ln w="9525" cap="flat" cmpd="sng" algn="ctr">
           <a:solidFill>
             <a:schemeClr val="phClr">
               <a:shade val="95000"/>
@@ -5590,13 +6039,13 @@
           </a:solidFill>
           <a:prstDash val="solid"/>
         </a:ln>
-        <a:ln w="25400" algn="ctr" cap="flat" cmpd="sng">
+        <a:ln w="25400" cap="flat" cmpd="sng" algn="ctr">
           <a:solidFill>
             <a:schemeClr val="phClr"/>
           </a:solidFill>
           <a:prstDash val="solid"/>
         </a:ln>
-        <a:ln w="38100" algn="ctr" cap="flat" cmpd="sng">
+        <a:ln w="38100" cap="flat" cmpd="sng" algn="ctr">
           <a:solidFill>
             <a:schemeClr val="phClr"/>
           </a:solidFill>
@@ -5606,7 +6055,7 @@
       <a:effectStyleLst>
         <a:effectStyle>
           <a:effectLst>
-            <a:outerShdw rotWithShape="0" dir="5400000" blurRad="40000" dist="20000">
+            <a:outerShdw blurRad="40000" dist="20000" dir="5400000" rotWithShape="0">
               <a:srgbClr val="000000">
                 <a:alpha val="38000"/>
               </a:srgbClr>
@@ -5615,7 +6064,7 @@
         </a:effectStyle>
         <a:effectStyle>
           <a:effectLst>
-            <a:outerShdw rotWithShape="0" dir="5400000" blurRad="40000" dist="23000">
+            <a:outerShdw blurRad="40000" dist="23000" dir="5400000" rotWithShape="0">
               <a:srgbClr val="000000">
                 <a:alpha val="35000"/>
               </a:srgbClr>
@@ -5624,7 +6073,7 @@
         </a:effectStyle>
         <a:effectStyle>
           <a:effectLst>
-            <a:outerShdw rotWithShape="0" dir="5400000" blurRad="40000" dist="23000">
+            <a:outerShdw blurRad="40000" dist="23000" dir="5400000" rotWithShape="0">
               <a:srgbClr val="000000">
                 <a:alpha val="35000"/>
               </a:srgbClr>
@@ -5632,10 +6081,10 @@
           </a:effectLst>
           <a:scene3d>
             <a:camera prst="orthographicFront">
-              <a:rot rev="0" lon="0" lat="0"/>
+              <a:rot lat="0" lon="0" rev="0"/>
             </a:camera>
-            <a:lightRig dir="t" rig="threePt">
-              <a:rot rev="1200000" lon="0" lat="0"/>
+            <a:lightRig rig="threePt" dir="t">
+              <a:rot lat="0" lon="0" rev="1200000"/>
             </a:lightRig>
           </a:scene3d>
           <a:sp3d>
@@ -5670,7 +6119,7 @@
             </a:gs>
           </a:gsLst>
           <a:path path="circle">
-            <a:fillToRect t="-80000" b="180000" r="50000" l="50000"/>
+            <a:fillToRect l="50000" t="-80000" r="50000" b="180000"/>
           </a:path>
         </a:gradFill>
         <a:gradFill rotWithShape="1">
@@ -5689,17 +6138,19 @@
             </a:gs>
           </a:gsLst>
           <a:path path="circle">
-            <a:fillToRect t="50000" b="50000" r="50000" l="50000"/>
+            <a:fillToRect l="50000" t="50000" r="50000" b="50000"/>
           </a:path>
         </a:gradFill>
       </a:bgFillStyleLst>
     </a:fmtScheme>
   </a:themeElements>
+  <a:objectDefaults/>
+  <a:extraClrSchemeLst/>
 </a:theme>
 </file>
 
 <file path=ppt/theme/theme2.xml><?xml version="1.0" encoding="utf-8"?>
-<a:theme xmlns:a="http://schemas.openxmlformats.org/drawingml/2006/main" xmlns:r="http://schemas.openxmlformats.org/officeDocument/2006/relationships" name="Custom Theme">
+<a:theme xmlns:a="http://schemas.openxmlformats.org/drawingml/2006/main" name="Custom Theme">
   <a:themeElements>
     <a:clrScheme name="Default">
       <a:dk1>
@@ -5744,69 +6195,69 @@
         <a:latin typeface="Arial"/>
         <a:ea typeface=""/>
         <a:cs typeface=""/>
-        <a:font typeface="ＭＳ Ｐゴシック" script="Jpan"/>
-        <a:font typeface="맑은 고딕" script="Hang"/>
-        <a:font typeface="宋体" script="Hans"/>
-        <a:font typeface="新細明體" script="Hant"/>
-        <a:font typeface="Times New Roman" script="Arab"/>
-        <a:font typeface="Times New Roman" script="Hebr"/>
-        <a:font typeface="Angsana New" script="Thai"/>
-        <a:font typeface="Nyala" script="Ethi"/>
-        <a:font typeface="Vrinda" script="Beng"/>
-        <a:font typeface="Shruti" script="Gujr"/>
-        <a:font typeface="MoolBoran" script="Khmr"/>
-        <a:font typeface="Tunga" script="Knda"/>
-        <a:font typeface="Raavi" script="Guru"/>
-        <a:font typeface="Euphemia" script="Cans"/>
-        <a:font typeface="Plantagenet Cherokee" script="Cher"/>
-        <a:font typeface="Microsoft Yi Baiti" script="Yiii"/>
-        <a:font typeface="Microsoft Himalaya" script="Tibt"/>
-        <a:font typeface="MV Boli" script="Thaa"/>
-        <a:font typeface="Mangal" script="Deva"/>
-        <a:font typeface="Gautami" script="Telu"/>
-        <a:font typeface="Latha" script="Taml"/>
-        <a:font typeface="Estrangelo Edessa" script="Syrc"/>
-        <a:font typeface="Kalinga" script="Orya"/>
-        <a:font typeface="Kartika" script="Mlym"/>
-        <a:font typeface="DokChampa" script="Laoo"/>
-        <a:font typeface="Iskoola Pota" script="Sinh"/>
-        <a:font typeface="Mongolian Baiti" script="Mong"/>
-        <a:font typeface="Times New Roman" script="Viet"/>
-        <a:font typeface="Microsoft Uighur" script="Uigh"/>
+        <a:font script="Jpan" typeface="ＭＳ Ｐゴシック"/>
+        <a:font script="Hang" typeface="맑은 고딕"/>
+        <a:font script="Hans" typeface="宋体"/>
+        <a:font script="Hant" typeface="新細明體"/>
+        <a:font script="Arab" typeface="Times New Roman"/>
+        <a:font script="Hebr" typeface="Times New Roman"/>
+        <a:font script="Thai" typeface="Angsana New"/>
+        <a:font script="Ethi" typeface="Nyala"/>
+        <a:font script="Beng" typeface="Vrinda"/>
+        <a:font script="Gujr" typeface="Shruti"/>
+        <a:font script="Khmr" typeface="MoolBoran"/>
+        <a:font script="Knda" typeface="Tunga"/>
+        <a:font script="Guru" typeface="Raavi"/>
+        <a:font script="Cans" typeface="Euphemia"/>
+        <a:font script="Cher" typeface="Plantagenet Cherokee"/>
+        <a:font script="Yiii" typeface="Microsoft Yi Baiti"/>
+        <a:font script="Tibt" typeface="Microsoft Himalaya"/>
+        <a:font script="Thaa" typeface="MV Boli"/>
+        <a:font script="Deva" typeface="Mangal"/>
+        <a:font script="Telu" typeface="Gautami"/>
+        <a:font script="Taml" typeface="Latha"/>
+        <a:font script="Syrc" typeface="Estrangelo Edessa"/>
+        <a:font script="Orya" typeface="Kalinga"/>
+        <a:font script="Mlym" typeface="Kartika"/>
+        <a:font script="Laoo" typeface="DokChampa"/>
+        <a:font script="Sinh" typeface="Iskoola Pota"/>
+        <a:font script="Mong" typeface="Mongolian Baiti"/>
+        <a:font script="Viet" typeface="Times New Roman"/>
+        <a:font script="Uigh" typeface="Microsoft Uighur"/>
       </a:majorFont>
       <a:minorFont>
         <a:latin typeface="Arial"/>
         <a:ea typeface=""/>
         <a:cs typeface=""/>
-        <a:font typeface="ＭＳ Ｐゴシック" script="Jpan"/>
-        <a:font typeface="맑은 고딕" script="Hang"/>
-        <a:font typeface="宋体" script="Hans"/>
-        <a:font typeface="新細明體" script="Hant"/>
-        <a:font typeface="Arial" script="Arab"/>
-        <a:font typeface="Arial" script="Hebr"/>
-        <a:font typeface="Cordia New" script="Thai"/>
-        <a:font typeface="Nyala" script="Ethi"/>
-        <a:font typeface="Vrinda" script="Beng"/>
-        <a:font typeface="Shruti" script="Gujr"/>
-        <a:font typeface="DaunPenh" script="Khmr"/>
-        <a:font typeface="Tunga" script="Knda"/>
-        <a:font typeface="Raavi" script="Guru"/>
-        <a:font typeface="Euphemia" script="Cans"/>
-        <a:font typeface="Plantagenet Cherokee" script="Cher"/>
-        <a:font typeface="Microsoft Yi Baiti" script="Yiii"/>
-        <a:font typeface="Microsoft Himalaya" script="Tibt"/>
-        <a:font typeface="MV Boli" script="Thaa"/>
-        <a:font typeface="Mangal" script="Deva"/>
-        <a:font typeface="Gautami" script="Telu"/>
-        <a:font typeface="Latha" script="Taml"/>
-        <a:font typeface="Estrangelo Edessa" script="Syrc"/>
-        <a:font typeface="Kalinga" script="Orya"/>
-        <a:font typeface="Kartika" script="Mlym"/>
-        <a:font typeface="DokChampa" script="Laoo"/>
-        <a:font typeface="Iskoola Pota" script="Sinh"/>
-        <a:font typeface="Mongolian Baiti" script="Mong"/>
-        <a:font typeface="Arial" script="Viet"/>
-        <a:font typeface="Microsoft Uighur" script="Uigh"/>
+        <a:font script="Jpan" typeface="ＭＳ Ｐゴシック"/>
+        <a:font script="Hang" typeface="맑은 고딕"/>
+        <a:font script="Hans" typeface="宋体"/>
+        <a:font script="Hant" typeface="新細明體"/>
+        <a:font script="Arab" typeface="Arial"/>
+        <a:font script="Hebr" typeface="Arial"/>
+        <a:font script="Thai" typeface="Cordia New"/>
+        <a:font script="Ethi" typeface="Nyala"/>
+        <a:font script="Beng" typeface="Vrinda"/>
+        <a:font script="Gujr" typeface="Shruti"/>
+        <a:font script="Khmr" typeface="DaunPenh"/>
+        <a:font script="Knda" typeface="Tunga"/>
+        <a:font script="Guru" typeface="Raavi"/>
+        <a:font script="Cans" typeface="Euphemia"/>
+        <a:font script="Cher" typeface="Plantagenet Cherokee"/>
+        <a:font script="Yiii" typeface="Microsoft Yi Baiti"/>
+        <a:font script="Tibt" typeface="Microsoft Himalaya"/>
+        <a:font script="Thaa" typeface="MV Boli"/>
+        <a:font script="Deva" typeface="Mangal"/>
+        <a:font script="Telu" typeface="Gautami"/>
+        <a:font script="Taml" typeface="Latha"/>
+        <a:font script="Syrc" typeface="Estrangelo Edessa"/>
+        <a:font script="Orya" typeface="Kalinga"/>
+        <a:font script="Mlym" typeface="Kartika"/>
+        <a:font script="Laoo" typeface="DokChampa"/>
+        <a:font script="Sinh" typeface="Iskoola Pota"/>
+        <a:font script="Mong" typeface="Mongolian Baiti"/>
+        <a:font script="Viet" typeface="Arial"/>
+        <a:font script="Uigh" typeface="Microsoft Uighur"/>
       </a:minorFont>
     </a:fontScheme>
     <a:fmtScheme name="Office">
@@ -5858,7 +6309,7 @@
         </a:gradFill>
       </a:fillStyleLst>
       <a:lnStyleLst>
-        <a:ln w="9525" algn="ctr" cap="flat" cmpd="sng">
+        <a:ln w="9525" cap="flat" cmpd="sng" algn="ctr">
           <a:solidFill>
             <a:schemeClr val="phClr">
               <a:shade val="95000"/>
@@ -5867,13 +6318,13 @@
           </a:solidFill>
           <a:prstDash val="solid"/>
         </a:ln>
-        <a:ln w="25400" algn="ctr" cap="flat" cmpd="sng">
+        <a:ln w="25400" cap="flat" cmpd="sng" algn="ctr">
           <a:solidFill>
             <a:schemeClr val="phClr"/>
           </a:solidFill>
           <a:prstDash val="solid"/>
         </a:ln>
-        <a:ln w="38100" algn="ctr" cap="flat" cmpd="sng">
+        <a:ln w="38100" cap="flat" cmpd="sng" algn="ctr">
           <a:solidFill>
             <a:schemeClr val="phClr"/>
           </a:solidFill>
@@ -5883,7 +6334,7 @@
       <a:effectStyleLst>
         <a:effectStyle>
           <a:effectLst>
-            <a:outerShdw rotWithShape="0" dir="5400000" blurRad="40000" dist="20000">
+            <a:outerShdw blurRad="40000" dist="20000" dir="5400000" rotWithShape="0">
               <a:srgbClr val="000000">
                 <a:alpha val="38000"/>
               </a:srgbClr>
@@ -5892,7 +6343,7 @@
         </a:effectStyle>
         <a:effectStyle>
           <a:effectLst>
-            <a:outerShdw rotWithShape="0" dir="5400000" blurRad="40000" dist="23000">
+            <a:outerShdw blurRad="40000" dist="23000" dir="5400000" rotWithShape="0">
               <a:srgbClr val="000000">
                 <a:alpha val="35000"/>
               </a:srgbClr>
@@ -5901,7 +6352,7 @@
         </a:effectStyle>
         <a:effectStyle>
           <a:effectLst>
-            <a:outerShdw rotWithShape="0" dir="5400000" blurRad="40000" dist="23000">
+            <a:outerShdw blurRad="40000" dist="23000" dir="5400000" rotWithShape="0">
               <a:srgbClr val="000000">
                 <a:alpha val="35000"/>
               </a:srgbClr>
@@ -5909,10 +6360,10 @@
           </a:effectLst>
           <a:scene3d>
             <a:camera prst="orthographicFront">
-              <a:rot rev="0" lon="0" lat="0"/>
+              <a:rot lat="0" lon="0" rev="0"/>
             </a:camera>
-            <a:lightRig dir="t" rig="threePt">
-              <a:rot rev="1200000" lon="0" lat="0"/>
+            <a:lightRig rig="threePt" dir="t">
+              <a:rot lat="0" lon="0" rev="1200000"/>
             </a:lightRig>
           </a:scene3d>
           <a:sp3d>
@@ -5947,7 +6398,7 @@
             </a:gs>
           </a:gsLst>
           <a:path path="circle">
-            <a:fillToRect t="-80000" b="180000" r="50000" l="50000"/>
+            <a:fillToRect l="50000" t="-80000" r="50000" b="180000"/>
           </a:path>
         </a:gradFill>
         <a:gradFill rotWithShape="1">
@@ -5966,329 +6417,13 @@
             </a:gs>
           </a:gsLst>
           <a:path path="circle">
-            <a:fillToRect t="50000" b="50000" r="50000" l="50000"/>
+            <a:fillToRect l="50000" t="50000" r="50000" b="50000"/>
           </a:path>
         </a:gradFill>
       </a:bgFillStyleLst>
     </a:fmtScheme>
   </a:themeElements>
-</a:theme>
-</file>
-
-<file path=ppt/theme/theme3.xml><?xml version="1.0" encoding="utf-8"?>
-<a:theme xmlns:a="http://schemas.openxmlformats.org/drawingml/2006/main" xmlns:r="http://schemas.openxmlformats.org/officeDocument/2006/relationships" name="Office Theme">
-  <a:themeElements>
-    <a:clrScheme name="Office">
-      <a:dk1>
-        <a:sysClr val="windowText" lastClr="000000"/>
-      </a:dk1>
-      <a:lt1>
-        <a:sysClr val="window" lastClr="FFFFFF"/>
-      </a:lt1>
-      <a:dk2>
-        <a:srgbClr val="1F497D"/>
-      </a:dk2>
-      <a:lt2>
-        <a:srgbClr val="EEECE1"/>
-      </a:lt2>
-      <a:accent1>
-        <a:srgbClr val="4F81BD"/>
-      </a:accent1>
-      <a:accent2>
-        <a:srgbClr val="C0504D"/>
-      </a:accent2>
-      <a:accent3>
-        <a:srgbClr val="9BBB59"/>
-      </a:accent3>
-      <a:accent4>
-        <a:srgbClr val="8064A2"/>
-      </a:accent4>
-      <a:accent5>
-        <a:srgbClr val="4BACC6"/>
-      </a:accent5>
-      <a:accent6>
-        <a:srgbClr val="F79646"/>
-      </a:accent6>
-      <a:hlink>
-        <a:srgbClr val="0000FF"/>
-      </a:hlink>
-      <a:folHlink>
-        <a:srgbClr val="800080"/>
-      </a:folHlink>
-    </a:clrScheme>
-    <a:fontScheme name="Office">
-      <a:majorFont>
-        <a:latin typeface="Arial"/>
-        <a:ea typeface=""/>
-        <a:cs typeface=""/>
-        <a:font typeface="ＭＳ Ｐゴシック" script="Jpan"/>
-        <a:font typeface="맑은 고딕" script="Hang"/>
-        <a:font typeface="宋体" script="Hans"/>
-        <a:font typeface="新細明體" script="Hant"/>
-        <a:font typeface="Times New Roman" script="Arab"/>
-        <a:font typeface="Times New Roman" script="Hebr"/>
-        <a:font typeface="Angsana New" script="Thai"/>
-        <a:font typeface="Nyala" script="Ethi"/>
-        <a:font typeface="Vrinda" script="Beng"/>
-        <a:font typeface="Shruti" script="Gujr"/>
-        <a:font typeface="MoolBoran" script="Khmr"/>
-        <a:font typeface="Tunga" script="Knda"/>
-        <a:font typeface="Raavi" script="Guru"/>
-        <a:font typeface="Euphemia" script="Cans"/>
-        <a:font typeface="Plantagenet Cherokee" script="Cher"/>
-        <a:font typeface="Microsoft Yi Baiti" script="Yiii"/>
-        <a:font typeface="Microsoft Himalaya" script="Tibt"/>
-        <a:font typeface="MV Boli" script="Thaa"/>
-        <a:font typeface="Mangal" script="Deva"/>
-        <a:font typeface="Gautami" script="Telu"/>
-        <a:font typeface="Latha" script="Taml"/>
-        <a:font typeface="Estrangelo Edessa" script="Syrc"/>
-        <a:font typeface="Kalinga" script="Orya"/>
-        <a:font typeface="Kartika" script="Mlym"/>
-        <a:font typeface="DokChampa" script="Laoo"/>
-        <a:font typeface="Iskoola Pota" script="Sinh"/>
-        <a:font typeface="Mongolian Baiti" script="Mong"/>
-        <a:font typeface="Times New Roman" script="Viet"/>
-        <a:font typeface="Microsoft Uighur" script="Uigh"/>
-      </a:majorFont>
-      <a:minorFont>
-        <a:latin typeface="Arial"/>
-        <a:ea typeface=""/>
-        <a:cs typeface=""/>
-        <a:font typeface="ＭＳ Ｐゴシック" script="Jpan"/>
-        <a:font typeface="맑은 고딕" script="Hang"/>
-        <a:font typeface="宋体" script="Hans"/>
-        <a:font typeface="新細明體" script="Hant"/>
-        <a:font typeface="Arial" script="Arab"/>
-        <a:font typeface="Arial" script="Hebr"/>
-        <a:font typeface="Cordia New" script="Thai"/>
-        <a:font typeface="Nyala" script="Ethi"/>
-        <a:font typeface="Vrinda" script="Beng"/>
-        <a:font typeface="Shruti" script="Gujr"/>
-        <a:font typeface="DaunPenh" script="Khmr"/>
-        <a:font typeface="Tunga" script="Knda"/>
-        <a:font typeface="Raavi" script="Guru"/>
-        <a:font typeface="Euphemia" script="Cans"/>
-        <a:font typeface="Plantagenet Cherokee" script="Cher"/>
-        <a:font typeface="Microsoft Yi Baiti" script="Yiii"/>
-        <a:font typeface="Microsoft Himalaya" script="Tibt"/>
-        <a:font typeface="MV Boli" script="Thaa"/>
-        <a:font typeface="Mangal" script="Deva"/>
-        <a:font typeface="Gautami" script="Telu"/>
-        <a:font typeface="Latha" script="Taml"/>
-        <a:font typeface="Estrangelo Edessa" script="Syrc"/>
-        <a:font typeface="Kalinga" script="Orya"/>
-        <a:font typeface="Kartika" script="Mlym"/>
-        <a:font typeface="DokChampa" script="Laoo"/>
-        <a:font typeface="Iskoola Pota" script="Sinh"/>
-        <a:font typeface="Mongolian Baiti" script="Mong"/>
-        <a:font typeface="Arial" script="Viet"/>
-        <a:font typeface="Microsoft Uighur" script="Uigh"/>
-      </a:minorFont>
-    </a:fontScheme>
-    <a:fmtScheme name="Office">
-      <a:fillStyleLst>
-        <a:solidFill>
-          <a:schemeClr val="phClr"/>
-        </a:solidFill>
-        <a:gradFill rotWithShape="1">
-          <a:gsLst>
-            <a:gs pos="0">
-              <a:schemeClr val="phClr">
-                <a:tint val="50000"/>
-                <a:satMod val="300000"/>
-              </a:schemeClr>
-            </a:gs>
-            <a:gs pos="35000">
-              <a:schemeClr val="phClr">
-                <a:tint val="37000"/>
-                <a:satMod val="300000"/>
-              </a:schemeClr>
-            </a:gs>
-            <a:gs pos="100000">
-              <a:schemeClr val="phClr">
-                <a:tint val="15000"/>
-                <a:satMod val="350000"/>
-              </a:schemeClr>
-            </a:gs>
-          </a:gsLst>
-          <a:lin ang="16200000" scaled="1"/>
-        </a:gradFill>
-        <a:gradFill rotWithShape="1">
-          <a:gsLst>
-            <a:gs pos="0">
-              <a:schemeClr val="phClr">
-                <a:tint val="100000"/>
-                <a:shade val="100000"/>
-                <a:satMod val="130000"/>
-              </a:schemeClr>
-            </a:gs>
-            <a:gs pos="100000">
-              <a:schemeClr val="phClr">
-                <a:tint val="50000"/>
-                <a:shade val="100000"/>
-                <a:satMod val="350000"/>
-              </a:schemeClr>
-            </a:gs>
-          </a:gsLst>
-          <a:lin ang="16200000" scaled="0"/>
-        </a:gradFill>
-      </a:fillStyleLst>
-      <a:lnStyleLst>
-        <a:ln w="9525" algn="ctr" cap="flat" cmpd="sng">
-          <a:solidFill>
-            <a:schemeClr val="phClr">
-              <a:shade val="95000"/>
-              <a:satMod val="105000"/>
-            </a:schemeClr>
-          </a:solidFill>
-          <a:prstDash val="solid"/>
-        </a:ln>
-        <a:ln w="25400" algn="ctr" cap="flat" cmpd="sng">
-          <a:solidFill>
-            <a:schemeClr val="phClr"/>
-          </a:solidFill>
-          <a:prstDash val="solid"/>
-        </a:ln>
-        <a:ln w="38100" algn="ctr" cap="flat" cmpd="sng">
-          <a:solidFill>
-            <a:schemeClr val="phClr"/>
-          </a:solidFill>
-          <a:prstDash val="solid"/>
-        </a:ln>
-      </a:lnStyleLst>
-      <a:effectStyleLst>
-        <a:effectStyle>
-          <a:effectLst>
-            <a:outerShdw rotWithShape="0" dir="5400000" blurRad="40000" dist="20000">
-              <a:srgbClr val="000000">
-                <a:alpha val="38000"/>
-              </a:srgbClr>
-            </a:outerShdw>
-          </a:effectLst>
-        </a:effectStyle>
-        <a:effectStyle>
-          <a:effectLst>
-            <a:outerShdw rotWithShape="0" dir="5400000" blurRad="40000" dist="23000">
-              <a:srgbClr val="000000">
-                <a:alpha val="35000"/>
-              </a:srgbClr>
-            </a:outerShdw>
-          </a:effectLst>
-        </a:effectStyle>
-        <a:effectStyle>
-          <a:effectLst>
-            <a:outerShdw rotWithShape="0" dir="5400000" blurRad="40000" dist="23000">
-              <a:srgbClr val="000000">
-                <a:alpha val="35000"/>
-              </a:srgbClr>
-            </a:outerShdw>
-          </a:effectLst>
-          <a:scene3d>
-            <a:camera prst="orthographicFront">
-              <a:rot rev="0" lon="0" lat="0"/>
-            </a:camera>
-            <a:lightRig dir="t" rig="threePt">
-              <a:rot rev="1200000" lon="0" lat="0"/>
-            </a:lightRig>
-          </a:scene3d>
-          <a:sp3d>
-            <a:bevelT w="63500" h="25400"/>
-          </a:sp3d>
-        </a:effectStyle>
-      </a:effectStyleLst>
-      <a:bgFillStyleLst>
-        <a:solidFill>
-          <a:schemeClr val="phClr"/>
-        </a:solidFill>
-        <a:gradFill rotWithShape="1">
-          <a:gsLst>
-            <a:gs pos="0">
-              <a:schemeClr val="phClr">
-                <a:tint val="40000"/>
-                <a:satMod val="350000"/>
-              </a:schemeClr>
-            </a:gs>
-            <a:gs pos="40000">
-              <a:schemeClr val="phClr">
-                <a:tint val="45000"/>
-                <a:shade val="99000"/>
-                <a:satMod val="350000"/>
-              </a:schemeClr>
-            </a:gs>
-            <a:gs pos="100000">
-              <a:schemeClr val="phClr">
-                <a:shade val="20000"/>
-                <a:satMod val="255000"/>
-              </a:schemeClr>
-            </a:gs>
-          </a:gsLst>
-          <a:path path="circle">
-            <a:fillToRect t="-80000" b="180000" r="50000" l="50000"/>
-          </a:path>
-        </a:gradFill>
-        <a:gradFill rotWithShape="1">
-          <a:gsLst>
-            <a:gs pos="0">
-              <a:schemeClr val="phClr">
-                <a:tint val="80000"/>
-                <a:satMod val="300000"/>
-              </a:schemeClr>
-            </a:gs>
-            <a:gs pos="100000">
-              <a:schemeClr val="phClr">
-                <a:shade val="30000"/>
-                <a:satMod val="200000"/>
-              </a:schemeClr>
-            </a:gs>
-          </a:gsLst>
-          <a:path path="circle">
-            <a:fillToRect t="50000" b="50000" r="50000" l="50000"/>
-          </a:path>
-        </a:gradFill>
-      </a:bgFillStyleLst>
-    </a:fmtScheme>
-  </a:themeElements>
-  <a:objectDefaults>
-    <a:spDef>
-      <a:spPr/>
-      <a:bodyPr/>
-      <a:lstStyle/>
-      <a:style>
-        <a:lnRef idx="1">
-          <a:schemeClr val="accent1"/>
-        </a:lnRef>
-        <a:fillRef idx="3">
-          <a:schemeClr val="accent1"/>
-        </a:fillRef>
-        <a:effectRef idx="2">
-          <a:schemeClr val="accent1"/>
-        </a:effectRef>
-        <a:fontRef idx="minor">
-          <a:schemeClr val="lt1"/>
-        </a:fontRef>
-      </a:style>
-    </a:spDef>
-    <a:lnDef>
-      <a:spPr/>
-      <a:bodyPr/>
-      <a:lstStyle/>
-      <a:style>
-        <a:lnRef idx="2">
-          <a:schemeClr val="accent1"/>
-        </a:lnRef>
-        <a:fillRef idx="0">
-          <a:schemeClr val="accent1"/>
-        </a:fillRef>
-        <a:effectRef idx="1">
-          <a:schemeClr val="accent1"/>
-        </a:effectRef>
-        <a:fontRef idx="minor">
-          <a:schemeClr val="tx1"/>
-        </a:fontRef>
-      </a:style>
-    </a:lnDef>
-  </a:objectDefaults>
+  <a:objectDefaults/>
   <a:extraClrSchemeLst/>
 </a:theme>
 </file>